--- a/第 04 堂/CoAP 協定.pptx
+++ b/第 04 堂/CoAP 協定.pptx
@@ -7,16 +7,18 @@
   <p:sldIdLst>
     <p:sldId id="256" r:id="rId2"/>
     <p:sldId id="257" r:id="rId3"/>
-    <p:sldId id="258" r:id="rId4"/>
-    <p:sldId id="261" r:id="rId5"/>
-    <p:sldId id="259" r:id="rId6"/>
-    <p:sldId id="263" r:id="rId7"/>
-    <p:sldId id="264" r:id="rId8"/>
-    <p:sldId id="260" r:id="rId9"/>
-    <p:sldId id="262" r:id="rId10"/>
-    <p:sldId id="265" r:id="rId11"/>
-    <p:sldId id="267" r:id="rId12"/>
-    <p:sldId id="266" r:id="rId13"/>
+    <p:sldId id="268" r:id="rId4"/>
+    <p:sldId id="269" r:id="rId5"/>
+    <p:sldId id="258" r:id="rId6"/>
+    <p:sldId id="261" r:id="rId7"/>
+    <p:sldId id="259" r:id="rId8"/>
+    <p:sldId id="263" r:id="rId9"/>
+    <p:sldId id="264" r:id="rId10"/>
+    <p:sldId id="260" r:id="rId11"/>
+    <p:sldId id="262" r:id="rId12"/>
+    <p:sldId id="265" r:id="rId13"/>
+    <p:sldId id="267" r:id="rId14"/>
+    <p:sldId id="266" r:id="rId15"/>
   </p:sldIdLst>
   <p:sldSz cx="12192000" cy="6858000"/>
   <p:notesSz cx="6858000" cy="9144000"/>
@@ -115,10 +117,762 @@
       </a:defRPr>
     </a:lvl9pPr>
   </p:defaultTextStyle>
+  <p:extLst>
+    <p:ext uri="{EFAFB233-063F-42B5-8137-9DF3F51BA10A}">
+      <p15:sldGuideLst xmlns:p15="http://schemas.microsoft.com/office/powerpoint/2012/main"/>
+    </p:ext>
+  </p:extLst>
 </p:presentation>
 </file>
 
 <file path=ppt/diagrams/colors1.xml><?xml version="1.0" encoding="utf-8"?>
+<dgm:colorsDef xmlns:dgm="http://schemas.openxmlformats.org/drawingml/2006/diagram" xmlns:a="http://schemas.openxmlformats.org/drawingml/2006/main" uniqueId="urn:microsoft.com/office/officeart/2005/8/colors/accent2_2">
+  <dgm:title val=""/>
+  <dgm:desc val=""/>
+  <dgm:catLst>
+    <dgm:cat type="accent2" pri="11200"/>
+  </dgm:catLst>
+  <dgm:styleLbl name="node0">
+    <dgm:fillClrLst meth="repeat">
+      <a:schemeClr val="accent2"/>
+    </dgm:fillClrLst>
+    <dgm:linClrLst meth="repeat">
+      <a:schemeClr val="lt1"/>
+    </dgm:linClrLst>
+    <dgm:effectClrLst/>
+    <dgm:txLinClrLst/>
+    <dgm:txFillClrLst/>
+    <dgm:txEffectClrLst/>
+  </dgm:styleLbl>
+  <dgm:styleLbl name="node1">
+    <dgm:fillClrLst meth="repeat">
+      <a:schemeClr val="accent2"/>
+    </dgm:fillClrLst>
+    <dgm:linClrLst meth="repeat">
+      <a:schemeClr val="lt1"/>
+    </dgm:linClrLst>
+    <dgm:effectClrLst/>
+    <dgm:txLinClrLst/>
+    <dgm:txFillClrLst/>
+    <dgm:txEffectClrLst/>
+  </dgm:styleLbl>
+  <dgm:styleLbl name="alignNode1">
+    <dgm:fillClrLst meth="repeat">
+      <a:schemeClr val="accent2"/>
+    </dgm:fillClrLst>
+    <dgm:linClrLst meth="repeat">
+      <a:schemeClr val="accent2"/>
+    </dgm:linClrLst>
+    <dgm:effectClrLst/>
+    <dgm:txLinClrLst/>
+    <dgm:txFillClrLst/>
+    <dgm:txEffectClrLst/>
+  </dgm:styleLbl>
+  <dgm:styleLbl name="lnNode1">
+    <dgm:fillClrLst meth="repeat">
+      <a:schemeClr val="accent2"/>
+    </dgm:fillClrLst>
+    <dgm:linClrLst meth="repeat">
+      <a:schemeClr val="lt1"/>
+    </dgm:linClrLst>
+    <dgm:effectClrLst/>
+    <dgm:txLinClrLst/>
+    <dgm:txFillClrLst/>
+    <dgm:txEffectClrLst/>
+  </dgm:styleLbl>
+  <dgm:styleLbl name="vennNode1">
+    <dgm:fillClrLst meth="repeat">
+      <a:schemeClr val="accent2">
+        <a:alpha val="50000"/>
+      </a:schemeClr>
+    </dgm:fillClrLst>
+    <dgm:linClrLst meth="repeat">
+      <a:schemeClr val="lt1"/>
+    </dgm:linClrLst>
+    <dgm:effectClrLst/>
+    <dgm:txLinClrLst/>
+    <dgm:txFillClrLst/>
+    <dgm:txEffectClrLst/>
+  </dgm:styleLbl>
+  <dgm:styleLbl name="node2">
+    <dgm:fillClrLst meth="repeat">
+      <a:schemeClr val="accent2"/>
+    </dgm:fillClrLst>
+    <dgm:linClrLst meth="repeat">
+      <a:schemeClr val="lt1"/>
+    </dgm:linClrLst>
+    <dgm:effectClrLst/>
+    <dgm:txLinClrLst/>
+    <dgm:txFillClrLst/>
+    <dgm:txEffectClrLst/>
+  </dgm:styleLbl>
+  <dgm:styleLbl name="node3">
+    <dgm:fillClrLst meth="repeat">
+      <a:schemeClr val="accent2"/>
+    </dgm:fillClrLst>
+    <dgm:linClrLst meth="repeat">
+      <a:schemeClr val="lt1"/>
+    </dgm:linClrLst>
+    <dgm:effectClrLst/>
+    <dgm:txLinClrLst/>
+    <dgm:txFillClrLst/>
+    <dgm:txEffectClrLst/>
+  </dgm:styleLbl>
+  <dgm:styleLbl name="node4">
+    <dgm:fillClrLst meth="repeat">
+      <a:schemeClr val="accent2"/>
+    </dgm:fillClrLst>
+    <dgm:linClrLst meth="repeat">
+      <a:schemeClr val="lt1"/>
+    </dgm:linClrLst>
+    <dgm:effectClrLst/>
+    <dgm:txLinClrLst/>
+    <dgm:txFillClrLst/>
+    <dgm:txEffectClrLst/>
+  </dgm:styleLbl>
+  <dgm:styleLbl name="fgImgPlace1">
+    <dgm:fillClrLst meth="repeat">
+      <a:schemeClr val="accent2">
+        <a:tint val="50000"/>
+      </a:schemeClr>
+    </dgm:fillClrLst>
+    <dgm:linClrLst meth="repeat">
+      <a:schemeClr val="lt1"/>
+    </dgm:linClrLst>
+    <dgm:effectClrLst/>
+    <dgm:txLinClrLst/>
+    <dgm:txFillClrLst meth="repeat">
+      <a:schemeClr val="lt1"/>
+    </dgm:txFillClrLst>
+    <dgm:txEffectClrLst/>
+  </dgm:styleLbl>
+  <dgm:styleLbl name="alignImgPlace1">
+    <dgm:fillClrLst meth="repeat">
+      <a:schemeClr val="accent2">
+        <a:tint val="50000"/>
+      </a:schemeClr>
+    </dgm:fillClrLst>
+    <dgm:linClrLst meth="repeat">
+      <a:schemeClr val="lt1"/>
+    </dgm:linClrLst>
+    <dgm:effectClrLst/>
+    <dgm:txLinClrLst/>
+    <dgm:txFillClrLst meth="repeat">
+      <a:schemeClr val="lt1"/>
+    </dgm:txFillClrLst>
+    <dgm:txEffectClrLst/>
+  </dgm:styleLbl>
+  <dgm:styleLbl name="bgImgPlace1">
+    <dgm:fillClrLst meth="repeat">
+      <a:schemeClr val="accent2">
+        <a:tint val="50000"/>
+      </a:schemeClr>
+    </dgm:fillClrLst>
+    <dgm:linClrLst meth="repeat">
+      <a:schemeClr val="lt1"/>
+    </dgm:linClrLst>
+    <dgm:effectClrLst/>
+    <dgm:txLinClrLst/>
+    <dgm:txFillClrLst meth="repeat">
+      <a:schemeClr val="lt1"/>
+    </dgm:txFillClrLst>
+    <dgm:txEffectClrLst/>
+  </dgm:styleLbl>
+  <dgm:styleLbl name="sibTrans2D1">
+    <dgm:fillClrLst meth="repeat">
+      <a:schemeClr val="accent2">
+        <a:tint val="60000"/>
+      </a:schemeClr>
+    </dgm:fillClrLst>
+    <dgm:linClrLst meth="repeat">
+      <a:schemeClr val="accent2">
+        <a:tint val="60000"/>
+      </a:schemeClr>
+    </dgm:linClrLst>
+    <dgm:effectClrLst/>
+    <dgm:txLinClrLst/>
+    <dgm:txFillClrLst/>
+    <dgm:txEffectClrLst/>
+  </dgm:styleLbl>
+  <dgm:styleLbl name="fgSibTrans2D1">
+    <dgm:fillClrLst meth="repeat">
+      <a:schemeClr val="accent2">
+        <a:tint val="60000"/>
+      </a:schemeClr>
+    </dgm:fillClrLst>
+    <dgm:linClrLst meth="repeat">
+      <a:schemeClr val="accent2">
+        <a:tint val="60000"/>
+      </a:schemeClr>
+    </dgm:linClrLst>
+    <dgm:effectClrLst/>
+    <dgm:txLinClrLst/>
+    <dgm:txFillClrLst/>
+    <dgm:txEffectClrLst/>
+  </dgm:styleLbl>
+  <dgm:styleLbl name="bgSibTrans2D1">
+    <dgm:fillClrLst meth="repeat">
+      <a:schemeClr val="accent2">
+        <a:tint val="60000"/>
+      </a:schemeClr>
+    </dgm:fillClrLst>
+    <dgm:linClrLst meth="repeat">
+      <a:schemeClr val="accent2">
+        <a:tint val="60000"/>
+      </a:schemeClr>
+    </dgm:linClrLst>
+    <dgm:effectClrLst/>
+    <dgm:txLinClrLst/>
+    <dgm:txFillClrLst/>
+    <dgm:txEffectClrLst/>
+  </dgm:styleLbl>
+  <dgm:styleLbl name="sibTrans1D1">
+    <dgm:fillClrLst meth="repeat">
+      <a:schemeClr val="accent2"/>
+    </dgm:fillClrLst>
+    <dgm:linClrLst meth="repeat">
+      <a:schemeClr val="accent2"/>
+    </dgm:linClrLst>
+    <dgm:effectClrLst/>
+    <dgm:txLinClrLst/>
+    <dgm:txFillClrLst meth="repeat">
+      <a:schemeClr val="tx1"/>
+    </dgm:txFillClrLst>
+    <dgm:txEffectClrLst/>
+  </dgm:styleLbl>
+  <dgm:styleLbl name="callout">
+    <dgm:fillClrLst meth="repeat">
+      <a:schemeClr val="accent2"/>
+    </dgm:fillClrLst>
+    <dgm:linClrLst meth="repeat">
+      <a:schemeClr val="accent2">
+        <a:tint val="50000"/>
+      </a:schemeClr>
+    </dgm:linClrLst>
+    <dgm:effectClrLst/>
+    <dgm:txLinClrLst/>
+    <dgm:txFillClrLst meth="repeat">
+      <a:schemeClr val="tx1"/>
+    </dgm:txFillClrLst>
+    <dgm:txEffectClrLst/>
+  </dgm:styleLbl>
+  <dgm:styleLbl name="asst0">
+    <dgm:fillClrLst meth="repeat">
+      <a:schemeClr val="accent2"/>
+    </dgm:fillClrLst>
+    <dgm:linClrLst meth="repeat">
+      <a:schemeClr val="lt1"/>
+    </dgm:linClrLst>
+    <dgm:effectClrLst/>
+    <dgm:txLinClrLst/>
+    <dgm:txFillClrLst/>
+    <dgm:txEffectClrLst/>
+  </dgm:styleLbl>
+  <dgm:styleLbl name="asst1">
+    <dgm:fillClrLst meth="repeat">
+      <a:schemeClr val="accent2"/>
+    </dgm:fillClrLst>
+    <dgm:linClrLst meth="repeat">
+      <a:schemeClr val="lt1"/>
+    </dgm:linClrLst>
+    <dgm:effectClrLst/>
+    <dgm:txLinClrLst/>
+    <dgm:txFillClrLst/>
+    <dgm:txEffectClrLst/>
+  </dgm:styleLbl>
+  <dgm:styleLbl name="asst2">
+    <dgm:fillClrLst meth="repeat">
+      <a:schemeClr val="accent2"/>
+    </dgm:fillClrLst>
+    <dgm:linClrLst meth="repeat">
+      <a:schemeClr val="lt1"/>
+    </dgm:linClrLst>
+    <dgm:effectClrLst/>
+    <dgm:txLinClrLst/>
+    <dgm:txFillClrLst/>
+    <dgm:txEffectClrLst/>
+  </dgm:styleLbl>
+  <dgm:styleLbl name="asst3">
+    <dgm:fillClrLst meth="repeat">
+      <a:schemeClr val="accent2"/>
+    </dgm:fillClrLst>
+    <dgm:linClrLst meth="repeat">
+      <a:schemeClr val="lt1"/>
+    </dgm:linClrLst>
+    <dgm:effectClrLst/>
+    <dgm:txLinClrLst/>
+    <dgm:txFillClrLst/>
+    <dgm:txEffectClrLst/>
+  </dgm:styleLbl>
+  <dgm:styleLbl name="asst4">
+    <dgm:fillClrLst meth="repeat">
+      <a:schemeClr val="accent2"/>
+    </dgm:fillClrLst>
+    <dgm:linClrLst meth="repeat">
+      <a:schemeClr val="lt1"/>
+    </dgm:linClrLst>
+    <dgm:effectClrLst/>
+    <dgm:txLinClrLst/>
+    <dgm:txFillClrLst/>
+    <dgm:txEffectClrLst/>
+  </dgm:styleLbl>
+  <dgm:styleLbl name="parChTrans2D1">
+    <dgm:fillClrLst meth="repeat">
+      <a:schemeClr val="accent2">
+        <a:tint val="60000"/>
+      </a:schemeClr>
+    </dgm:fillClrLst>
+    <dgm:linClrLst meth="repeat">
+      <a:schemeClr val="accent2">
+        <a:tint val="60000"/>
+      </a:schemeClr>
+    </dgm:linClrLst>
+    <dgm:effectClrLst/>
+    <dgm:txLinClrLst/>
+    <dgm:txFillClrLst meth="repeat">
+      <a:schemeClr val="lt1"/>
+    </dgm:txFillClrLst>
+    <dgm:txEffectClrLst/>
+  </dgm:styleLbl>
+  <dgm:styleLbl name="parChTrans2D2">
+    <dgm:fillClrLst meth="repeat">
+      <a:schemeClr val="accent2"/>
+    </dgm:fillClrLst>
+    <dgm:linClrLst meth="repeat">
+      <a:schemeClr val="accent2"/>
+    </dgm:linClrLst>
+    <dgm:effectClrLst/>
+    <dgm:txLinClrLst/>
+    <dgm:txFillClrLst meth="repeat">
+      <a:schemeClr val="lt1"/>
+    </dgm:txFillClrLst>
+    <dgm:txEffectClrLst/>
+  </dgm:styleLbl>
+  <dgm:styleLbl name="parChTrans2D3">
+    <dgm:fillClrLst meth="repeat">
+      <a:schemeClr val="accent2"/>
+    </dgm:fillClrLst>
+    <dgm:linClrLst meth="repeat">
+      <a:schemeClr val="accent2"/>
+    </dgm:linClrLst>
+    <dgm:effectClrLst/>
+    <dgm:txLinClrLst/>
+    <dgm:txFillClrLst meth="repeat">
+      <a:schemeClr val="lt1"/>
+    </dgm:txFillClrLst>
+    <dgm:txEffectClrLst/>
+  </dgm:styleLbl>
+  <dgm:styleLbl name="parChTrans2D4">
+    <dgm:fillClrLst meth="repeat">
+      <a:schemeClr val="accent2"/>
+    </dgm:fillClrLst>
+    <dgm:linClrLst meth="repeat">
+      <a:schemeClr val="accent2"/>
+    </dgm:linClrLst>
+    <dgm:effectClrLst/>
+    <dgm:txLinClrLst/>
+    <dgm:txFillClrLst meth="repeat">
+      <a:schemeClr val="lt1"/>
+    </dgm:txFillClrLst>
+    <dgm:txEffectClrLst/>
+  </dgm:styleLbl>
+  <dgm:styleLbl name="parChTrans1D1">
+    <dgm:fillClrLst meth="repeat">
+      <a:schemeClr val="accent2"/>
+    </dgm:fillClrLst>
+    <dgm:linClrLst meth="repeat">
+      <a:schemeClr val="accent2">
+        <a:shade val="60000"/>
+      </a:schemeClr>
+    </dgm:linClrLst>
+    <dgm:effectClrLst/>
+    <dgm:txLinClrLst/>
+    <dgm:txFillClrLst meth="repeat">
+      <a:schemeClr val="tx1"/>
+    </dgm:txFillClrLst>
+    <dgm:txEffectClrLst/>
+  </dgm:styleLbl>
+  <dgm:styleLbl name="parChTrans1D2">
+    <dgm:fillClrLst meth="repeat">
+      <a:schemeClr val="accent2"/>
+    </dgm:fillClrLst>
+    <dgm:linClrLst meth="repeat">
+      <a:schemeClr val="accent2">
+        <a:shade val="60000"/>
+      </a:schemeClr>
+    </dgm:linClrLst>
+    <dgm:effectClrLst/>
+    <dgm:txLinClrLst/>
+    <dgm:txFillClrLst meth="repeat">
+      <a:schemeClr val="tx1"/>
+    </dgm:txFillClrLst>
+    <dgm:txEffectClrLst/>
+  </dgm:styleLbl>
+  <dgm:styleLbl name="parChTrans1D3">
+    <dgm:fillClrLst meth="repeat">
+      <a:schemeClr val="accent2"/>
+    </dgm:fillClrLst>
+    <dgm:linClrLst meth="repeat">
+      <a:schemeClr val="accent2">
+        <a:shade val="80000"/>
+      </a:schemeClr>
+    </dgm:linClrLst>
+    <dgm:effectClrLst/>
+    <dgm:txLinClrLst/>
+    <dgm:txFillClrLst meth="repeat">
+      <a:schemeClr val="tx1"/>
+    </dgm:txFillClrLst>
+    <dgm:txEffectClrLst/>
+  </dgm:styleLbl>
+  <dgm:styleLbl name="parChTrans1D4">
+    <dgm:fillClrLst meth="repeat">
+      <a:schemeClr val="accent2"/>
+    </dgm:fillClrLst>
+    <dgm:linClrLst meth="repeat">
+      <a:schemeClr val="accent2">
+        <a:shade val="80000"/>
+      </a:schemeClr>
+    </dgm:linClrLst>
+    <dgm:effectClrLst/>
+    <dgm:txLinClrLst/>
+    <dgm:txFillClrLst meth="repeat">
+      <a:schemeClr val="tx1"/>
+    </dgm:txFillClrLst>
+    <dgm:txEffectClrLst/>
+  </dgm:styleLbl>
+  <dgm:styleLbl name="fgAcc1">
+    <dgm:fillClrLst meth="repeat">
+      <a:schemeClr val="lt1">
+        <a:alpha val="90000"/>
+      </a:schemeClr>
+    </dgm:fillClrLst>
+    <dgm:linClrLst meth="repeat">
+      <a:schemeClr val="accent2"/>
+    </dgm:linClrLst>
+    <dgm:effectClrLst/>
+    <dgm:txLinClrLst/>
+    <dgm:txFillClrLst meth="repeat">
+      <a:schemeClr val="dk1"/>
+    </dgm:txFillClrLst>
+    <dgm:txEffectClrLst/>
+  </dgm:styleLbl>
+  <dgm:styleLbl name="conFgAcc1">
+    <dgm:fillClrLst meth="repeat">
+      <a:schemeClr val="lt1">
+        <a:alpha val="90000"/>
+      </a:schemeClr>
+    </dgm:fillClrLst>
+    <dgm:linClrLst meth="repeat">
+      <a:schemeClr val="accent2"/>
+    </dgm:linClrLst>
+    <dgm:effectClrLst/>
+    <dgm:txLinClrLst/>
+    <dgm:txFillClrLst meth="repeat">
+      <a:schemeClr val="dk1"/>
+    </dgm:txFillClrLst>
+    <dgm:txEffectClrLst/>
+  </dgm:styleLbl>
+  <dgm:styleLbl name="alignAcc1">
+    <dgm:fillClrLst meth="repeat">
+      <a:schemeClr val="lt1">
+        <a:alpha val="90000"/>
+      </a:schemeClr>
+    </dgm:fillClrLst>
+    <dgm:linClrLst meth="repeat">
+      <a:schemeClr val="accent2"/>
+    </dgm:linClrLst>
+    <dgm:effectClrLst/>
+    <dgm:txLinClrLst/>
+    <dgm:txFillClrLst meth="repeat">
+      <a:schemeClr val="dk1"/>
+    </dgm:txFillClrLst>
+    <dgm:txEffectClrLst/>
+  </dgm:styleLbl>
+  <dgm:styleLbl name="trAlignAcc1">
+    <dgm:fillClrLst meth="repeat">
+      <a:schemeClr val="lt1">
+        <a:alpha val="40000"/>
+      </a:schemeClr>
+    </dgm:fillClrLst>
+    <dgm:linClrLst meth="repeat">
+      <a:schemeClr val="accent2"/>
+    </dgm:linClrLst>
+    <dgm:effectClrLst/>
+    <dgm:txLinClrLst/>
+    <dgm:txFillClrLst meth="repeat">
+      <a:schemeClr val="dk1"/>
+    </dgm:txFillClrLst>
+    <dgm:txEffectClrLst/>
+  </dgm:styleLbl>
+  <dgm:styleLbl name="bgAcc1">
+    <dgm:fillClrLst meth="repeat">
+      <a:schemeClr val="lt1">
+        <a:alpha val="90000"/>
+      </a:schemeClr>
+    </dgm:fillClrLst>
+    <dgm:linClrLst meth="repeat">
+      <a:schemeClr val="accent2"/>
+    </dgm:linClrLst>
+    <dgm:effectClrLst/>
+    <dgm:txLinClrLst/>
+    <dgm:txFillClrLst meth="repeat">
+      <a:schemeClr val="dk1"/>
+    </dgm:txFillClrLst>
+    <dgm:txEffectClrLst/>
+  </dgm:styleLbl>
+  <dgm:styleLbl name="solidFgAcc1">
+    <dgm:fillClrLst meth="repeat">
+      <a:schemeClr val="lt1"/>
+    </dgm:fillClrLst>
+    <dgm:linClrLst meth="repeat">
+      <a:schemeClr val="accent2"/>
+    </dgm:linClrLst>
+    <dgm:effectClrLst/>
+    <dgm:txLinClrLst/>
+    <dgm:txFillClrLst meth="repeat">
+      <a:schemeClr val="dk1"/>
+    </dgm:txFillClrLst>
+    <dgm:txEffectClrLst/>
+  </dgm:styleLbl>
+  <dgm:styleLbl name="solidAlignAcc1">
+    <dgm:fillClrLst meth="repeat">
+      <a:schemeClr val="lt1"/>
+    </dgm:fillClrLst>
+    <dgm:linClrLst meth="repeat">
+      <a:schemeClr val="accent2"/>
+    </dgm:linClrLst>
+    <dgm:effectClrLst/>
+    <dgm:txLinClrLst/>
+    <dgm:txFillClrLst meth="repeat">
+      <a:schemeClr val="dk1"/>
+    </dgm:txFillClrLst>
+    <dgm:txEffectClrLst/>
+  </dgm:styleLbl>
+  <dgm:styleLbl name="solidBgAcc1">
+    <dgm:fillClrLst meth="repeat">
+      <a:schemeClr val="lt1"/>
+    </dgm:fillClrLst>
+    <dgm:linClrLst meth="repeat">
+      <a:schemeClr val="accent2"/>
+    </dgm:linClrLst>
+    <dgm:effectClrLst/>
+    <dgm:txLinClrLst/>
+    <dgm:txFillClrLst meth="repeat">
+      <a:schemeClr val="dk1"/>
+    </dgm:txFillClrLst>
+    <dgm:txEffectClrLst/>
+  </dgm:styleLbl>
+  <dgm:styleLbl name="fgAccFollowNode1">
+    <dgm:fillClrLst meth="repeat">
+      <a:schemeClr val="accent2">
+        <a:alpha val="90000"/>
+        <a:tint val="40000"/>
+      </a:schemeClr>
+    </dgm:fillClrLst>
+    <dgm:linClrLst meth="repeat">
+      <a:schemeClr val="accent2">
+        <a:alpha val="90000"/>
+        <a:tint val="40000"/>
+      </a:schemeClr>
+    </dgm:linClrLst>
+    <dgm:effectClrLst/>
+    <dgm:txLinClrLst/>
+    <dgm:txFillClrLst meth="repeat">
+      <a:schemeClr val="dk1"/>
+    </dgm:txFillClrLst>
+    <dgm:txEffectClrLst/>
+  </dgm:styleLbl>
+  <dgm:styleLbl name="alignAccFollowNode1">
+    <dgm:fillClrLst meth="repeat">
+      <a:schemeClr val="accent2">
+        <a:alpha val="90000"/>
+        <a:tint val="40000"/>
+      </a:schemeClr>
+    </dgm:fillClrLst>
+    <dgm:linClrLst meth="repeat">
+      <a:schemeClr val="accent2">
+        <a:alpha val="90000"/>
+        <a:tint val="40000"/>
+      </a:schemeClr>
+    </dgm:linClrLst>
+    <dgm:effectClrLst/>
+    <dgm:txLinClrLst/>
+    <dgm:txFillClrLst meth="repeat">
+      <a:schemeClr val="dk1"/>
+    </dgm:txFillClrLst>
+    <dgm:txEffectClrLst/>
+  </dgm:styleLbl>
+  <dgm:styleLbl name="bgAccFollowNode1">
+    <dgm:fillClrLst meth="repeat">
+      <a:schemeClr val="accent2">
+        <a:alpha val="90000"/>
+        <a:tint val="40000"/>
+      </a:schemeClr>
+    </dgm:fillClrLst>
+    <dgm:linClrLst meth="repeat">
+      <a:schemeClr val="accent2">
+        <a:alpha val="90000"/>
+        <a:tint val="40000"/>
+      </a:schemeClr>
+    </dgm:linClrLst>
+    <dgm:effectClrLst/>
+    <dgm:txLinClrLst/>
+    <dgm:txFillClrLst meth="repeat">
+      <a:schemeClr val="dk1"/>
+    </dgm:txFillClrLst>
+    <dgm:txEffectClrLst/>
+  </dgm:styleLbl>
+  <dgm:styleLbl name="fgAcc0">
+    <dgm:fillClrLst meth="repeat">
+      <a:schemeClr val="lt1">
+        <a:alpha val="90000"/>
+      </a:schemeClr>
+    </dgm:fillClrLst>
+    <dgm:linClrLst meth="repeat">
+      <a:schemeClr val="accent2"/>
+    </dgm:linClrLst>
+    <dgm:effectClrLst/>
+    <dgm:txLinClrLst/>
+    <dgm:txFillClrLst meth="repeat">
+      <a:schemeClr val="dk1"/>
+    </dgm:txFillClrLst>
+    <dgm:txEffectClrLst/>
+  </dgm:styleLbl>
+  <dgm:styleLbl name="fgAcc2">
+    <dgm:fillClrLst meth="repeat">
+      <a:schemeClr val="lt1">
+        <a:alpha val="90000"/>
+      </a:schemeClr>
+    </dgm:fillClrLst>
+    <dgm:linClrLst meth="repeat">
+      <a:schemeClr val="accent2"/>
+    </dgm:linClrLst>
+    <dgm:effectClrLst/>
+    <dgm:txLinClrLst/>
+    <dgm:txFillClrLst meth="repeat">
+      <a:schemeClr val="dk1"/>
+    </dgm:txFillClrLst>
+    <dgm:txEffectClrLst/>
+  </dgm:styleLbl>
+  <dgm:styleLbl name="fgAcc3">
+    <dgm:fillClrLst meth="repeat">
+      <a:schemeClr val="lt1">
+        <a:alpha val="90000"/>
+      </a:schemeClr>
+    </dgm:fillClrLst>
+    <dgm:linClrLst meth="repeat">
+      <a:schemeClr val="accent2"/>
+    </dgm:linClrLst>
+    <dgm:effectClrLst/>
+    <dgm:txLinClrLst/>
+    <dgm:txFillClrLst meth="repeat">
+      <a:schemeClr val="dk1"/>
+    </dgm:txFillClrLst>
+    <dgm:txEffectClrLst/>
+  </dgm:styleLbl>
+  <dgm:styleLbl name="fgAcc4">
+    <dgm:fillClrLst meth="repeat">
+      <a:schemeClr val="lt1">
+        <a:alpha val="90000"/>
+      </a:schemeClr>
+    </dgm:fillClrLst>
+    <dgm:linClrLst meth="repeat">
+      <a:schemeClr val="accent2"/>
+    </dgm:linClrLst>
+    <dgm:effectClrLst/>
+    <dgm:txLinClrLst/>
+    <dgm:txFillClrLst meth="repeat">
+      <a:schemeClr val="dk1"/>
+    </dgm:txFillClrLst>
+    <dgm:txEffectClrLst/>
+  </dgm:styleLbl>
+  <dgm:styleLbl name="bgShp">
+    <dgm:fillClrLst meth="repeat">
+      <a:schemeClr val="accent2">
+        <a:tint val="40000"/>
+      </a:schemeClr>
+    </dgm:fillClrLst>
+    <dgm:linClrLst meth="repeat">
+      <a:schemeClr val="accent2"/>
+    </dgm:linClrLst>
+    <dgm:effectClrLst/>
+    <dgm:txLinClrLst/>
+    <dgm:txFillClrLst meth="repeat">
+      <a:schemeClr val="dk1"/>
+    </dgm:txFillClrLst>
+    <dgm:txEffectClrLst/>
+  </dgm:styleLbl>
+  <dgm:styleLbl name="dkBgShp">
+    <dgm:fillClrLst meth="repeat">
+      <a:schemeClr val="accent2">
+        <a:shade val="80000"/>
+      </a:schemeClr>
+    </dgm:fillClrLst>
+    <dgm:linClrLst meth="repeat">
+      <a:schemeClr val="accent2"/>
+    </dgm:linClrLst>
+    <dgm:effectClrLst/>
+    <dgm:txLinClrLst/>
+    <dgm:txFillClrLst meth="repeat">
+      <a:schemeClr val="lt1"/>
+    </dgm:txFillClrLst>
+    <dgm:txEffectClrLst/>
+  </dgm:styleLbl>
+  <dgm:styleLbl name="trBgShp">
+    <dgm:fillClrLst meth="repeat">
+      <a:schemeClr val="accent2">
+        <a:tint val="50000"/>
+        <a:alpha val="40000"/>
+      </a:schemeClr>
+    </dgm:fillClrLst>
+    <dgm:linClrLst meth="repeat">
+      <a:schemeClr val="accent2"/>
+    </dgm:linClrLst>
+    <dgm:effectClrLst/>
+    <dgm:txLinClrLst/>
+    <dgm:txFillClrLst meth="repeat">
+      <a:schemeClr val="lt1"/>
+    </dgm:txFillClrLst>
+    <dgm:txEffectClrLst/>
+  </dgm:styleLbl>
+  <dgm:styleLbl name="fgShp">
+    <dgm:fillClrLst meth="repeat">
+      <a:schemeClr val="accent2">
+        <a:tint val="60000"/>
+      </a:schemeClr>
+    </dgm:fillClrLst>
+    <dgm:linClrLst meth="repeat">
+      <a:schemeClr val="lt1"/>
+    </dgm:linClrLst>
+    <dgm:effectClrLst/>
+    <dgm:txLinClrLst/>
+    <dgm:txFillClrLst meth="repeat">
+      <a:schemeClr val="dk1"/>
+    </dgm:txFillClrLst>
+    <dgm:txEffectClrLst/>
+  </dgm:styleLbl>
+  <dgm:styleLbl name="revTx">
+    <dgm:fillClrLst meth="repeat">
+      <a:schemeClr val="lt1">
+        <a:alpha val="0"/>
+      </a:schemeClr>
+    </dgm:fillClrLst>
+    <dgm:linClrLst meth="repeat">
+      <a:schemeClr val="dk1">
+        <a:alpha val="0"/>
+      </a:schemeClr>
+    </dgm:linClrLst>
+    <dgm:effectClrLst/>
+    <dgm:txLinClrLst/>
+    <dgm:txFillClrLst meth="repeat">
+      <a:schemeClr val="tx1"/>
+    </dgm:txFillClrLst>
+    <dgm:txEffectClrLst/>
+  </dgm:styleLbl>
+</dgm:colorsDef>
+</file>
+
+<file path=ppt/diagrams/colors2.xml><?xml version="1.0" encoding="utf-8"?>
 <dgm:colorsDef xmlns:dgm="http://schemas.openxmlformats.org/drawingml/2006/diagram" xmlns:a="http://schemas.openxmlformats.org/drawingml/2006/main" uniqueId="urn:microsoft.com/office/officeart/2005/8/colors/accent1_2">
   <dgm:title val=""/>
   <dgm:desc val=""/>
@@ -868,6 +1622,897 @@
 <file path=ppt/diagrams/data1.xml><?xml version="1.0" encoding="utf-8"?>
 <dgm:dataModel xmlns:dgm="http://schemas.openxmlformats.org/drawingml/2006/diagram" xmlns:a="http://schemas.openxmlformats.org/drawingml/2006/main">
   <dgm:ptLst>
+    <dgm:pt modelId="{A1A1F5C2-F713-4204-AF82-8053A98F58BF}" type="doc">
+      <dgm:prSet loTypeId="urn:microsoft.com/office/officeart/2005/8/layout/list1" loCatId="list" qsTypeId="urn:microsoft.com/office/officeart/2005/8/quickstyle/simple1" qsCatId="simple" csTypeId="urn:microsoft.com/office/officeart/2005/8/colors/accent2_2" csCatId="accent2"/>
+      <dgm:spPr/>
+      <dgm:t>
+        <a:bodyPr/>
+        <a:lstStyle/>
+        <a:p>
+          <a:endParaRPr lang="en-US"/>
+        </a:p>
+      </dgm:t>
+    </dgm:pt>
+    <dgm:pt modelId="{5858B63A-DA86-453F-9D3B-65050E4F363F}">
+      <dgm:prSet custT="1"/>
+      <dgm:spPr/>
+      <dgm:t>
+        <a:bodyPr/>
+        <a:lstStyle/>
+        <a:p>
+          <a:r>
+            <a:rPr lang="zh-TW" sz="1600" b="1" dirty="0">
+              <a:latin typeface="微軟正黑體" panose="020B0604030504040204" pitchFamily="34" charset="-120"/>
+              <a:ea typeface="微軟正黑體" panose="020B0604030504040204" pitchFamily="34" charset="-120"/>
+            </a:rPr>
+            <a:t>基於 </a:t>
+          </a:r>
+          <a:r>
+            <a:rPr lang="en-US" sz="1600" b="1" dirty="0">
+              <a:latin typeface="微軟正黑體" panose="020B0604030504040204" pitchFamily="34" charset="-120"/>
+              <a:ea typeface="微軟正黑體" panose="020B0604030504040204" pitchFamily="34" charset="-120"/>
+            </a:rPr>
+            <a:t>UDP </a:t>
+          </a:r>
+          <a:r>
+            <a:rPr lang="zh-TW" sz="1600" b="1" dirty="0">
+              <a:latin typeface="微軟正黑體" panose="020B0604030504040204" pitchFamily="34" charset="-120"/>
+              <a:ea typeface="微軟正黑體" panose="020B0604030504040204" pitchFamily="34" charset="-120"/>
+            </a:rPr>
+            <a:t>傳輸</a:t>
+          </a:r>
+          <a:endParaRPr lang="en-US" sz="1600" b="1" dirty="0">
+            <a:latin typeface="微軟正黑體" panose="020B0604030504040204" pitchFamily="34" charset="-120"/>
+            <a:ea typeface="微軟正黑體" panose="020B0604030504040204" pitchFamily="34" charset="-120"/>
+          </a:endParaRPr>
+        </a:p>
+      </dgm:t>
+    </dgm:pt>
+    <dgm:pt modelId="{DBC4AFB8-F973-4015-ADA9-7E0C71089624}" type="parTrans" cxnId="{FF8DD878-9E60-47AA-A258-C7236B5C6F8A}">
+      <dgm:prSet/>
+      <dgm:spPr/>
+      <dgm:t>
+        <a:bodyPr/>
+        <a:lstStyle/>
+        <a:p>
+          <a:endParaRPr lang="en-US"/>
+        </a:p>
+      </dgm:t>
+    </dgm:pt>
+    <dgm:pt modelId="{9C69C157-316C-4A15-B0EE-DD21A5AA7059}" type="sibTrans" cxnId="{FF8DD878-9E60-47AA-A258-C7236B5C6F8A}">
+      <dgm:prSet/>
+      <dgm:spPr/>
+      <dgm:t>
+        <a:bodyPr/>
+        <a:lstStyle/>
+        <a:p>
+          <a:endParaRPr lang="en-US"/>
+        </a:p>
+      </dgm:t>
+    </dgm:pt>
+    <dgm:pt modelId="{FAE14A94-2416-4536-99C1-6E7DE506B83A}">
+      <dgm:prSet custT="1"/>
+      <dgm:spPr/>
+      <dgm:t>
+        <a:bodyPr/>
+        <a:lstStyle/>
+        <a:p>
+          <a:r>
+            <a:rPr lang="en-US" sz="1600" dirty="0">
+              <a:latin typeface="微軟正黑體" panose="020B0604030504040204" pitchFamily="34" charset="-120"/>
+              <a:ea typeface="微軟正黑體" panose="020B0604030504040204" pitchFamily="34" charset="-120"/>
+            </a:rPr>
+            <a:t>CoAP </a:t>
+          </a:r>
+          <a:r>
+            <a:rPr lang="zh-TW" sz="1600" dirty="0">
+              <a:latin typeface="微軟正黑體" panose="020B0604030504040204" pitchFamily="34" charset="-120"/>
+              <a:ea typeface="微軟正黑體" panose="020B0604030504040204" pitchFamily="34" charset="-120"/>
+            </a:rPr>
+            <a:t>使用 </a:t>
+          </a:r>
+          <a:r>
+            <a:rPr lang="en-US" sz="1600" dirty="0">
+              <a:latin typeface="微軟正黑體" panose="020B0604030504040204" pitchFamily="34" charset="-120"/>
+              <a:ea typeface="微軟正黑體" panose="020B0604030504040204" pitchFamily="34" charset="-120"/>
+            </a:rPr>
+            <a:t>UDP</a:t>
+          </a:r>
+          <a:r>
+            <a:rPr lang="zh-TW" sz="1600" dirty="0">
+              <a:latin typeface="微軟正黑體" panose="020B0604030504040204" pitchFamily="34" charset="-120"/>
+              <a:ea typeface="微軟正黑體" panose="020B0604030504040204" pitchFamily="34" charset="-120"/>
+            </a:rPr>
+            <a:t>，減少了協議開銷</a:t>
+          </a:r>
+          <a:endParaRPr lang="en-US" sz="1600" dirty="0">
+            <a:latin typeface="微軟正黑體" panose="020B0604030504040204" pitchFamily="34" charset="-120"/>
+            <a:ea typeface="微軟正黑體" panose="020B0604030504040204" pitchFamily="34" charset="-120"/>
+          </a:endParaRPr>
+        </a:p>
+      </dgm:t>
+    </dgm:pt>
+    <dgm:pt modelId="{E6E4A5CA-BD15-4EFE-894E-EE9F5AA9B343}" type="parTrans" cxnId="{70E327EA-BA0A-49DE-9C88-4A300E5B8765}">
+      <dgm:prSet/>
+      <dgm:spPr/>
+      <dgm:t>
+        <a:bodyPr/>
+        <a:lstStyle/>
+        <a:p>
+          <a:endParaRPr lang="en-US"/>
+        </a:p>
+      </dgm:t>
+    </dgm:pt>
+    <dgm:pt modelId="{70A9C372-F5D5-420F-B4EC-EA45E3BFD749}" type="sibTrans" cxnId="{70E327EA-BA0A-49DE-9C88-4A300E5B8765}">
+      <dgm:prSet/>
+      <dgm:spPr/>
+      <dgm:t>
+        <a:bodyPr/>
+        <a:lstStyle/>
+        <a:p>
+          <a:endParaRPr lang="en-US"/>
+        </a:p>
+      </dgm:t>
+    </dgm:pt>
+    <dgm:pt modelId="{240D35A3-8F0A-4DF6-B297-134988EFE290}">
+      <dgm:prSet custT="1"/>
+      <dgm:spPr/>
+      <dgm:t>
+        <a:bodyPr/>
+        <a:lstStyle/>
+        <a:p>
+          <a:r>
+            <a:rPr lang="zh-TW" sz="1600" dirty="0">
+              <a:latin typeface="微軟正黑體" panose="020B0604030504040204" pitchFamily="34" charset="-120"/>
+              <a:ea typeface="微軟正黑體" panose="020B0604030504040204" pitchFamily="34" charset="-120"/>
+            </a:rPr>
+            <a:t>不需要建立長連接，傳輸效率高，大幅降低設備的能耗</a:t>
+          </a:r>
+          <a:endParaRPr lang="en-US" sz="1600" dirty="0">
+            <a:latin typeface="微軟正黑體" panose="020B0604030504040204" pitchFamily="34" charset="-120"/>
+            <a:ea typeface="微軟正黑體" panose="020B0604030504040204" pitchFamily="34" charset="-120"/>
+          </a:endParaRPr>
+        </a:p>
+      </dgm:t>
+    </dgm:pt>
+    <dgm:pt modelId="{9E70C5C7-C8C4-4010-8192-14F3501AF1C1}" type="parTrans" cxnId="{717C439B-C475-40B1-999B-51236737AC32}">
+      <dgm:prSet/>
+      <dgm:spPr/>
+      <dgm:t>
+        <a:bodyPr/>
+        <a:lstStyle/>
+        <a:p>
+          <a:endParaRPr lang="en-US"/>
+        </a:p>
+      </dgm:t>
+    </dgm:pt>
+    <dgm:pt modelId="{522445A8-F0E8-460A-8068-505A1BF7087F}" type="sibTrans" cxnId="{717C439B-C475-40B1-999B-51236737AC32}">
+      <dgm:prSet/>
+      <dgm:spPr/>
+      <dgm:t>
+        <a:bodyPr/>
+        <a:lstStyle/>
+        <a:p>
+          <a:endParaRPr lang="en-US"/>
+        </a:p>
+      </dgm:t>
+    </dgm:pt>
+    <dgm:pt modelId="{D0FADF2A-B7BC-489F-BE54-1EBE0581971E}">
+      <dgm:prSet custT="1"/>
+      <dgm:spPr/>
+      <dgm:t>
+        <a:bodyPr/>
+        <a:lstStyle/>
+        <a:p>
+          <a:r>
+            <a:rPr lang="zh-TW" sz="1600" b="1" dirty="0">
+              <a:latin typeface="微軟正黑體" panose="020B0604030504040204" pitchFamily="34" charset="-120"/>
+              <a:ea typeface="微軟正黑體" panose="020B0604030504040204" pitchFamily="34" charset="-120"/>
+            </a:rPr>
+            <a:t>輕量設計</a:t>
+          </a:r>
+          <a:endParaRPr lang="en-US" sz="1600" b="1" dirty="0">
+            <a:latin typeface="微軟正黑體" panose="020B0604030504040204" pitchFamily="34" charset="-120"/>
+            <a:ea typeface="微軟正黑體" panose="020B0604030504040204" pitchFamily="34" charset="-120"/>
+          </a:endParaRPr>
+        </a:p>
+      </dgm:t>
+    </dgm:pt>
+    <dgm:pt modelId="{F9DEF6E1-F9AB-4011-A1B7-BAD6C481400C}" type="parTrans" cxnId="{A7731659-4E45-42CE-833C-5B2479F22C06}">
+      <dgm:prSet/>
+      <dgm:spPr/>
+      <dgm:t>
+        <a:bodyPr/>
+        <a:lstStyle/>
+        <a:p>
+          <a:endParaRPr lang="en-US"/>
+        </a:p>
+      </dgm:t>
+    </dgm:pt>
+    <dgm:pt modelId="{B26DC6DA-6C32-4C3B-9741-1E33AF0326D2}" type="sibTrans" cxnId="{A7731659-4E45-42CE-833C-5B2479F22C06}">
+      <dgm:prSet/>
+      <dgm:spPr/>
+      <dgm:t>
+        <a:bodyPr/>
+        <a:lstStyle/>
+        <a:p>
+          <a:endParaRPr lang="en-US"/>
+        </a:p>
+      </dgm:t>
+    </dgm:pt>
+    <dgm:pt modelId="{E97449A0-6F11-4904-8231-0248EB3B9CA2}">
+      <dgm:prSet custT="1"/>
+      <dgm:spPr/>
+      <dgm:t>
+        <a:bodyPr/>
+        <a:lstStyle/>
+        <a:p>
+          <a:r>
+            <a:rPr lang="zh-TW" sz="1500" dirty="0">
+              <a:latin typeface="微軟正黑體" panose="020B0604030504040204" pitchFamily="34" charset="-120"/>
+              <a:ea typeface="微軟正黑體" panose="020B0604030504040204" pitchFamily="34" charset="-120"/>
+            </a:rPr>
+            <a:t>數據包頭部僅需 </a:t>
+          </a:r>
+          <a:r>
+            <a:rPr lang="en-US" sz="1500" dirty="0">
+              <a:latin typeface="微軟正黑體" panose="020B0604030504040204" pitchFamily="34" charset="-120"/>
+              <a:ea typeface="微軟正黑體" panose="020B0604030504040204" pitchFamily="34" charset="-120"/>
+            </a:rPr>
+            <a:t>4 </a:t>
+          </a:r>
+          <a:r>
+            <a:rPr lang="zh-TW" sz="1500" dirty="0">
+              <a:latin typeface="微軟正黑體" panose="020B0604030504040204" pitchFamily="34" charset="-120"/>
+              <a:ea typeface="微軟正黑體" panose="020B0604030504040204" pitchFamily="34" charset="-120"/>
+            </a:rPr>
+            <a:t>字節，極大地減少了網路帶寬的佔用</a:t>
+          </a:r>
+          <a:endParaRPr lang="en-US" sz="1500" dirty="0">
+            <a:latin typeface="微軟正黑體" panose="020B0604030504040204" pitchFamily="34" charset="-120"/>
+            <a:ea typeface="微軟正黑體" panose="020B0604030504040204" pitchFamily="34" charset="-120"/>
+          </a:endParaRPr>
+        </a:p>
+      </dgm:t>
+    </dgm:pt>
+    <dgm:pt modelId="{F7415E45-4602-4BE1-A934-BA6C00B71EB9}" type="parTrans" cxnId="{45BF120B-40AD-4799-AD2D-76B97734E3EF}">
+      <dgm:prSet/>
+      <dgm:spPr/>
+      <dgm:t>
+        <a:bodyPr/>
+        <a:lstStyle/>
+        <a:p>
+          <a:endParaRPr lang="en-US"/>
+        </a:p>
+      </dgm:t>
+    </dgm:pt>
+    <dgm:pt modelId="{5EBB82E6-73E7-4A3C-8448-447329A1F699}" type="sibTrans" cxnId="{45BF120B-40AD-4799-AD2D-76B97734E3EF}">
+      <dgm:prSet/>
+      <dgm:spPr/>
+      <dgm:t>
+        <a:bodyPr/>
+        <a:lstStyle/>
+        <a:p>
+          <a:endParaRPr lang="en-US"/>
+        </a:p>
+      </dgm:t>
+    </dgm:pt>
+    <dgm:pt modelId="{927EA8CF-481B-4B85-9230-6CC0C97FB4D2}">
+      <dgm:prSet custT="1"/>
+      <dgm:spPr/>
+      <dgm:t>
+        <a:bodyPr/>
+        <a:lstStyle/>
+        <a:p>
+          <a:r>
+            <a:rPr lang="zh-TW" sz="1500" dirty="0">
+              <a:latin typeface="微軟正黑體" panose="020B0604030504040204" pitchFamily="34" charset="-120"/>
+              <a:ea typeface="微軟正黑體" panose="020B0604030504040204" pitchFamily="34" charset="-120"/>
+            </a:rPr>
+            <a:t>適用於低功耗、低內存的設備</a:t>
+          </a:r>
+          <a:endParaRPr lang="en-US" sz="1500" dirty="0">
+            <a:latin typeface="微軟正黑體" panose="020B0604030504040204" pitchFamily="34" charset="-120"/>
+            <a:ea typeface="微軟正黑體" panose="020B0604030504040204" pitchFamily="34" charset="-120"/>
+          </a:endParaRPr>
+        </a:p>
+      </dgm:t>
+    </dgm:pt>
+    <dgm:pt modelId="{899BEC98-A9FC-48A4-A8AB-5845DA51E6FC}" type="parTrans" cxnId="{2D1E7623-FFE8-4F64-8D02-3C3EE2BCD84E}">
+      <dgm:prSet/>
+      <dgm:spPr/>
+      <dgm:t>
+        <a:bodyPr/>
+        <a:lstStyle/>
+        <a:p>
+          <a:endParaRPr lang="en-US"/>
+        </a:p>
+      </dgm:t>
+    </dgm:pt>
+    <dgm:pt modelId="{3A715DE3-3143-4A21-9615-BFDAB3B765AF}" type="sibTrans" cxnId="{2D1E7623-FFE8-4F64-8D02-3C3EE2BCD84E}">
+      <dgm:prSet/>
+      <dgm:spPr/>
+      <dgm:t>
+        <a:bodyPr/>
+        <a:lstStyle/>
+        <a:p>
+          <a:endParaRPr lang="en-US"/>
+        </a:p>
+      </dgm:t>
+    </dgm:pt>
+    <dgm:pt modelId="{0E651F4A-9214-4777-A9B2-FD86A7701818}">
+      <dgm:prSet custT="1"/>
+      <dgm:spPr/>
+      <dgm:t>
+        <a:bodyPr/>
+        <a:lstStyle/>
+        <a:p>
+          <a:r>
+            <a:rPr lang="zh-TW" sz="1600" b="1">
+              <a:latin typeface="微軟正黑體" panose="020B0604030504040204" pitchFamily="34" charset="-120"/>
+              <a:ea typeface="微軟正黑體" panose="020B0604030504040204" pitchFamily="34" charset="-120"/>
+            </a:rPr>
+            <a:t>類似 </a:t>
+          </a:r>
+          <a:r>
+            <a:rPr lang="en-US" sz="1600" b="1">
+              <a:latin typeface="微軟正黑體" panose="020B0604030504040204" pitchFamily="34" charset="-120"/>
+              <a:ea typeface="微軟正黑體" panose="020B0604030504040204" pitchFamily="34" charset="-120"/>
+            </a:rPr>
+            <a:t>HTTP </a:t>
+          </a:r>
+          <a:r>
+            <a:rPr lang="zh-TW" sz="1600" b="1">
+              <a:latin typeface="微軟正黑體" panose="020B0604030504040204" pitchFamily="34" charset="-120"/>
+              <a:ea typeface="微軟正黑體" panose="020B0604030504040204" pitchFamily="34" charset="-120"/>
+            </a:rPr>
+            <a:t>的 </a:t>
+          </a:r>
+          <a:r>
+            <a:rPr lang="en-US" sz="1600" b="1">
+              <a:latin typeface="微軟正黑體" panose="020B0604030504040204" pitchFamily="34" charset="-120"/>
+              <a:ea typeface="微軟正黑體" panose="020B0604030504040204" pitchFamily="34" charset="-120"/>
+            </a:rPr>
+            <a:t>RESTful </a:t>
+          </a:r>
+          <a:r>
+            <a:rPr lang="zh-TW" sz="1600" b="1">
+              <a:latin typeface="微軟正黑體" panose="020B0604030504040204" pitchFamily="34" charset="-120"/>
+              <a:ea typeface="微軟正黑體" panose="020B0604030504040204" pitchFamily="34" charset="-120"/>
+            </a:rPr>
+            <a:t>模型</a:t>
+          </a:r>
+          <a:endParaRPr lang="en-US" sz="1600" b="1">
+            <a:latin typeface="微軟正黑體" panose="020B0604030504040204" pitchFamily="34" charset="-120"/>
+            <a:ea typeface="微軟正黑體" panose="020B0604030504040204" pitchFamily="34" charset="-120"/>
+          </a:endParaRPr>
+        </a:p>
+      </dgm:t>
+    </dgm:pt>
+    <dgm:pt modelId="{CC2EEB4D-2AF6-4780-968F-87CDE425585E}" type="parTrans" cxnId="{ADB8F9F2-74E6-48AC-AADD-315B4C01E4D3}">
+      <dgm:prSet/>
+      <dgm:spPr/>
+      <dgm:t>
+        <a:bodyPr/>
+        <a:lstStyle/>
+        <a:p>
+          <a:endParaRPr lang="en-US"/>
+        </a:p>
+      </dgm:t>
+    </dgm:pt>
+    <dgm:pt modelId="{170DEBF8-9698-455A-89DF-7E02EE1736D3}" type="sibTrans" cxnId="{ADB8F9F2-74E6-48AC-AADD-315B4C01E4D3}">
+      <dgm:prSet/>
+      <dgm:spPr/>
+      <dgm:t>
+        <a:bodyPr/>
+        <a:lstStyle/>
+        <a:p>
+          <a:endParaRPr lang="en-US"/>
+        </a:p>
+      </dgm:t>
+    </dgm:pt>
+    <dgm:pt modelId="{CAFF6685-8F3B-43D1-B13D-6479B62F6820}">
+      <dgm:prSet custT="1"/>
+      <dgm:spPr/>
+      <dgm:t>
+        <a:bodyPr/>
+        <a:lstStyle/>
+        <a:p>
+          <a:r>
+            <a:rPr lang="zh-TW" sz="1500">
+              <a:latin typeface="微軟正黑體" panose="020B0604030504040204" pitchFamily="34" charset="-120"/>
+              <a:ea typeface="微軟正黑體" panose="020B0604030504040204" pitchFamily="34" charset="-120"/>
+            </a:rPr>
+            <a:t>支援標準的 </a:t>
+          </a:r>
+          <a:r>
+            <a:rPr lang="en-US" sz="1500">
+              <a:latin typeface="微軟正黑體" panose="020B0604030504040204" pitchFamily="34" charset="-120"/>
+              <a:ea typeface="微軟正黑體" panose="020B0604030504040204" pitchFamily="34" charset="-120"/>
+            </a:rPr>
+            <a:t>GET</a:t>
+          </a:r>
+          <a:r>
+            <a:rPr lang="zh-TW" sz="1500">
+              <a:latin typeface="微軟正黑體" panose="020B0604030504040204" pitchFamily="34" charset="-120"/>
+              <a:ea typeface="微軟正黑體" panose="020B0604030504040204" pitchFamily="34" charset="-120"/>
+            </a:rPr>
+            <a:t>、</a:t>
+          </a:r>
+          <a:r>
+            <a:rPr lang="en-US" sz="1500">
+              <a:latin typeface="微軟正黑體" panose="020B0604030504040204" pitchFamily="34" charset="-120"/>
+              <a:ea typeface="微軟正黑體" panose="020B0604030504040204" pitchFamily="34" charset="-120"/>
+            </a:rPr>
+            <a:t>POST</a:t>
+          </a:r>
+          <a:r>
+            <a:rPr lang="zh-TW" sz="1500">
+              <a:latin typeface="微軟正黑體" panose="020B0604030504040204" pitchFamily="34" charset="-120"/>
+              <a:ea typeface="微軟正黑體" panose="020B0604030504040204" pitchFamily="34" charset="-120"/>
+            </a:rPr>
+            <a:t>、</a:t>
+          </a:r>
+          <a:r>
+            <a:rPr lang="en-US" sz="1500">
+              <a:latin typeface="微軟正黑體" panose="020B0604030504040204" pitchFamily="34" charset="-120"/>
+              <a:ea typeface="微軟正黑體" panose="020B0604030504040204" pitchFamily="34" charset="-120"/>
+            </a:rPr>
+            <a:t>PUT</a:t>
+          </a:r>
+          <a:r>
+            <a:rPr lang="zh-TW" sz="1500">
+              <a:latin typeface="微軟正黑體" panose="020B0604030504040204" pitchFamily="34" charset="-120"/>
+              <a:ea typeface="微軟正黑體" panose="020B0604030504040204" pitchFamily="34" charset="-120"/>
+            </a:rPr>
+            <a:t>、</a:t>
+          </a:r>
+          <a:r>
+            <a:rPr lang="en-US" sz="1500">
+              <a:latin typeface="微軟正黑體" panose="020B0604030504040204" pitchFamily="34" charset="-120"/>
+              <a:ea typeface="微軟正黑體" panose="020B0604030504040204" pitchFamily="34" charset="-120"/>
+            </a:rPr>
+            <a:t>DELETE </a:t>
+          </a:r>
+          <a:r>
+            <a:rPr lang="zh-TW" sz="1500">
+              <a:latin typeface="微軟正黑體" panose="020B0604030504040204" pitchFamily="34" charset="-120"/>
+              <a:ea typeface="微軟正黑體" panose="020B0604030504040204" pitchFamily="34" charset="-120"/>
+            </a:rPr>
+            <a:t>方法，方便開發者理解和使用</a:t>
+          </a:r>
+          <a:endParaRPr lang="en-US" sz="1500">
+            <a:latin typeface="微軟正黑體" panose="020B0604030504040204" pitchFamily="34" charset="-120"/>
+            <a:ea typeface="微軟正黑體" panose="020B0604030504040204" pitchFamily="34" charset="-120"/>
+          </a:endParaRPr>
+        </a:p>
+      </dgm:t>
+    </dgm:pt>
+    <dgm:pt modelId="{540D3A47-491A-4FEA-8B4D-1675B554211E}" type="parTrans" cxnId="{F102DD11-E62B-440D-8A3D-3017C4F54583}">
+      <dgm:prSet/>
+      <dgm:spPr/>
+      <dgm:t>
+        <a:bodyPr/>
+        <a:lstStyle/>
+        <a:p>
+          <a:endParaRPr lang="en-US"/>
+        </a:p>
+      </dgm:t>
+    </dgm:pt>
+    <dgm:pt modelId="{4EFFC1D2-AD5B-414F-A22B-62AA47C9DE15}" type="sibTrans" cxnId="{F102DD11-E62B-440D-8A3D-3017C4F54583}">
+      <dgm:prSet/>
+      <dgm:spPr/>
+      <dgm:t>
+        <a:bodyPr/>
+        <a:lstStyle/>
+        <a:p>
+          <a:endParaRPr lang="en-US"/>
+        </a:p>
+      </dgm:t>
+    </dgm:pt>
+    <dgm:pt modelId="{E0EE4918-F77C-439A-8E8D-557427CF67E6}">
+      <dgm:prSet custT="1"/>
+      <dgm:spPr/>
+      <dgm:t>
+        <a:bodyPr/>
+        <a:lstStyle/>
+        <a:p>
+          <a:r>
+            <a:rPr lang="zh-TW" sz="1500">
+              <a:latin typeface="微軟正黑體" panose="020B0604030504040204" pitchFamily="34" charset="-120"/>
+              <a:ea typeface="微軟正黑體" panose="020B0604030504040204" pitchFamily="34" charset="-120"/>
+            </a:rPr>
+            <a:t>簡化版 </a:t>
+          </a:r>
+          <a:r>
+            <a:rPr lang="en-US" sz="1500">
+              <a:latin typeface="微軟正黑體" panose="020B0604030504040204" pitchFamily="34" charset="-120"/>
+              <a:ea typeface="微軟正黑體" panose="020B0604030504040204" pitchFamily="34" charset="-120"/>
+            </a:rPr>
+            <a:t>HTTP</a:t>
+          </a:r>
+          <a:r>
+            <a:rPr lang="zh-TW" sz="1500">
+              <a:latin typeface="微軟正黑體" panose="020B0604030504040204" pitchFamily="34" charset="-120"/>
+              <a:ea typeface="微軟正黑體" panose="020B0604030504040204" pitchFamily="34" charset="-120"/>
+            </a:rPr>
+            <a:t>，專為 </a:t>
+          </a:r>
+          <a:r>
+            <a:rPr lang="en-US" sz="1500">
+              <a:latin typeface="微軟正黑體" panose="020B0604030504040204" pitchFamily="34" charset="-120"/>
+              <a:ea typeface="微軟正黑體" panose="020B0604030504040204" pitchFamily="34" charset="-120"/>
+            </a:rPr>
+            <a:t>IoT </a:t>
+          </a:r>
+          <a:r>
+            <a:rPr lang="zh-TW" sz="1500">
+              <a:latin typeface="微軟正黑體" panose="020B0604030504040204" pitchFamily="34" charset="-120"/>
+              <a:ea typeface="微軟正黑體" panose="020B0604030504040204" pitchFamily="34" charset="-120"/>
+            </a:rPr>
+            <a:t>設備量身打造</a:t>
+          </a:r>
+          <a:endParaRPr lang="en-US" sz="1500">
+            <a:latin typeface="微軟正黑體" panose="020B0604030504040204" pitchFamily="34" charset="-120"/>
+            <a:ea typeface="微軟正黑體" panose="020B0604030504040204" pitchFamily="34" charset="-120"/>
+          </a:endParaRPr>
+        </a:p>
+      </dgm:t>
+    </dgm:pt>
+    <dgm:pt modelId="{6A4C72F9-D095-49C0-84E6-91E61A9BB070}" type="parTrans" cxnId="{E091907B-DF39-42E1-B46D-5F3018B4136D}">
+      <dgm:prSet/>
+      <dgm:spPr/>
+      <dgm:t>
+        <a:bodyPr/>
+        <a:lstStyle/>
+        <a:p>
+          <a:endParaRPr lang="en-US"/>
+        </a:p>
+      </dgm:t>
+    </dgm:pt>
+    <dgm:pt modelId="{B3EF0028-63DE-428D-A34A-A98A235D5185}" type="sibTrans" cxnId="{E091907B-DF39-42E1-B46D-5F3018B4136D}">
+      <dgm:prSet/>
+      <dgm:spPr/>
+      <dgm:t>
+        <a:bodyPr/>
+        <a:lstStyle/>
+        <a:p>
+          <a:endParaRPr lang="en-US"/>
+        </a:p>
+      </dgm:t>
+    </dgm:pt>
+    <dgm:pt modelId="{F696DAA1-8DCA-4B36-AF97-4546D2218321}">
+      <dgm:prSet custT="1"/>
+      <dgm:spPr/>
+      <dgm:t>
+        <a:bodyPr/>
+        <a:lstStyle/>
+        <a:p>
+          <a:r>
+            <a:rPr lang="zh-TW" sz="1600" b="1" dirty="0">
+              <a:latin typeface="微軟正黑體" panose="020B0604030504040204" pitchFamily="34" charset="-120"/>
+              <a:ea typeface="微軟正黑體" panose="020B0604030504040204" pitchFamily="34" charset="-120"/>
+            </a:rPr>
+            <a:t>可靠性選項</a:t>
+          </a:r>
+          <a:endParaRPr lang="en-US" sz="1600" b="1" dirty="0">
+            <a:latin typeface="微軟正黑體" panose="020B0604030504040204" pitchFamily="34" charset="-120"/>
+            <a:ea typeface="微軟正黑體" panose="020B0604030504040204" pitchFamily="34" charset="-120"/>
+          </a:endParaRPr>
+        </a:p>
+      </dgm:t>
+    </dgm:pt>
+    <dgm:pt modelId="{FED854E3-155D-4511-814B-DBD330A9364D}" type="parTrans" cxnId="{F7F574D6-9F06-43D4-85F6-AFDA5EF39807}">
+      <dgm:prSet/>
+      <dgm:spPr/>
+      <dgm:t>
+        <a:bodyPr/>
+        <a:lstStyle/>
+        <a:p>
+          <a:endParaRPr lang="en-US"/>
+        </a:p>
+      </dgm:t>
+    </dgm:pt>
+    <dgm:pt modelId="{97FE20C0-B495-45C2-8A4F-F576BEDE15F4}" type="sibTrans" cxnId="{F7F574D6-9F06-43D4-85F6-AFDA5EF39807}">
+      <dgm:prSet/>
+      <dgm:spPr/>
+      <dgm:t>
+        <a:bodyPr/>
+        <a:lstStyle/>
+        <a:p>
+          <a:endParaRPr lang="en-US"/>
+        </a:p>
+      </dgm:t>
+    </dgm:pt>
+    <dgm:pt modelId="{6CECEB29-BFD2-4819-85E9-22BAD4418A94}">
+      <dgm:prSet custT="1"/>
+      <dgm:spPr/>
+      <dgm:t>
+        <a:bodyPr/>
+        <a:lstStyle/>
+        <a:p>
+          <a:r>
+            <a:rPr lang="zh-TW" sz="1500">
+              <a:latin typeface="微軟正黑體" panose="020B0604030504040204" pitchFamily="34" charset="-120"/>
+              <a:ea typeface="微軟正黑體" panose="020B0604030504040204" pitchFamily="34" charset="-120"/>
+            </a:rPr>
+            <a:t>雖然基於 </a:t>
+          </a:r>
+          <a:r>
+            <a:rPr lang="en-US" sz="1500">
+              <a:latin typeface="微軟正黑體" panose="020B0604030504040204" pitchFamily="34" charset="-120"/>
+              <a:ea typeface="微軟正黑體" panose="020B0604030504040204" pitchFamily="34" charset="-120"/>
+            </a:rPr>
+            <a:t>UDP</a:t>
+          </a:r>
+          <a:r>
+            <a:rPr lang="zh-TW" sz="1500">
+              <a:latin typeface="微軟正黑體" panose="020B0604030504040204" pitchFamily="34" charset="-120"/>
+              <a:ea typeface="微軟正黑體" panose="020B0604030504040204" pitchFamily="34" charset="-120"/>
+            </a:rPr>
+            <a:t>，</a:t>
+          </a:r>
+          <a:r>
+            <a:rPr lang="en-US" sz="1500">
+              <a:latin typeface="微軟正黑體" panose="020B0604030504040204" pitchFamily="34" charset="-120"/>
+              <a:ea typeface="微軟正黑體" panose="020B0604030504040204" pitchFamily="34" charset="-120"/>
+            </a:rPr>
+            <a:t>CoAP </a:t>
+          </a:r>
+          <a:r>
+            <a:rPr lang="zh-TW" sz="1500">
+              <a:latin typeface="微軟正黑體" panose="020B0604030504040204" pitchFamily="34" charset="-120"/>
+              <a:ea typeface="微軟正黑體" panose="020B0604030504040204" pitchFamily="34" charset="-120"/>
+            </a:rPr>
+            <a:t>提供可選的可靠傳輸機制（如 </a:t>
+          </a:r>
+          <a:r>
+            <a:rPr lang="en-US" sz="1500">
+              <a:latin typeface="微軟正黑體" panose="020B0604030504040204" pitchFamily="34" charset="-120"/>
+              <a:ea typeface="微軟正黑體" panose="020B0604030504040204" pitchFamily="34" charset="-120"/>
+            </a:rPr>
+            <a:t>ACK </a:t>
+          </a:r>
+          <a:r>
+            <a:rPr lang="zh-TW" sz="1500">
+              <a:latin typeface="微軟正黑體" panose="020B0604030504040204" pitchFamily="34" charset="-120"/>
+              <a:ea typeface="微軟正黑體" panose="020B0604030504040204" pitchFamily="34" charset="-120"/>
+            </a:rPr>
+            <a:t>確認），在需要時確保數據完整性</a:t>
+          </a:r>
+          <a:endParaRPr lang="en-US" sz="1500">
+            <a:latin typeface="微軟正黑體" panose="020B0604030504040204" pitchFamily="34" charset="-120"/>
+            <a:ea typeface="微軟正黑體" panose="020B0604030504040204" pitchFamily="34" charset="-120"/>
+          </a:endParaRPr>
+        </a:p>
+      </dgm:t>
+    </dgm:pt>
+    <dgm:pt modelId="{040A67E8-CFC7-496B-9013-9F822E58A30D}" type="parTrans" cxnId="{8B97C56E-321B-4BDB-B4A7-B65A30321819}">
+      <dgm:prSet/>
+      <dgm:spPr/>
+      <dgm:t>
+        <a:bodyPr/>
+        <a:lstStyle/>
+        <a:p>
+          <a:endParaRPr lang="en-US"/>
+        </a:p>
+      </dgm:t>
+    </dgm:pt>
+    <dgm:pt modelId="{871D8E04-53AC-4245-962E-9A3BB5ED7961}" type="sibTrans" cxnId="{8B97C56E-321B-4BDB-B4A7-B65A30321819}">
+      <dgm:prSet/>
+      <dgm:spPr/>
+      <dgm:t>
+        <a:bodyPr/>
+        <a:lstStyle/>
+        <a:p>
+          <a:endParaRPr lang="en-US"/>
+        </a:p>
+      </dgm:t>
+    </dgm:pt>
+    <dgm:pt modelId="{67692371-5EAE-44B2-85E1-A2CF93F4C602}" type="pres">
+      <dgm:prSet presAssocID="{A1A1F5C2-F713-4204-AF82-8053A98F58BF}" presName="linear" presStyleCnt="0">
+        <dgm:presLayoutVars>
+          <dgm:dir/>
+          <dgm:animLvl val="lvl"/>
+          <dgm:resizeHandles val="exact"/>
+        </dgm:presLayoutVars>
+      </dgm:prSet>
+      <dgm:spPr/>
+    </dgm:pt>
+    <dgm:pt modelId="{83907F90-23A3-4E46-A20C-87A5A410636A}" type="pres">
+      <dgm:prSet presAssocID="{5858B63A-DA86-453F-9D3B-65050E4F363F}" presName="parentLin" presStyleCnt="0"/>
+      <dgm:spPr/>
+    </dgm:pt>
+    <dgm:pt modelId="{CEBE2D3B-10BA-4724-890C-5930F23B1AE7}" type="pres">
+      <dgm:prSet presAssocID="{5858B63A-DA86-453F-9D3B-65050E4F363F}" presName="parentLeftMargin" presStyleLbl="node1" presStyleIdx="0" presStyleCnt="4"/>
+      <dgm:spPr/>
+    </dgm:pt>
+    <dgm:pt modelId="{D615FBF4-6EDC-44CC-B2B7-49516A725F8B}" type="pres">
+      <dgm:prSet presAssocID="{5858B63A-DA86-453F-9D3B-65050E4F363F}" presName="parentText" presStyleLbl="node1" presStyleIdx="0" presStyleCnt="4">
+        <dgm:presLayoutVars>
+          <dgm:chMax val="0"/>
+          <dgm:bulletEnabled val="1"/>
+        </dgm:presLayoutVars>
+      </dgm:prSet>
+      <dgm:spPr/>
+    </dgm:pt>
+    <dgm:pt modelId="{C96988C4-CE29-4CE9-8330-1C177B9D1918}" type="pres">
+      <dgm:prSet presAssocID="{5858B63A-DA86-453F-9D3B-65050E4F363F}" presName="negativeSpace" presStyleCnt="0"/>
+      <dgm:spPr/>
+    </dgm:pt>
+    <dgm:pt modelId="{A2FE1826-CA9A-4FD7-B6C2-E9942B430D83}" type="pres">
+      <dgm:prSet presAssocID="{5858B63A-DA86-453F-9D3B-65050E4F363F}" presName="childText" presStyleLbl="conFgAcc1" presStyleIdx="0" presStyleCnt="4">
+        <dgm:presLayoutVars>
+          <dgm:bulletEnabled val="1"/>
+        </dgm:presLayoutVars>
+      </dgm:prSet>
+      <dgm:spPr/>
+    </dgm:pt>
+    <dgm:pt modelId="{24991BFD-DCF5-4B8E-996D-2A22C594D3BF}" type="pres">
+      <dgm:prSet presAssocID="{9C69C157-316C-4A15-B0EE-DD21A5AA7059}" presName="spaceBetweenRectangles" presStyleCnt="0"/>
+      <dgm:spPr/>
+    </dgm:pt>
+    <dgm:pt modelId="{9B25354C-D29F-40AF-B797-781D7AA18BF3}" type="pres">
+      <dgm:prSet presAssocID="{D0FADF2A-B7BC-489F-BE54-1EBE0581971E}" presName="parentLin" presStyleCnt="0"/>
+      <dgm:spPr/>
+    </dgm:pt>
+    <dgm:pt modelId="{E79F713A-729F-46A9-9D1D-420500E75112}" type="pres">
+      <dgm:prSet presAssocID="{D0FADF2A-B7BC-489F-BE54-1EBE0581971E}" presName="parentLeftMargin" presStyleLbl="node1" presStyleIdx="0" presStyleCnt="4"/>
+      <dgm:spPr/>
+    </dgm:pt>
+    <dgm:pt modelId="{020D7F9A-96F7-4C58-9581-80812C61CB43}" type="pres">
+      <dgm:prSet presAssocID="{D0FADF2A-B7BC-489F-BE54-1EBE0581971E}" presName="parentText" presStyleLbl="node1" presStyleIdx="1" presStyleCnt="4">
+        <dgm:presLayoutVars>
+          <dgm:chMax val="0"/>
+          <dgm:bulletEnabled val="1"/>
+        </dgm:presLayoutVars>
+      </dgm:prSet>
+      <dgm:spPr/>
+    </dgm:pt>
+    <dgm:pt modelId="{5AC9AE81-1F37-4BB2-A020-989F47B85D18}" type="pres">
+      <dgm:prSet presAssocID="{D0FADF2A-B7BC-489F-BE54-1EBE0581971E}" presName="negativeSpace" presStyleCnt="0"/>
+      <dgm:spPr/>
+    </dgm:pt>
+    <dgm:pt modelId="{CD368228-DC59-4A2C-88DE-C9477F3C5253}" type="pres">
+      <dgm:prSet presAssocID="{D0FADF2A-B7BC-489F-BE54-1EBE0581971E}" presName="childText" presStyleLbl="conFgAcc1" presStyleIdx="1" presStyleCnt="4">
+        <dgm:presLayoutVars>
+          <dgm:bulletEnabled val="1"/>
+        </dgm:presLayoutVars>
+      </dgm:prSet>
+      <dgm:spPr/>
+    </dgm:pt>
+    <dgm:pt modelId="{3563DB00-CAD6-4A38-BFC1-2A6F0B7BD226}" type="pres">
+      <dgm:prSet presAssocID="{B26DC6DA-6C32-4C3B-9741-1E33AF0326D2}" presName="spaceBetweenRectangles" presStyleCnt="0"/>
+      <dgm:spPr/>
+    </dgm:pt>
+    <dgm:pt modelId="{1BAACE81-EF9F-4343-BF36-17AAF515CB0E}" type="pres">
+      <dgm:prSet presAssocID="{0E651F4A-9214-4777-A9B2-FD86A7701818}" presName="parentLin" presStyleCnt="0"/>
+      <dgm:spPr/>
+    </dgm:pt>
+    <dgm:pt modelId="{5541F251-EDB4-45B3-BD93-FCA873791CF9}" type="pres">
+      <dgm:prSet presAssocID="{0E651F4A-9214-4777-A9B2-FD86A7701818}" presName="parentLeftMargin" presStyleLbl="node1" presStyleIdx="1" presStyleCnt="4"/>
+      <dgm:spPr/>
+    </dgm:pt>
+    <dgm:pt modelId="{E180A4EF-CD52-4B47-971D-D86ABAB0679C}" type="pres">
+      <dgm:prSet presAssocID="{0E651F4A-9214-4777-A9B2-FD86A7701818}" presName="parentText" presStyleLbl="node1" presStyleIdx="2" presStyleCnt="4">
+        <dgm:presLayoutVars>
+          <dgm:chMax val="0"/>
+          <dgm:bulletEnabled val="1"/>
+        </dgm:presLayoutVars>
+      </dgm:prSet>
+      <dgm:spPr/>
+    </dgm:pt>
+    <dgm:pt modelId="{13B79A6F-FA7C-4F4A-9182-64EC4715C86A}" type="pres">
+      <dgm:prSet presAssocID="{0E651F4A-9214-4777-A9B2-FD86A7701818}" presName="negativeSpace" presStyleCnt="0"/>
+      <dgm:spPr/>
+    </dgm:pt>
+    <dgm:pt modelId="{1A297216-C726-4385-B848-54C66B489971}" type="pres">
+      <dgm:prSet presAssocID="{0E651F4A-9214-4777-A9B2-FD86A7701818}" presName="childText" presStyleLbl="conFgAcc1" presStyleIdx="2" presStyleCnt="4">
+        <dgm:presLayoutVars>
+          <dgm:bulletEnabled val="1"/>
+        </dgm:presLayoutVars>
+      </dgm:prSet>
+      <dgm:spPr/>
+    </dgm:pt>
+    <dgm:pt modelId="{1AAFD8CB-5189-4A5D-8AD2-CEEDEF489A05}" type="pres">
+      <dgm:prSet presAssocID="{170DEBF8-9698-455A-89DF-7E02EE1736D3}" presName="spaceBetweenRectangles" presStyleCnt="0"/>
+      <dgm:spPr/>
+    </dgm:pt>
+    <dgm:pt modelId="{FF0352D7-8F02-44A7-B59B-B0DDBC7CEF68}" type="pres">
+      <dgm:prSet presAssocID="{F696DAA1-8DCA-4B36-AF97-4546D2218321}" presName="parentLin" presStyleCnt="0"/>
+      <dgm:spPr/>
+    </dgm:pt>
+    <dgm:pt modelId="{0CD11CF9-76D2-4E30-9280-DEA2C419D7A1}" type="pres">
+      <dgm:prSet presAssocID="{F696DAA1-8DCA-4B36-AF97-4546D2218321}" presName="parentLeftMargin" presStyleLbl="node1" presStyleIdx="2" presStyleCnt="4"/>
+      <dgm:spPr/>
+    </dgm:pt>
+    <dgm:pt modelId="{189DD8EE-DDAF-4F21-B8CF-A98D577C3BC3}" type="pres">
+      <dgm:prSet presAssocID="{F696DAA1-8DCA-4B36-AF97-4546D2218321}" presName="parentText" presStyleLbl="node1" presStyleIdx="3" presStyleCnt="4">
+        <dgm:presLayoutVars>
+          <dgm:chMax val="0"/>
+          <dgm:bulletEnabled val="1"/>
+        </dgm:presLayoutVars>
+      </dgm:prSet>
+      <dgm:spPr/>
+    </dgm:pt>
+    <dgm:pt modelId="{32049697-BF98-402D-88C0-43B4A174268A}" type="pres">
+      <dgm:prSet presAssocID="{F696DAA1-8DCA-4B36-AF97-4546D2218321}" presName="negativeSpace" presStyleCnt="0"/>
+      <dgm:spPr/>
+    </dgm:pt>
+    <dgm:pt modelId="{F08AFFCA-A05F-437E-8162-C9BDA8851538}" type="pres">
+      <dgm:prSet presAssocID="{F696DAA1-8DCA-4B36-AF97-4546D2218321}" presName="childText" presStyleLbl="conFgAcc1" presStyleIdx="3" presStyleCnt="4">
+        <dgm:presLayoutVars>
+          <dgm:bulletEnabled val="1"/>
+        </dgm:presLayoutVars>
+      </dgm:prSet>
+      <dgm:spPr/>
+    </dgm:pt>
+  </dgm:ptLst>
+  <dgm:cxnLst>
+    <dgm:cxn modelId="{45BF120B-40AD-4799-AD2D-76B97734E3EF}" srcId="{D0FADF2A-B7BC-489F-BE54-1EBE0581971E}" destId="{E97449A0-6F11-4904-8231-0248EB3B9CA2}" srcOrd="0" destOrd="0" parTransId="{F7415E45-4602-4BE1-A934-BA6C00B71EB9}" sibTransId="{5EBB82E6-73E7-4A3C-8448-447329A1F699}"/>
+    <dgm:cxn modelId="{F102DD11-E62B-440D-8A3D-3017C4F54583}" srcId="{0E651F4A-9214-4777-A9B2-FD86A7701818}" destId="{CAFF6685-8F3B-43D1-B13D-6479B62F6820}" srcOrd="0" destOrd="0" parTransId="{540D3A47-491A-4FEA-8B4D-1675B554211E}" sibTransId="{4EFFC1D2-AD5B-414F-A22B-62AA47C9DE15}"/>
+    <dgm:cxn modelId="{2D1E7623-FFE8-4F64-8D02-3C3EE2BCD84E}" srcId="{D0FADF2A-B7BC-489F-BE54-1EBE0581971E}" destId="{927EA8CF-481B-4B85-9230-6CC0C97FB4D2}" srcOrd="1" destOrd="0" parTransId="{899BEC98-A9FC-48A4-A8AB-5845DA51E6FC}" sibTransId="{3A715DE3-3143-4A21-9615-BFDAB3B765AF}"/>
+    <dgm:cxn modelId="{E5590234-151F-4320-B0C2-7D8CD7360E6F}" type="presOf" srcId="{E0EE4918-F77C-439A-8E8D-557427CF67E6}" destId="{1A297216-C726-4385-B848-54C66B489971}" srcOrd="0" destOrd="1" presId="urn:microsoft.com/office/officeart/2005/8/layout/list1"/>
+    <dgm:cxn modelId="{4D534635-8504-4C01-9CBD-771DAA5F6019}" type="presOf" srcId="{D0FADF2A-B7BC-489F-BE54-1EBE0581971E}" destId="{E79F713A-729F-46A9-9D1D-420500E75112}" srcOrd="0" destOrd="0" presId="urn:microsoft.com/office/officeart/2005/8/layout/list1"/>
+    <dgm:cxn modelId="{E6D76036-6FE5-4BCA-A323-C8EE21486514}" type="presOf" srcId="{0E651F4A-9214-4777-A9B2-FD86A7701818}" destId="{5541F251-EDB4-45B3-BD93-FCA873791CF9}" srcOrd="0" destOrd="0" presId="urn:microsoft.com/office/officeart/2005/8/layout/list1"/>
+    <dgm:cxn modelId="{4C1DD03A-6D11-4655-A3B4-4B12C60A5F93}" type="presOf" srcId="{D0FADF2A-B7BC-489F-BE54-1EBE0581971E}" destId="{020D7F9A-96F7-4C58-9581-80812C61CB43}" srcOrd="1" destOrd="0" presId="urn:microsoft.com/office/officeart/2005/8/layout/list1"/>
+    <dgm:cxn modelId="{BAD80841-2F2D-41C8-AC6F-B73CC1014365}" type="presOf" srcId="{240D35A3-8F0A-4DF6-B297-134988EFE290}" destId="{A2FE1826-CA9A-4FD7-B6C2-E9942B430D83}" srcOrd="0" destOrd="1" presId="urn:microsoft.com/office/officeart/2005/8/layout/list1"/>
+    <dgm:cxn modelId="{E12E4542-C30B-412D-BCE1-4EBD6E5D7061}" type="presOf" srcId="{5858B63A-DA86-453F-9D3B-65050E4F363F}" destId="{D615FBF4-6EDC-44CC-B2B7-49516A725F8B}" srcOrd="1" destOrd="0" presId="urn:microsoft.com/office/officeart/2005/8/layout/list1"/>
+    <dgm:cxn modelId="{D267344B-BAFA-498D-9F5A-23BE55B2D3B8}" type="presOf" srcId="{A1A1F5C2-F713-4204-AF82-8053A98F58BF}" destId="{67692371-5EAE-44B2-85E1-A2CF93F4C602}" srcOrd="0" destOrd="0" presId="urn:microsoft.com/office/officeart/2005/8/layout/list1"/>
+    <dgm:cxn modelId="{8B97C56E-321B-4BDB-B4A7-B65A30321819}" srcId="{F696DAA1-8DCA-4B36-AF97-4546D2218321}" destId="{6CECEB29-BFD2-4819-85E9-22BAD4418A94}" srcOrd="0" destOrd="0" parTransId="{040A67E8-CFC7-496B-9013-9F822E58A30D}" sibTransId="{871D8E04-53AC-4245-962E-9A3BB5ED7961}"/>
+    <dgm:cxn modelId="{91D19B4F-0496-4E5F-B7E0-58625AE5B47A}" type="presOf" srcId="{F696DAA1-8DCA-4B36-AF97-4546D2218321}" destId="{0CD11CF9-76D2-4E30-9280-DEA2C419D7A1}" srcOrd="0" destOrd="0" presId="urn:microsoft.com/office/officeart/2005/8/layout/list1"/>
+    <dgm:cxn modelId="{967E4252-E01E-45F3-95C8-21B090BF0E8C}" type="presOf" srcId="{FAE14A94-2416-4536-99C1-6E7DE506B83A}" destId="{A2FE1826-CA9A-4FD7-B6C2-E9942B430D83}" srcOrd="0" destOrd="0" presId="urn:microsoft.com/office/officeart/2005/8/layout/list1"/>
+    <dgm:cxn modelId="{FF8DD878-9E60-47AA-A258-C7236B5C6F8A}" srcId="{A1A1F5C2-F713-4204-AF82-8053A98F58BF}" destId="{5858B63A-DA86-453F-9D3B-65050E4F363F}" srcOrd="0" destOrd="0" parTransId="{DBC4AFB8-F973-4015-ADA9-7E0C71089624}" sibTransId="{9C69C157-316C-4A15-B0EE-DD21A5AA7059}"/>
+    <dgm:cxn modelId="{A7731659-4E45-42CE-833C-5B2479F22C06}" srcId="{A1A1F5C2-F713-4204-AF82-8053A98F58BF}" destId="{D0FADF2A-B7BC-489F-BE54-1EBE0581971E}" srcOrd="1" destOrd="0" parTransId="{F9DEF6E1-F9AB-4011-A1B7-BAD6C481400C}" sibTransId="{B26DC6DA-6C32-4C3B-9741-1E33AF0326D2}"/>
+    <dgm:cxn modelId="{E091907B-DF39-42E1-B46D-5F3018B4136D}" srcId="{0E651F4A-9214-4777-A9B2-FD86A7701818}" destId="{E0EE4918-F77C-439A-8E8D-557427CF67E6}" srcOrd="1" destOrd="0" parTransId="{6A4C72F9-D095-49C0-84E6-91E61A9BB070}" sibTransId="{B3EF0028-63DE-428D-A34A-A98A235D5185}"/>
+    <dgm:cxn modelId="{717C439B-C475-40B1-999B-51236737AC32}" srcId="{5858B63A-DA86-453F-9D3B-65050E4F363F}" destId="{240D35A3-8F0A-4DF6-B297-134988EFE290}" srcOrd="1" destOrd="0" parTransId="{9E70C5C7-C8C4-4010-8192-14F3501AF1C1}" sibTransId="{522445A8-F0E8-460A-8068-505A1BF7087F}"/>
+    <dgm:cxn modelId="{DA7430B6-C31B-462D-A207-1E0123F3009D}" type="presOf" srcId="{E97449A0-6F11-4904-8231-0248EB3B9CA2}" destId="{CD368228-DC59-4A2C-88DE-C9477F3C5253}" srcOrd="0" destOrd="0" presId="urn:microsoft.com/office/officeart/2005/8/layout/list1"/>
+    <dgm:cxn modelId="{4B1855B7-EEFF-4008-AEB1-A313ED579BE6}" type="presOf" srcId="{6CECEB29-BFD2-4819-85E9-22BAD4418A94}" destId="{F08AFFCA-A05F-437E-8162-C9BDA8851538}" srcOrd="0" destOrd="0" presId="urn:microsoft.com/office/officeart/2005/8/layout/list1"/>
+    <dgm:cxn modelId="{F28451C7-0FD9-4DA7-BD95-D57512F18F9A}" type="presOf" srcId="{0E651F4A-9214-4777-A9B2-FD86A7701818}" destId="{E180A4EF-CD52-4B47-971D-D86ABAB0679C}" srcOrd="1" destOrd="0" presId="urn:microsoft.com/office/officeart/2005/8/layout/list1"/>
+    <dgm:cxn modelId="{7F0493C7-BB3F-481F-9CAB-9FF80D478EC8}" type="presOf" srcId="{CAFF6685-8F3B-43D1-B13D-6479B62F6820}" destId="{1A297216-C726-4385-B848-54C66B489971}" srcOrd="0" destOrd="0" presId="urn:microsoft.com/office/officeart/2005/8/layout/list1"/>
+    <dgm:cxn modelId="{856B94CF-3934-47EF-BDE1-99782A1C9CA3}" type="presOf" srcId="{5858B63A-DA86-453F-9D3B-65050E4F363F}" destId="{CEBE2D3B-10BA-4724-890C-5930F23B1AE7}" srcOrd="0" destOrd="0" presId="urn:microsoft.com/office/officeart/2005/8/layout/list1"/>
+    <dgm:cxn modelId="{A8B44ED4-C5D4-4D3D-8184-EEDEFD39F497}" type="presOf" srcId="{927EA8CF-481B-4B85-9230-6CC0C97FB4D2}" destId="{CD368228-DC59-4A2C-88DE-C9477F3C5253}" srcOrd="0" destOrd="1" presId="urn:microsoft.com/office/officeart/2005/8/layout/list1"/>
+    <dgm:cxn modelId="{F7F574D6-9F06-43D4-85F6-AFDA5EF39807}" srcId="{A1A1F5C2-F713-4204-AF82-8053A98F58BF}" destId="{F696DAA1-8DCA-4B36-AF97-4546D2218321}" srcOrd="3" destOrd="0" parTransId="{FED854E3-155D-4511-814B-DBD330A9364D}" sibTransId="{97FE20C0-B495-45C2-8A4F-F576BEDE15F4}"/>
+    <dgm:cxn modelId="{346D8DD6-FD52-41E0-B604-40D3E215BC01}" type="presOf" srcId="{F696DAA1-8DCA-4B36-AF97-4546D2218321}" destId="{189DD8EE-DDAF-4F21-B8CF-A98D577C3BC3}" srcOrd="1" destOrd="0" presId="urn:microsoft.com/office/officeart/2005/8/layout/list1"/>
+    <dgm:cxn modelId="{70E327EA-BA0A-49DE-9C88-4A300E5B8765}" srcId="{5858B63A-DA86-453F-9D3B-65050E4F363F}" destId="{FAE14A94-2416-4536-99C1-6E7DE506B83A}" srcOrd="0" destOrd="0" parTransId="{E6E4A5CA-BD15-4EFE-894E-EE9F5AA9B343}" sibTransId="{70A9C372-F5D5-420F-B4EC-EA45E3BFD749}"/>
+    <dgm:cxn modelId="{ADB8F9F2-74E6-48AC-AADD-315B4C01E4D3}" srcId="{A1A1F5C2-F713-4204-AF82-8053A98F58BF}" destId="{0E651F4A-9214-4777-A9B2-FD86A7701818}" srcOrd="2" destOrd="0" parTransId="{CC2EEB4D-2AF6-4780-968F-87CDE425585E}" sibTransId="{170DEBF8-9698-455A-89DF-7E02EE1736D3}"/>
+    <dgm:cxn modelId="{53DD9253-C89A-4889-814A-48CC0C7AD7F1}" type="presParOf" srcId="{67692371-5EAE-44B2-85E1-A2CF93F4C602}" destId="{83907F90-23A3-4E46-A20C-87A5A410636A}" srcOrd="0" destOrd="0" presId="urn:microsoft.com/office/officeart/2005/8/layout/list1"/>
+    <dgm:cxn modelId="{30C56FBF-4F3C-491D-B73B-CD9AA44C2931}" type="presParOf" srcId="{83907F90-23A3-4E46-A20C-87A5A410636A}" destId="{CEBE2D3B-10BA-4724-890C-5930F23B1AE7}" srcOrd="0" destOrd="0" presId="urn:microsoft.com/office/officeart/2005/8/layout/list1"/>
+    <dgm:cxn modelId="{F27BD910-EFBD-49FC-980F-89D078308441}" type="presParOf" srcId="{83907F90-23A3-4E46-A20C-87A5A410636A}" destId="{D615FBF4-6EDC-44CC-B2B7-49516A725F8B}" srcOrd="1" destOrd="0" presId="urn:microsoft.com/office/officeart/2005/8/layout/list1"/>
+    <dgm:cxn modelId="{846FACA5-996F-48A5-99AD-B58511650D48}" type="presParOf" srcId="{67692371-5EAE-44B2-85E1-A2CF93F4C602}" destId="{C96988C4-CE29-4CE9-8330-1C177B9D1918}" srcOrd="1" destOrd="0" presId="urn:microsoft.com/office/officeart/2005/8/layout/list1"/>
+    <dgm:cxn modelId="{E632862F-A33A-47BE-992B-EA266CD65E85}" type="presParOf" srcId="{67692371-5EAE-44B2-85E1-A2CF93F4C602}" destId="{A2FE1826-CA9A-4FD7-B6C2-E9942B430D83}" srcOrd="2" destOrd="0" presId="urn:microsoft.com/office/officeart/2005/8/layout/list1"/>
+    <dgm:cxn modelId="{F604DC05-0772-474C-AC01-EADB3C4BCFA0}" type="presParOf" srcId="{67692371-5EAE-44B2-85E1-A2CF93F4C602}" destId="{24991BFD-DCF5-4B8E-996D-2A22C594D3BF}" srcOrd="3" destOrd="0" presId="urn:microsoft.com/office/officeart/2005/8/layout/list1"/>
+    <dgm:cxn modelId="{DB06B46A-60D0-4D03-B050-3C08D0066D16}" type="presParOf" srcId="{67692371-5EAE-44B2-85E1-A2CF93F4C602}" destId="{9B25354C-D29F-40AF-B797-781D7AA18BF3}" srcOrd="4" destOrd="0" presId="urn:microsoft.com/office/officeart/2005/8/layout/list1"/>
+    <dgm:cxn modelId="{582121EA-8433-4FA3-9BC0-FE8A6FCE8581}" type="presParOf" srcId="{9B25354C-D29F-40AF-B797-781D7AA18BF3}" destId="{E79F713A-729F-46A9-9D1D-420500E75112}" srcOrd="0" destOrd="0" presId="urn:microsoft.com/office/officeart/2005/8/layout/list1"/>
+    <dgm:cxn modelId="{A3D93297-C073-42C0-8FE9-D44AC8AE331E}" type="presParOf" srcId="{9B25354C-D29F-40AF-B797-781D7AA18BF3}" destId="{020D7F9A-96F7-4C58-9581-80812C61CB43}" srcOrd="1" destOrd="0" presId="urn:microsoft.com/office/officeart/2005/8/layout/list1"/>
+    <dgm:cxn modelId="{FBB7D174-D97B-453D-9C1B-CF187DB4CDDE}" type="presParOf" srcId="{67692371-5EAE-44B2-85E1-A2CF93F4C602}" destId="{5AC9AE81-1F37-4BB2-A020-989F47B85D18}" srcOrd="5" destOrd="0" presId="urn:microsoft.com/office/officeart/2005/8/layout/list1"/>
+    <dgm:cxn modelId="{D06C40A5-2B33-434B-B919-FCA4C9099CB8}" type="presParOf" srcId="{67692371-5EAE-44B2-85E1-A2CF93F4C602}" destId="{CD368228-DC59-4A2C-88DE-C9477F3C5253}" srcOrd="6" destOrd="0" presId="urn:microsoft.com/office/officeart/2005/8/layout/list1"/>
+    <dgm:cxn modelId="{EAB6E8A4-4408-4510-BE05-3DA90E69AB90}" type="presParOf" srcId="{67692371-5EAE-44B2-85E1-A2CF93F4C602}" destId="{3563DB00-CAD6-4A38-BFC1-2A6F0B7BD226}" srcOrd="7" destOrd="0" presId="urn:microsoft.com/office/officeart/2005/8/layout/list1"/>
+    <dgm:cxn modelId="{B70FB5EA-24D3-43DB-84F6-927A60209922}" type="presParOf" srcId="{67692371-5EAE-44B2-85E1-A2CF93F4C602}" destId="{1BAACE81-EF9F-4343-BF36-17AAF515CB0E}" srcOrd="8" destOrd="0" presId="urn:microsoft.com/office/officeart/2005/8/layout/list1"/>
+    <dgm:cxn modelId="{82A1C300-1F4E-4699-9DAF-2B38D92D7593}" type="presParOf" srcId="{1BAACE81-EF9F-4343-BF36-17AAF515CB0E}" destId="{5541F251-EDB4-45B3-BD93-FCA873791CF9}" srcOrd="0" destOrd="0" presId="urn:microsoft.com/office/officeart/2005/8/layout/list1"/>
+    <dgm:cxn modelId="{6401F1DE-2E9C-419B-8AC4-9F9BC21073E7}" type="presParOf" srcId="{1BAACE81-EF9F-4343-BF36-17AAF515CB0E}" destId="{E180A4EF-CD52-4B47-971D-D86ABAB0679C}" srcOrd="1" destOrd="0" presId="urn:microsoft.com/office/officeart/2005/8/layout/list1"/>
+    <dgm:cxn modelId="{A2BF04B9-0A41-43B7-B4D4-B97AD7EF4C0A}" type="presParOf" srcId="{67692371-5EAE-44B2-85E1-A2CF93F4C602}" destId="{13B79A6F-FA7C-4F4A-9182-64EC4715C86A}" srcOrd="9" destOrd="0" presId="urn:microsoft.com/office/officeart/2005/8/layout/list1"/>
+    <dgm:cxn modelId="{C7755028-CC55-4832-8CCF-D382F5EB2F6E}" type="presParOf" srcId="{67692371-5EAE-44B2-85E1-A2CF93F4C602}" destId="{1A297216-C726-4385-B848-54C66B489971}" srcOrd="10" destOrd="0" presId="urn:microsoft.com/office/officeart/2005/8/layout/list1"/>
+    <dgm:cxn modelId="{C7BBF898-15C2-42DD-94C6-1EAFA2EFEB02}" type="presParOf" srcId="{67692371-5EAE-44B2-85E1-A2CF93F4C602}" destId="{1AAFD8CB-5189-4A5D-8AD2-CEEDEF489A05}" srcOrd="11" destOrd="0" presId="urn:microsoft.com/office/officeart/2005/8/layout/list1"/>
+    <dgm:cxn modelId="{E52F2909-907D-4D2E-9980-99CAA04AFCD1}" type="presParOf" srcId="{67692371-5EAE-44B2-85E1-A2CF93F4C602}" destId="{FF0352D7-8F02-44A7-B59B-B0DDBC7CEF68}" srcOrd="12" destOrd="0" presId="urn:microsoft.com/office/officeart/2005/8/layout/list1"/>
+    <dgm:cxn modelId="{D3A2D067-08DB-45D0-BD78-B133E1739AA6}" type="presParOf" srcId="{FF0352D7-8F02-44A7-B59B-B0DDBC7CEF68}" destId="{0CD11CF9-76D2-4E30-9280-DEA2C419D7A1}" srcOrd="0" destOrd="0" presId="urn:microsoft.com/office/officeart/2005/8/layout/list1"/>
+    <dgm:cxn modelId="{7FD8370A-ED8E-48BB-B059-A73307DF50E1}" type="presParOf" srcId="{FF0352D7-8F02-44A7-B59B-B0DDBC7CEF68}" destId="{189DD8EE-DDAF-4F21-B8CF-A98D577C3BC3}" srcOrd="1" destOrd="0" presId="urn:microsoft.com/office/officeart/2005/8/layout/list1"/>
+    <dgm:cxn modelId="{A03342A8-96D3-4AA9-A7F9-FE7643F0AAC9}" type="presParOf" srcId="{67692371-5EAE-44B2-85E1-A2CF93F4C602}" destId="{32049697-BF98-402D-88C0-43B4A174268A}" srcOrd="13" destOrd="0" presId="urn:microsoft.com/office/officeart/2005/8/layout/list1"/>
+    <dgm:cxn modelId="{D96C844E-8C5C-45D5-A963-4B6F2138263D}" type="presParOf" srcId="{67692371-5EAE-44B2-85E1-A2CF93F4C602}" destId="{F08AFFCA-A05F-437E-8162-C9BDA8851538}" srcOrd="14" destOrd="0" presId="urn:microsoft.com/office/officeart/2005/8/layout/list1"/>
+  </dgm:cxnLst>
+  <dgm:bg/>
+  <dgm:whole/>
+  <dgm:extLst>
+    <a:ext uri="http://schemas.microsoft.com/office/drawing/2008/diagram">
+      <dsp:dataModelExt xmlns:dsp="http://schemas.microsoft.com/office/drawing/2008/diagram" relId="rId6" minVer="http://schemas.openxmlformats.org/drawingml/2006/diagram"/>
+    </a:ext>
+  </dgm:extLst>
+</dgm:dataModel>
+</file>
+
+<file path=ppt/diagrams/data2.xml><?xml version="1.0" encoding="utf-8"?>
+<dgm:dataModel xmlns:dgm="http://schemas.openxmlformats.org/drawingml/2006/diagram" xmlns:a="http://schemas.openxmlformats.org/drawingml/2006/main">
+  <dgm:ptLst>
     <dgm:pt modelId="{FBDE5E92-9A97-4DED-955D-708B35CCFEE2}" type="doc">
       <dgm:prSet loTypeId="urn:microsoft.com/office/officeart/2005/8/layout/vList2" loCatId="list" qsTypeId="urn:microsoft.com/office/officeart/2005/8/quickstyle/simple1" qsCatId="simple" csTypeId="urn:microsoft.com/office/officeart/2005/8/colors/accent1_2" csCatId="accent1"/>
       <dgm:spPr/>
@@ -1360,6 +3005,972 @@
       <dsp:cNvGrpSpPr/>
     </dsp:nvGrpSpPr>
     <dsp:grpSpPr/>
+    <dsp:sp modelId="{A2FE1826-CA9A-4FD7-B6C2-E9942B430D83}">
+      <dsp:nvSpPr>
+        <dsp:cNvPr id="0" name=""/>
+        <dsp:cNvSpPr/>
+      </dsp:nvSpPr>
+      <dsp:spPr>
+        <a:xfrm>
+          <a:off x="0" y="136197"/>
+          <a:ext cx="9407525" cy="1020600"/>
+        </a:xfrm>
+        <a:prstGeom prst="rect">
+          <a:avLst/>
+        </a:prstGeom>
+        <a:solidFill>
+          <a:schemeClr val="lt1">
+            <a:alpha val="90000"/>
+            <a:hueOff val="0"/>
+            <a:satOff val="0"/>
+            <a:lumOff val="0"/>
+            <a:alphaOff val="0"/>
+          </a:schemeClr>
+        </a:solidFill>
+        <a:ln w="19050" cap="flat" cmpd="sng" algn="ctr">
+          <a:solidFill>
+            <a:schemeClr val="accent2">
+              <a:hueOff val="0"/>
+              <a:satOff val="0"/>
+              <a:lumOff val="0"/>
+              <a:alphaOff val="0"/>
+            </a:schemeClr>
+          </a:solidFill>
+          <a:prstDash val="solid"/>
+          <a:miter lim="800000"/>
+        </a:ln>
+        <a:effectLst/>
+      </dsp:spPr>
+      <dsp:style>
+        <a:lnRef idx="2">
+          <a:scrgbClr r="0" g="0" b="0"/>
+        </a:lnRef>
+        <a:fillRef idx="1">
+          <a:scrgbClr r="0" g="0" b="0"/>
+        </a:fillRef>
+        <a:effectRef idx="0">
+          <a:scrgbClr r="0" g="0" b="0"/>
+        </a:effectRef>
+        <a:fontRef idx="minor"/>
+      </dsp:style>
+      <dsp:txBody>
+        <a:bodyPr spcFirstLastPara="0" vert="horz" wrap="square" lIns="730128" tIns="187452" rIns="730128" bIns="113792" numCol="1" spcCol="1270" anchor="t" anchorCtr="0">
+          <a:noAutofit/>
+        </a:bodyPr>
+        <a:lstStyle/>
+        <a:p>
+          <a:pPr marL="171450" lvl="1" indent="-171450" algn="l" defTabSz="711200">
+            <a:lnSpc>
+              <a:spcPct val="90000"/>
+            </a:lnSpc>
+            <a:spcBef>
+              <a:spcPct val="0"/>
+            </a:spcBef>
+            <a:spcAft>
+              <a:spcPct val="15000"/>
+            </a:spcAft>
+            <a:buChar char="•"/>
+          </a:pPr>
+          <a:r>
+            <a:rPr lang="en-US" sz="1600" kern="1200" dirty="0">
+              <a:latin typeface="微軟正黑體" panose="020B0604030504040204" pitchFamily="34" charset="-120"/>
+              <a:ea typeface="微軟正黑體" panose="020B0604030504040204" pitchFamily="34" charset="-120"/>
+            </a:rPr>
+            <a:t>CoAP </a:t>
+          </a:r>
+          <a:r>
+            <a:rPr lang="zh-TW" sz="1600" kern="1200" dirty="0">
+              <a:latin typeface="微軟正黑體" panose="020B0604030504040204" pitchFamily="34" charset="-120"/>
+              <a:ea typeface="微軟正黑體" panose="020B0604030504040204" pitchFamily="34" charset="-120"/>
+            </a:rPr>
+            <a:t>使用 </a:t>
+          </a:r>
+          <a:r>
+            <a:rPr lang="en-US" sz="1600" kern="1200" dirty="0">
+              <a:latin typeface="微軟正黑體" panose="020B0604030504040204" pitchFamily="34" charset="-120"/>
+              <a:ea typeface="微軟正黑體" panose="020B0604030504040204" pitchFamily="34" charset="-120"/>
+            </a:rPr>
+            <a:t>UDP</a:t>
+          </a:r>
+          <a:r>
+            <a:rPr lang="zh-TW" sz="1600" kern="1200" dirty="0">
+              <a:latin typeface="微軟正黑體" panose="020B0604030504040204" pitchFamily="34" charset="-120"/>
+              <a:ea typeface="微軟正黑體" panose="020B0604030504040204" pitchFamily="34" charset="-120"/>
+            </a:rPr>
+            <a:t>，減少了協議開銷</a:t>
+          </a:r>
+          <a:endParaRPr lang="en-US" sz="1600" kern="1200" dirty="0">
+            <a:latin typeface="微軟正黑體" panose="020B0604030504040204" pitchFamily="34" charset="-120"/>
+            <a:ea typeface="微軟正黑體" panose="020B0604030504040204" pitchFamily="34" charset="-120"/>
+          </a:endParaRPr>
+        </a:p>
+        <a:p>
+          <a:pPr marL="171450" lvl="1" indent="-171450" algn="l" defTabSz="711200">
+            <a:lnSpc>
+              <a:spcPct val="90000"/>
+            </a:lnSpc>
+            <a:spcBef>
+              <a:spcPct val="0"/>
+            </a:spcBef>
+            <a:spcAft>
+              <a:spcPct val="15000"/>
+            </a:spcAft>
+            <a:buChar char="•"/>
+          </a:pPr>
+          <a:r>
+            <a:rPr lang="zh-TW" sz="1600" kern="1200" dirty="0">
+              <a:latin typeface="微軟正黑體" panose="020B0604030504040204" pitchFamily="34" charset="-120"/>
+              <a:ea typeface="微軟正黑體" panose="020B0604030504040204" pitchFamily="34" charset="-120"/>
+            </a:rPr>
+            <a:t>不需要建立長連接，傳輸效率高，大幅降低設備的能耗</a:t>
+          </a:r>
+          <a:endParaRPr lang="en-US" sz="1600" kern="1200" dirty="0">
+            <a:latin typeface="微軟正黑體" panose="020B0604030504040204" pitchFamily="34" charset="-120"/>
+            <a:ea typeface="微軟正黑體" panose="020B0604030504040204" pitchFamily="34" charset="-120"/>
+          </a:endParaRPr>
+        </a:p>
+      </dsp:txBody>
+      <dsp:txXfrm>
+        <a:off x="0" y="136197"/>
+        <a:ext cx="9407525" cy="1020600"/>
+      </dsp:txXfrm>
+    </dsp:sp>
+    <dsp:sp modelId="{D615FBF4-6EDC-44CC-B2B7-49516A725F8B}">
+      <dsp:nvSpPr>
+        <dsp:cNvPr id="0" name=""/>
+        <dsp:cNvSpPr/>
+      </dsp:nvSpPr>
+      <dsp:spPr>
+        <a:xfrm>
+          <a:off x="470376" y="3357"/>
+          <a:ext cx="6585267" cy="265680"/>
+        </a:xfrm>
+        <a:prstGeom prst="roundRect">
+          <a:avLst/>
+        </a:prstGeom>
+        <a:solidFill>
+          <a:schemeClr val="accent2">
+            <a:hueOff val="0"/>
+            <a:satOff val="0"/>
+            <a:lumOff val="0"/>
+            <a:alphaOff val="0"/>
+          </a:schemeClr>
+        </a:solidFill>
+        <a:ln w="19050" cap="flat" cmpd="sng" algn="ctr">
+          <a:solidFill>
+            <a:schemeClr val="lt1">
+              <a:hueOff val="0"/>
+              <a:satOff val="0"/>
+              <a:lumOff val="0"/>
+              <a:alphaOff val="0"/>
+            </a:schemeClr>
+          </a:solidFill>
+          <a:prstDash val="solid"/>
+          <a:miter lim="800000"/>
+        </a:ln>
+        <a:effectLst/>
+      </dsp:spPr>
+      <dsp:style>
+        <a:lnRef idx="2">
+          <a:scrgbClr r="0" g="0" b="0"/>
+        </a:lnRef>
+        <a:fillRef idx="1">
+          <a:scrgbClr r="0" g="0" b="0"/>
+        </a:fillRef>
+        <a:effectRef idx="0">
+          <a:scrgbClr r="0" g="0" b="0"/>
+        </a:effectRef>
+        <a:fontRef idx="minor">
+          <a:schemeClr val="lt1"/>
+        </a:fontRef>
+      </dsp:style>
+      <dsp:txBody>
+        <a:bodyPr spcFirstLastPara="0" vert="horz" wrap="square" lIns="248907" tIns="0" rIns="248907" bIns="0" numCol="1" spcCol="1270" anchor="ctr" anchorCtr="0">
+          <a:noAutofit/>
+        </a:bodyPr>
+        <a:lstStyle/>
+        <a:p>
+          <a:pPr marL="0" lvl="0" indent="0" algn="l" defTabSz="711200">
+            <a:lnSpc>
+              <a:spcPct val="90000"/>
+            </a:lnSpc>
+            <a:spcBef>
+              <a:spcPct val="0"/>
+            </a:spcBef>
+            <a:spcAft>
+              <a:spcPct val="35000"/>
+            </a:spcAft>
+            <a:buNone/>
+          </a:pPr>
+          <a:r>
+            <a:rPr lang="zh-TW" sz="1600" b="1" kern="1200" dirty="0">
+              <a:latin typeface="微軟正黑體" panose="020B0604030504040204" pitchFamily="34" charset="-120"/>
+              <a:ea typeface="微軟正黑體" panose="020B0604030504040204" pitchFamily="34" charset="-120"/>
+            </a:rPr>
+            <a:t>基於 </a:t>
+          </a:r>
+          <a:r>
+            <a:rPr lang="en-US" sz="1600" b="1" kern="1200" dirty="0">
+              <a:latin typeface="微軟正黑體" panose="020B0604030504040204" pitchFamily="34" charset="-120"/>
+              <a:ea typeface="微軟正黑體" panose="020B0604030504040204" pitchFamily="34" charset="-120"/>
+            </a:rPr>
+            <a:t>UDP </a:t>
+          </a:r>
+          <a:r>
+            <a:rPr lang="zh-TW" sz="1600" b="1" kern="1200" dirty="0">
+              <a:latin typeface="微軟正黑體" panose="020B0604030504040204" pitchFamily="34" charset="-120"/>
+              <a:ea typeface="微軟正黑體" panose="020B0604030504040204" pitchFamily="34" charset="-120"/>
+            </a:rPr>
+            <a:t>傳輸</a:t>
+          </a:r>
+          <a:endParaRPr lang="en-US" sz="1600" b="1" kern="1200" dirty="0">
+            <a:latin typeface="微軟正黑體" panose="020B0604030504040204" pitchFamily="34" charset="-120"/>
+            <a:ea typeface="微軟正黑體" panose="020B0604030504040204" pitchFamily="34" charset="-120"/>
+          </a:endParaRPr>
+        </a:p>
+      </dsp:txBody>
+      <dsp:txXfrm>
+        <a:off x="483345" y="16326"/>
+        <a:ext cx="6559329" cy="239742"/>
+      </dsp:txXfrm>
+    </dsp:sp>
+    <dsp:sp modelId="{CD368228-DC59-4A2C-88DE-C9477F3C5253}">
+      <dsp:nvSpPr>
+        <dsp:cNvPr id="0" name=""/>
+        <dsp:cNvSpPr/>
+      </dsp:nvSpPr>
+      <dsp:spPr>
+        <a:xfrm>
+          <a:off x="0" y="1338237"/>
+          <a:ext cx="9407525" cy="963900"/>
+        </a:xfrm>
+        <a:prstGeom prst="rect">
+          <a:avLst/>
+        </a:prstGeom>
+        <a:solidFill>
+          <a:schemeClr val="lt1">
+            <a:alpha val="90000"/>
+            <a:hueOff val="0"/>
+            <a:satOff val="0"/>
+            <a:lumOff val="0"/>
+            <a:alphaOff val="0"/>
+          </a:schemeClr>
+        </a:solidFill>
+        <a:ln w="19050" cap="flat" cmpd="sng" algn="ctr">
+          <a:solidFill>
+            <a:schemeClr val="accent2">
+              <a:hueOff val="0"/>
+              <a:satOff val="0"/>
+              <a:lumOff val="0"/>
+              <a:alphaOff val="0"/>
+            </a:schemeClr>
+          </a:solidFill>
+          <a:prstDash val="solid"/>
+          <a:miter lim="800000"/>
+        </a:ln>
+        <a:effectLst/>
+      </dsp:spPr>
+      <dsp:style>
+        <a:lnRef idx="2">
+          <a:scrgbClr r="0" g="0" b="0"/>
+        </a:lnRef>
+        <a:fillRef idx="1">
+          <a:scrgbClr r="0" g="0" b="0"/>
+        </a:fillRef>
+        <a:effectRef idx="0">
+          <a:scrgbClr r="0" g="0" b="0"/>
+        </a:effectRef>
+        <a:fontRef idx="minor"/>
+      </dsp:style>
+      <dsp:txBody>
+        <a:bodyPr spcFirstLastPara="0" vert="horz" wrap="square" lIns="730128" tIns="187452" rIns="730128" bIns="106680" numCol="1" spcCol="1270" anchor="t" anchorCtr="0">
+          <a:noAutofit/>
+        </a:bodyPr>
+        <a:lstStyle/>
+        <a:p>
+          <a:pPr marL="114300" lvl="1" indent="-114300" algn="l" defTabSz="666750">
+            <a:lnSpc>
+              <a:spcPct val="90000"/>
+            </a:lnSpc>
+            <a:spcBef>
+              <a:spcPct val="0"/>
+            </a:spcBef>
+            <a:spcAft>
+              <a:spcPct val="15000"/>
+            </a:spcAft>
+            <a:buChar char="•"/>
+          </a:pPr>
+          <a:r>
+            <a:rPr lang="zh-TW" sz="1500" kern="1200" dirty="0">
+              <a:latin typeface="微軟正黑體" panose="020B0604030504040204" pitchFamily="34" charset="-120"/>
+              <a:ea typeface="微軟正黑體" panose="020B0604030504040204" pitchFamily="34" charset="-120"/>
+            </a:rPr>
+            <a:t>數據包頭部僅需 </a:t>
+          </a:r>
+          <a:r>
+            <a:rPr lang="en-US" sz="1500" kern="1200" dirty="0">
+              <a:latin typeface="微軟正黑體" panose="020B0604030504040204" pitchFamily="34" charset="-120"/>
+              <a:ea typeface="微軟正黑體" panose="020B0604030504040204" pitchFamily="34" charset="-120"/>
+            </a:rPr>
+            <a:t>4 </a:t>
+          </a:r>
+          <a:r>
+            <a:rPr lang="zh-TW" sz="1500" kern="1200" dirty="0">
+              <a:latin typeface="微軟正黑體" panose="020B0604030504040204" pitchFamily="34" charset="-120"/>
+              <a:ea typeface="微軟正黑體" panose="020B0604030504040204" pitchFamily="34" charset="-120"/>
+            </a:rPr>
+            <a:t>字節，極大地減少了網路帶寬的佔用</a:t>
+          </a:r>
+          <a:endParaRPr lang="en-US" sz="1500" kern="1200" dirty="0">
+            <a:latin typeface="微軟正黑體" panose="020B0604030504040204" pitchFamily="34" charset="-120"/>
+            <a:ea typeface="微軟正黑體" panose="020B0604030504040204" pitchFamily="34" charset="-120"/>
+          </a:endParaRPr>
+        </a:p>
+        <a:p>
+          <a:pPr marL="114300" lvl="1" indent="-114300" algn="l" defTabSz="666750">
+            <a:lnSpc>
+              <a:spcPct val="90000"/>
+            </a:lnSpc>
+            <a:spcBef>
+              <a:spcPct val="0"/>
+            </a:spcBef>
+            <a:spcAft>
+              <a:spcPct val="15000"/>
+            </a:spcAft>
+            <a:buChar char="•"/>
+          </a:pPr>
+          <a:r>
+            <a:rPr lang="zh-TW" sz="1500" kern="1200" dirty="0">
+              <a:latin typeface="微軟正黑體" panose="020B0604030504040204" pitchFamily="34" charset="-120"/>
+              <a:ea typeface="微軟正黑體" panose="020B0604030504040204" pitchFamily="34" charset="-120"/>
+            </a:rPr>
+            <a:t>適用於低功耗、低內存的設備</a:t>
+          </a:r>
+          <a:endParaRPr lang="en-US" sz="1500" kern="1200" dirty="0">
+            <a:latin typeface="微軟正黑體" panose="020B0604030504040204" pitchFamily="34" charset="-120"/>
+            <a:ea typeface="微軟正黑體" panose="020B0604030504040204" pitchFamily="34" charset="-120"/>
+          </a:endParaRPr>
+        </a:p>
+      </dsp:txBody>
+      <dsp:txXfrm>
+        <a:off x="0" y="1338237"/>
+        <a:ext cx="9407525" cy="963900"/>
+      </dsp:txXfrm>
+    </dsp:sp>
+    <dsp:sp modelId="{020D7F9A-96F7-4C58-9581-80812C61CB43}">
+      <dsp:nvSpPr>
+        <dsp:cNvPr id="0" name=""/>
+        <dsp:cNvSpPr/>
+      </dsp:nvSpPr>
+      <dsp:spPr>
+        <a:xfrm>
+          <a:off x="470376" y="1205397"/>
+          <a:ext cx="6585267" cy="265680"/>
+        </a:xfrm>
+        <a:prstGeom prst="roundRect">
+          <a:avLst/>
+        </a:prstGeom>
+        <a:solidFill>
+          <a:schemeClr val="accent2">
+            <a:hueOff val="0"/>
+            <a:satOff val="0"/>
+            <a:lumOff val="0"/>
+            <a:alphaOff val="0"/>
+          </a:schemeClr>
+        </a:solidFill>
+        <a:ln w="19050" cap="flat" cmpd="sng" algn="ctr">
+          <a:solidFill>
+            <a:schemeClr val="lt1">
+              <a:hueOff val="0"/>
+              <a:satOff val="0"/>
+              <a:lumOff val="0"/>
+              <a:alphaOff val="0"/>
+            </a:schemeClr>
+          </a:solidFill>
+          <a:prstDash val="solid"/>
+          <a:miter lim="800000"/>
+        </a:ln>
+        <a:effectLst/>
+      </dsp:spPr>
+      <dsp:style>
+        <a:lnRef idx="2">
+          <a:scrgbClr r="0" g="0" b="0"/>
+        </a:lnRef>
+        <a:fillRef idx="1">
+          <a:scrgbClr r="0" g="0" b="0"/>
+        </a:fillRef>
+        <a:effectRef idx="0">
+          <a:scrgbClr r="0" g="0" b="0"/>
+        </a:effectRef>
+        <a:fontRef idx="minor">
+          <a:schemeClr val="lt1"/>
+        </a:fontRef>
+      </dsp:style>
+      <dsp:txBody>
+        <a:bodyPr spcFirstLastPara="0" vert="horz" wrap="square" lIns="248907" tIns="0" rIns="248907" bIns="0" numCol="1" spcCol="1270" anchor="ctr" anchorCtr="0">
+          <a:noAutofit/>
+        </a:bodyPr>
+        <a:lstStyle/>
+        <a:p>
+          <a:pPr marL="0" lvl="0" indent="0" algn="l" defTabSz="711200">
+            <a:lnSpc>
+              <a:spcPct val="90000"/>
+            </a:lnSpc>
+            <a:spcBef>
+              <a:spcPct val="0"/>
+            </a:spcBef>
+            <a:spcAft>
+              <a:spcPct val="35000"/>
+            </a:spcAft>
+            <a:buNone/>
+          </a:pPr>
+          <a:r>
+            <a:rPr lang="zh-TW" sz="1600" b="1" kern="1200" dirty="0">
+              <a:latin typeface="微軟正黑體" panose="020B0604030504040204" pitchFamily="34" charset="-120"/>
+              <a:ea typeface="微軟正黑體" panose="020B0604030504040204" pitchFamily="34" charset="-120"/>
+            </a:rPr>
+            <a:t>輕量設計</a:t>
+          </a:r>
+          <a:endParaRPr lang="en-US" sz="1600" b="1" kern="1200" dirty="0">
+            <a:latin typeface="微軟正黑體" panose="020B0604030504040204" pitchFamily="34" charset="-120"/>
+            <a:ea typeface="微軟正黑體" panose="020B0604030504040204" pitchFamily="34" charset="-120"/>
+          </a:endParaRPr>
+        </a:p>
+      </dsp:txBody>
+      <dsp:txXfrm>
+        <a:off x="483345" y="1218366"/>
+        <a:ext cx="6559329" cy="239742"/>
+      </dsp:txXfrm>
+    </dsp:sp>
+    <dsp:sp modelId="{1A297216-C726-4385-B848-54C66B489971}">
+      <dsp:nvSpPr>
+        <dsp:cNvPr id="0" name=""/>
+        <dsp:cNvSpPr/>
+      </dsp:nvSpPr>
+      <dsp:spPr>
+        <a:xfrm>
+          <a:off x="0" y="2483577"/>
+          <a:ext cx="9407525" cy="963900"/>
+        </a:xfrm>
+        <a:prstGeom prst="rect">
+          <a:avLst/>
+        </a:prstGeom>
+        <a:solidFill>
+          <a:schemeClr val="lt1">
+            <a:alpha val="90000"/>
+            <a:hueOff val="0"/>
+            <a:satOff val="0"/>
+            <a:lumOff val="0"/>
+            <a:alphaOff val="0"/>
+          </a:schemeClr>
+        </a:solidFill>
+        <a:ln w="19050" cap="flat" cmpd="sng" algn="ctr">
+          <a:solidFill>
+            <a:schemeClr val="accent2">
+              <a:hueOff val="0"/>
+              <a:satOff val="0"/>
+              <a:lumOff val="0"/>
+              <a:alphaOff val="0"/>
+            </a:schemeClr>
+          </a:solidFill>
+          <a:prstDash val="solid"/>
+          <a:miter lim="800000"/>
+        </a:ln>
+        <a:effectLst/>
+      </dsp:spPr>
+      <dsp:style>
+        <a:lnRef idx="2">
+          <a:scrgbClr r="0" g="0" b="0"/>
+        </a:lnRef>
+        <a:fillRef idx="1">
+          <a:scrgbClr r="0" g="0" b="0"/>
+        </a:fillRef>
+        <a:effectRef idx="0">
+          <a:scrgbClr r="0" g="0" b="0"/>
+        </a:effectRef>
+        <a:fontRef idx="minor"/>
+      </dsp:style>
+      <dsp:txBody>
+        <a:bodyPr spcFirstLastPara="0" vert="horz" wrap="square" lIns="730128" tIns="187452" rIns="730128" bIns="106680" numCol="1" spcCol="1270" anchor="t" anchorCtr="0">
+          <a:noAutofit/>
+        </a:bodyPr>
+        <a:lstStyle/>
+        <a:p>
+          <a:pPr marL="114300" lvl="1" indent="-114300" algn="l" defTabSz="666750">
+            <a:lnSpc>
+              <a:spcPct val="90000"/>
+            </a:lnSpc>
+            <a:spcBef>
+              <a:spcPct val="0"/>
+            </a:spcBef>
+            <a:spcAft>
+              <a:spcPct val="15000"/>
+            </a:spcAft>
+            <a:buChar char="•"/>
+          </a:pPr>
+          <a:r>
+            <a:rPr lang="zh-TW" sz="1500" kern="1200">
+              <a:latin typeface="微軟正黑體" panose="020B0604030504040204" pitchFamily="34" charset="-120"/>
+              <a:ea typeface="微軟正黑體" panose="020B0604030504040204" pitchFamily="34" charset="-120"/>
+            </a:rPr>
+            <a:t>支援標準的 </a:t>
+          </a:r>
+          <a:r>
+            <a:rPr lang="en-US" sz="1500" kern="1200">
+              <a:latin typeface="微軟正黑體" panose="020B0604030504040204" pitchFamily="34" charset="-120"/>
+              <a:ea typeface="微軟正黑體" panose="020B0604030504040204" pitchFamily="34" charset="-120"/>
+            </a:rPr>
+            <a:t>GET</a:t>
+          </a:r>
+          <a:r>
+            <a:rPr lang="zh-TW" sz="1500" kern="1200">
+              <a:latin typeface="微軟正黑體" panose="020B0604030504040204" pitchFamily="34" charset="-120"/>
+              <a:ea typeface="微軟正黑體" panose="020B0604030504040204" pitchFamily="34" charset="-120"/>
+            </a:rPr>
+            <a:t>、</a:t>
+          </a:r>
+          <a:r>
+            <a:rPr lang="en-US" sz="1500" kern="1200">
+              <a:latin typeface="微軟正黑體" panose="020B0604030504040204" pitchFamily="34" charset="-120"/>
+              <a:ea typeface="微軟正黑體" panose="020B0604030504040204" pitchFamily="34" charset="-120"/>
+            </a:rPr>
+            <a:t>POST</a:t>
+          </a:r>
+          <a:r>
+            <a:rPr lang="zh-TW" sz="1500" kern="1200">
+              <a:latin typeface="微軟正黑體" panose="020B0604030504040204" pitchFamily="34" charset="-120"/>
+              <a:ea typeface="微軟正黑體" panose="020B0604030504040204" pitchFamily="34" charset="-120"/>
+            </a:rPr>
+            <a:t>、</a:t>
+          </a:r>
+          <a:r>
+            <a:rPr lang="en-US" sz="1500" kern="1200">
+              <a:latin typeface="微軟正黑體" panose="020B0604030504040204" pitchFamily="34" charset="-120"/>
+              <a:ea typeface="微軟正黑體" panose="020B0604030504040204" pitchFamily="34" charset="-120"/>
+            </a:rPr>
+            <a:t>PUT</a:t>
+          </a:r>
+          <a:r>
+            <a:rPr lang="zh-TW" sz="1500" kern="1200">
+              <a:latin typeface="微軟正黑體" panose="020B0604030504040204" pitchFamily="34" charset="-120"/>
+              <a:ea typeface="微軟正黑體" panose="020B0604030504040204" pitchFamily="34" charset="-120"/>
+            </a:rPr>
+            <a:t>、</a:t>
+          </a:r>
+          <a:r>
+            <a:rPr lang="en-US" sz="1500" kern="1200">
+              <a:latin typeface="微軟正黑體" panose="020B0604030504040204" pitchFamily="34" charset="-120"/>
+              <a:ea typeface="微軟正黑體" panose="020B0604030504040204" pitchFamily="34" charset="-120"/>
+            </a:rPr>
+            <a:t>DELETE </a:t>
+          </a:r>
+          <a:r>
+            <a:rPr lang="zh-TW" sz="1500" kern="1200">
+              <a:latin typeface="微軟正黑體" panose="020B0604030504040204" pitchFamily="34" charset="-120"/>
+              <a:ea typeface="微軟正黑體" panose="020B0604030504040204" pitchFamily="34" charset="-120"/>
+            </a:rPr>
+            <a:t>方法，方便開發者理解和使用</a:t>
+          </a:r>
+          <a:endParaRPr lang="en-US" sz="1500" kern="1200">
+            <a:latin typeface="微軟正黑體" panose="020B0604030504040204" pitchFamily="34" charset="-120"/>
+            <a:ea typeface="微軟正黑體" panose="020B0604030504040204" pitchFamily="34" charset="-120"/>
+          </a:endParaRPr>
+        </a:p>
+        <a:p>
+          <a:pPr marL="114300" lvl="1" indent="-114300" algn="l" defTabSz="666750">
+            <a:lnSpc>
+              <a:spcPct val="90000"/>
+            </a:lnSpc>
+            <a:spcBef>
+              <a:spcPct val="0"/>
+            </a:spcBef>
+            <a:spcAft>
+              <a:spcPct val="15000"/>
+            </a:spcAft>
+            <a:buChar char="•"/>
+          </a:pPr>
+          <a:r>
+            <a:rPr lang="zh-TW" sz="1500" kern="1200">
+              <a:latin typeface="微軟正黑體" panose="020B0604030504040204" pitchFamily="34" charset="-120"/>
+              <a:ea typeface="微軟正黑體" panose="020B0604030504040204" pitchFamily="34" charset="-120"/>
+            </a:rPr>
+            <a:t>簡化版 </a:t>
+          </a:r>
+          <a:r>
+            <a:rPr lang="en-US" sz="1500" kern="1200">
+              <a:latin typeface="微軟正黑體" panose="020B0604030504040204" pitchFamily="34" charset="-120"/>
+              <a:ea typeface="微軟正黑體" panose="020B0604030504040204" pitchFamily="34" charset="-120"/>
+            </a:rPr>
+            <a:t>HTTP</a:t>
+          </a:r>
+          <a:r>
+            <a:rPr lang="zh-TW" sz="1500" kern="1200">
+              <a:latin typeface="微軟正黑體" panose="020B0604030504040204" pitchFamily="34" charset="-120"/>
+              <a:ea typeface="微軟正黑體" panose="020B0604030504040204" pitchFamily="34" charset="-120"/>
+            </a:rPr>
+            <a:t>，專為 </a:t>
+          </a:r>
+          <a:r>
+            <a:rPr lang="en-US" sz="1500" kern="1200">
+              <a:latin typeface="微軟正黑體" panose="020B0604030504040204" pitchFamily="34" charset="-120"/>
+              <a:ea typeface="微軟正黑體" panose="020B0604030504040204" pitchFamily="34" charset="-120"/>
+            </a:rPr>
+            <a:t>IoT </a:t>
+          </a:r>
+          <a:r>
+            <a:rPr lang="zh-TW" sz="1500" kern="1200">
+              <a:latin typeface="微軟正黑體" panose="020B0604030504040204" pitchFamily="34" charset="-120"/>
+              <a:ea typeface="微軟正黑體" panose="020B0604030504040204" pitchFamily="34" charset="-120"/>
+            </a:rPr>
+            <a:t>設備量身打造</a:t>
+          </a:r>
+          <a:endParaRPr lang="en-US" sz="1500" kern="1200">
+            <a:latin typeface="微軟正黑體" panose="020B0604030504040204" pitchFamily="34" charset="-120"/>
+            <a:ea typeface="微軟正黑體" panose="020B0604030504040204" pitchFamily="34" charset="-120"/>
+          </a:endParaRPr>
+        </a:p>
+      </dsp:txBody>
+      <dsp:txXfrm>
+        <a:off x="0" y="2483577"/>
+        <a:ext cx="9407525" cy="963900"/>
+      </dsp:txXfrm>
+    </dsp:sp>
+    <dsp:sp modelId="{E180A4EF-CD52-4B47-971D-D86ABAB0679C}">
+      <dsp:nvSpPr>
+        <dsp:cNvPr id="0" name=""/>
+        <dsp:cNvSpPr/>
+      </dsp:nvSpPr>
+      <dsp:spPr>
+        <a:xfrm>
+          <a:off x="470376" y="2350737"/>
+          <a:ext cx="6585267" cy="265680"/>
+        </a:xfrm>
+        <a:prstGeom prst="roundRect">
+          <a:avLst/>
+        </a:prstGeom>
+        <a:solidFill>
+          <a:schemeClr val="accent2">
+            <a:hueOff val="0"/>
+            <a:satOff val="0"/>
+            <a:lumOff val="0"/>
+            <a:alphaOff val="0"/>
+          </a:schemeClr>
+        </a:solidFill>
+        <a:ln w="19050" cap="flat" cmpd="sng" algn="ctr">
+          <a:solidFill>
+            <a:schemeClr val="lt1">
+              <a:hueOff val="0"/>
+              <a:satOff val="0"/>
+              <a:lumOff val="0"/>
+              <a:alphaOff val="0"/>
+            </a:schemeClr>
+          </a:solidFill>
+          <a:prstDash val="solid"/>
+          <a:miter lim="800000"/>
+        </a:ln>
+        <a:effectLst/>
+      </dsp:spPr>
+      <dsp:style>
+        <a:lnRef idx="2">
+          <a:scrgbClr r="0" g="0" b="0"/>
+        </a:lnRef>
+        <a:fillRef idx="1">
+          <a:scrgbClr r="0" g="0" b="0"/>
+        </a:fillRef>
+        <a:effectRef idx="0">
+          <a:scrgbClr r="0" g="0" b="0"/>
+        </a:effectRef>
+        <a:fontRef idx="minor">
+          <a:schemeClr val="lt1"/>
+        </a:fontRef>
+      </dsp:style>
+      <dsp:txBody>
+        <a:bodyPr spcFirstLastPara="0" vert="horz" wrap="square" lIns="248907" tIns="0" rIns="248907" bIns="0" numCol="1" spcCol="1270" anchor="ctr" anchorCtr="0">
+          <a:noAutofit/>
+        </a:bodyPr>
+        <a:lstStyle/>
+        <a:p>
+          <a:pPr marL="0" lvl="0" indent="0" algn="l" defTabSz="711200">
+            <a:lnSpc>
+              <a:spcPct val="90000"/>
+            </a:lnSpc>
+            <a:spcBef>
+              <a:spcPct val="0"/>
+            </a:spcBef>
+            <a:spcAft>
+              <a:spcPct val="35000"/>
+            </a:spcAft>
+            <a:buNone/>
+          </a:pPr>
+          <a:r>
+            <a:rPr lang="zh-TW" sz="1600" b="1" kern="1200">
+              <a:latin typeface="微軟正黑體" panose="020B0604030504040204" pitchFamily="34" charset="-120"/>
+              <a:ea typeface="微軟正黑體" panose="020B0604030504040204" pitchFamily="34" charset="-120"/>
+            </a:rPr>
+            <a:t>類似 </a:t>
+          </a:r>
+          <a:r>
+            <a:rPr lang="en-US" sz="1600" b="1" kern="1200">
+              <a:latin typeface="微軟正黑體" panose="020B0604030504040204" pitchFamily="34" charset="-120"/>
+              <a:ea typeface="微軟正黑體" panose="020B0604030504040204" pitchFamily="34" charset="-120"/>
+            </a:rPr>
+            <a:t>HTTP </a:t>
+          </a:r>
+          <a:r>
+            <a:rPr lang="zh-TW" sz="1600" b="1" kern="1200">
+              <a:latin typeface="微軟正黑體" panose="020B0604030504040204" pitchFamily="34" charset="-120"/>
+              <a:ea typeface="微軟正黑體" panose="020B0604030504040204" pitchFamily="34" charset="-120"/>
+            </a:rPr>
+            <a:t>的 </a:t>
+          </a:r>
+          <a:r>
+            <a:rPr lang="en-US" sz="1600" b="1" kern="1200">
+              <a:latin typeface="微軟正黑體" panose="020B0604030504040204" pitchFamily="34" charset="-120"/>
+              <a:ea typeface="微軟正黑體" panose="020B0604030504040204" pitchFamily="34" charset="-120"/>
+            </a:rPr>
+            <a:t>RESTful </a:t>
+          </a:r>
+          <a:r>
+            <a:rPr lang="zh-TW" sz="1600" b="1" kern="1200">
+              <a:latin typeface="微軟正黑體" panose="020B0604030504040204" pitchFamily="34" charset="-120"/>
+              <a:ea typeface="微軟正黑體" panose="020B0604030504040204" pitchFamily="34" charset="-120"/>
+            </a:rPr>
+            <a:t>模型</a:t>
+          </a:r>
+          <a:endParaRPr lang="en-US" sz="1600" b="1" kern="1200">
+            <a:latin typeface="微軟正黑體" panose="020B0604030504040204" pitchFamily="34" charset="-120"/>
+            <a:ea typeface="微軟正黑體" panose="020B0604030504040204" pitchFamily="34" charset="-120"/>
+          </a:endParaRPr>
+        </a:p>
+      </dsp:txBody>
+      <dsp:txXfrm>
+        <a:off x="483345" y="2363706"/>
+        <a:ext cx="6559329" cy="239742"/>
+      </dsp:txXfrm>
+    </dsp:sp>
+    <dsp:sp modelId="{F08AFFCA-A05F-437E-8162-C9BDA8851538}">
+      <dsp:nvSpPr>
+        <dsp:cNvPr id="0" name=""/>
+        <dsp:cNvSpPr/>
+      </dsp:nvSpPr>
+      <dsp:spPr>
+        <a:xfrm>
+          <a:off x="0" y="3628917"/>
+          <a:ext cx="9407525" cy="609525"/>
+        </a:xfrm>
+        <a:prstGeom prst="rect">
+          <a:avLst/>
+        </a:prstGeom>
+        <a:solidFill>
+          <a:schemeClr val="lt1">
+            <a:alpha val="90000"/>
+            <a:hueOff val="0"/>
+            <a:satOff val="0"/>
+            <a:lumOff val="0"/>
+            <a:alphaOff val="0"/>
+          </a:schemeClr>
+        </a:solidFill>
+        <a:ln w="19050" cap="flat" cmpd="sng" algn="ctr">
+          <a:solidFill>
+            <a:schemeClr val="accent2">
+              <a:hueOff val="0"/>
+              <a:satOff val="0"/>
+              <a:lumOff val="0"/>
+              <a:alphaOff val="0"/>
+            </a:schemeClr>
+          </a:solidFill>
+          <a:prstDash val="solid"/>
+          <a:miter lim="800000"/>
+        </a:ln>
+        <a:effectLst/>
+      </dsp:spPr>
+      <dsp:style>
+        <a:lnRef idx="2">
+          <a:scrgbClr r="0" g="0" b="0"/>
+        </a:lnRef>
+        <a:fillRef idx="1">
+          <a:scrgbClr r="0" g="0" b="0"/>
+        </a:fillRef>
+        <a:effectRef idx="0">
+          <a:scrgbClr r="0" g="0" b="0"/>
+        </a:effectRef>
+        <a:fontRef idx="minor"/>
+      </dsp:style>
+      <dsp:txBody>
+        <a:bodyPr spcFirstLastPara="0" vert="horz" wrap="square" lIns="730128" tIns="187452" rIns="730128" bIns="106680" numCol="1" spcCol="1270" anchor="t" anchorCtr="0">
+          <a:noAutofit/>
+        </a:bodyPr>
+        <a:lstStyle/>
+        <a:p>
+          <a:pPr marL="114300" lvl="1" indent="-114300" algn="l" defTabSz="666750">
+            <a:lnSpc>
+              <a:spcPct val="90000"/>
+            </a:lnSpc>
+            <a:spcBef>
+              <a:spcPct val="0"/>
+            </a:spcBef>
+            <a:spcAft>
+              <a:spcPct val="15000"/>
+            </a:spcAft>
+            <a:buChar char="•"/>
+          </a:pPr>
+          <a:r>
+            <a:rPr lang="zh-TW" sz="1500" kern="1200">
+              <a:latin typeface="微軟正黑體" panose="020B0604030504040204" pitchFamily="34" charset="-120"/>
+              <a:ea typeface="微軟正黑體" panose="020B0604030504040204" pitchFamily="34" charset="-120"/>
+            </a:rPr>
+            <a:t>雖然基於 </a:t>
+          </a:r>
+          <a:r>
+            <a:rPr lang="en-US" sz="1500" kern="1200">
+              <a:latin typeface="微軟正黑體" panose="020B0604030504040204" pitchFamily="34" charset="-120"/>
+              <a:ea typeface="微軟正黑體" panose="020B0604030504040204" pitchFamily="34" charset="-120"/>
+            </a:rPr>
+            <a:t>UDP</a:t>
+          </a:r>
+          <a:r>
+            <a:rPr lang="zh-TW" sz="1500" kern="1200">
+              <a:latin typeface="微軟正黑體" panose="020B0604030504040204" pitchFamily="34" charset="-120"/>
+              <a:ea typeface="微軟正黑體" panose="020B0604030504040204" pitchFamily="34" charset="-120"/>
+            </a:rPr>
+            <a:t>，</a:t>
+          </a:r>
+          <a:r>
+            <a:rPr lang="en-US" sz="1500" kern="1200">
+              <a:latin typeface="微軟正黑體" panose="020B0604030504040204" pitchFamily="34" charset="-120"/>
+              <a:ea typeface="微軟正黑體" panose="020B0604030504040204" pitchFamily="34" charset="-120"/>
+            </a:rPr>
+            <a:t>CoAP </a:t>
+          </a:r>
+          <a:r>
+            <a:rPr lang="zh-TW" sz="1500" kern="1200">
+              <a:latin typeface="微軟正黑體" panose="020B0604030504040204" pitchFamily="34" charset="-120"/>
+              <a:ea typeface="微軟正黑體" panose="020B0604030504040204" pitchFamily="34" charset="-120"/>
+            </a:rPr>
+            <a:t>提供可選的可靠傳輸機制（如 </a:t>
+          </a:r>
+          <a:r>
+            <a:rPr lang="en-US" sz="1500" kern="1200">
+              <a:latin typeface="微軟正黑體" panose="020B0604030504040204" pitchFamily="34" charset="-120"/>
+              <a:ea typeface="微軟正黑體" panose="020B0604030504040204" pitchFamily="34" charset="-120"/>
+            </a:rPr>
+            <a:t>ACK </a:t>
+          </a:r>
+          <a:r>
+            <a:rPr lang="zh-TW" sz="1500" kern="1200">
+              <a:latin typeface="微軟正黑體" panose="020B0604030504040204" pitchFamily="34" charset="-120"/>
+              <a:ea typeface="微軟正黑體" panose="020B0604030504040204" pitchFamily="34" charset="-120"/>
+            </a:rPr>
+            <a:t>確認），在需要時確保數據完整性</a:t>
+          </a:r>
+          <a:endParaRPr lang="en-US" sz="1500" kern="1200">
+            <a:latin typeface="微軟正黑體" panose="020B0604030504040204" pitchFamily="34" charset="-120"/>
+            <a:ea typeface="微軟正黑體" panose="020B0604030504040204" pitchFamily="34" charset="-120"/>
+          </a:endParaRPr>
+        </a:p>
+      </dsp:txBody>
+      <dsp:txXfrm>
+        <a:off x="0" y="3628917"/>
+        <a:ext cx="9407525" cy="609525"/>
+      </dsp:txXfrm>
+    </dsp:sp>
+    <dsp:sp modelId="{189DD8EE-DDAF-4F21-B8CF-A98D577C3BC3}">
+      <dsp:nvSpPr>
+        <dsp:cNvPr id="0" name=""/>
+        <dsp:cNvSpPr/>
+      </dsp:nvSpPr>
+      <dsp:spPr>
+        <a:xfrm>
+          <a:off x="470376" y="3496077"/>
+          <a:ext cx="6585267" cy="265680"/>
+        </a:xfrm>
+        <a:prstGeom prst="roundRect">
+          <a:avLst/>
+        </a:prstGeom>
+        <a:solidFill>
+          <a:schemeClr val="accent2">
+            <a:hueOff val="0"/>
+            <a:satOff val="0"/>
+            <a:lumOff val="0"/>
+            <a:alphaOff val="0"/>
+          </a:schemeClr>
+        </a:solidFill>
+        <a:ln w="19050" cap="flat" cmpd="sng" algn="ctr">
+          <a:solidFill>
+            <a:schemeClr val="lt1">
+              <a:hueOff val="0"/>
+              <a:satOff val="0"/>
+              <a:lumOff val="0"/>
+              <a:alphaOff val="0"/>
+            </a:schemeClr>
+          </a:solidFill>
+          <a:prstDash val="solid"/>
+          <a:miter lim="800000"/>
+        </a:ln>
+        <a:effectLst/>
+      </dsp:spPr>
+      <dsp:style>
+        <a:lnRef idx="2">
+          <a:scrgbClr r="0" g="0" b="0"/>
+        </a:lnRef>
+        <a:fillRef idx="1">
+          <a:scrgbClr r="0" g="0" b="0"/>
+        </a:fillRef>
+        <a:effectRef idx="0">
+          <a:scrgbClr r="0" g="0" b="0"/>
+        </a:effectRef>
+        <a:fontRef idx="minor">
+          <a:schemeClr val="lt1"/>
+        </a:fontRef>
+      </dsp:style>
+      <dsp:txBody>
+        <a:bodyPr spcFirstLastPara="0" vert="horz" wrap="square" lIns="248907" tIns="0" rIns="248907" bIns="0" numCol="1" spcCol="1270" anchor="ctr" anchorCtr="0">
+          <a:noAutofit/>
+        </a:bodyPr>
+        <a:lstStyle/>
+        <a:p>
+          <a:pPr marL="0" lvl="0" indent="0" algn="l" defTabSz="711200">
+            <a:lnSpc>
+              <a:spcPct val="90000"/>
+            </a:lnSpc>
+            <a:spcBef>
+              <a:spcPct val="0"/>
+            </a:spcBef>
+            <a:spcAft>
+              <a:spcPct val="35000"/>
+            </a:spcAft>
+            <a:buNone/>
+          </a:pPr>
+          <a:r>
+            <a:rPr lang="zh-TW" sz="1600" b="1" kern="1200" dirty="0">
+              <a:latin typeface="微軟正黑體" panose="020B0604030504040204" pitchFamily="34" charset="-120"/>
+              <a:ea typeface="微軟正黑體" panose="020B0604030504040204" pitchFamily="34" charset="-120"/>
+            </a:rPr>
+            <a:t>可靠性選項</a:t>
+          </a:r>
+          <a:endParaRPr lang="en-US" sz="1600" b="1" kern="1200" dirty="0">
+            <a:latin typeface="微軟正黑體" panose="020B0604030504040204" pitchFamily="34" charset="-120"/>
+            <a:ea typeface="微軟正黑體" panose="020B0604030504040204" pitchFamily="34" charset="-120"/>
+          </a:endParaRPr>
+        </a:p>
+      </dsp:txBody>
+      <dsp:txXfrm>
+        <a:off x="483345" y="3509046"/>
+        <a:ext cx="6559329" cy="239742"/>
+      </dsp:txXfrm>
+    </dsp:sp>
+  </dsp:spTree>
+</dsp:drawing>
+</file>
+
+<file path=ppt/diagrams/drawing2.xml><?xml version="1.0" encoding="utf-8"?>
+<dsp:drawing xmlns:dgm="http://schemas.openxmlformats.org/drawingml/2006/diagram" xmlns:dsp="http://schemas.microsoft.com/office/drawing/2008/diagram" xmlns:a="http://schemas.openxmlformats.org/drawingml/2006/main">
+  <dsp:spTree>
+    <dsp:nvGrpSpPr>
+      <dsp:cNvPr id="0" name=""/>
+      <dsp:cNvGrpSpPr/>
+    </dsp:nvGrpSpPr>
+    <dsp:grpSpPr/>
     <dsp:sp modelId="{AD2B38A8-B0B8-4909-B99F-3A2AAEF51FBF}">
       <dsp:nvSpPr>
         <dsp:cNvPr id="0" name=""/>
@@ -1789,6 +4400,231 @@
 </file>
 
 <file path=ppt/diagrams/layout1.xml><?xml version="1.0" encoding="utf-8"?>
+<dgm:layoutDef xmlns:dgm="http://schemas.openxmlformats.org/drawingml/2006/diagram" xmlns:a="http://schemas.openxmlformats.org/drawingml/2006/main" uniqueId="urn:microsoft.com/office/officeart/2005/8/layout/list1">
+  <dgm:title val=""/>
+  <dgm:desc val=""/>
+  <dgm:catLst>
+    <dgm:cat type="list" pri="4000"/>
+  </dgm:catLst>
+  <dgm:sampData>
+    <dgm:dataModel>
+      <dgm:ptLst>
+        <dgm:pt modelId="0" type="doc"/>
+        <dgm:pt modelId="1">
+          <dgm:prSet phldr="1"/>
+        </dgm:pt>
+        <dgm:pt modelId="2">
+          <dgm:prSet phldr="1"/>
+        </dgm:pt>
+        <dgm:pt modelId="3">
+          <dgm:prSet phldr="1"/>
+        </dgm:pt>
+      </dgm:ptLst>
+      <dgm:cxnLst>
+        <dgm:cxn modelId="4" srcId="0" destId="1" srcOrd="0" destOrd="0"/>
+        <dgm:cxn modelId="5" srcId="0" destId="2" srcOrd="1" destOrd="0"/>
+        <dgm:cxn modelId="6" srcId="0" destId="3" srcOrd="2" destOrd="0"/>
+      </dgm:cxnLst>
+      <dgm:bg/>
+      <dgm:whole/>
+    </dgm:dataModel>
+  </dgm:sampData>
+  <dgm:styleData>
+    <dgm:dataModel>
+      <dgm:ptLst>
+        <dgm:pt modelId="0" type="doc"/>
+        <dgm:pt modelId="1"/>
+        <dgm:pt modelId="2"/>
+      </dgm:ptLst>
+      <dgm:cxnLst>
+        <dgm:cxn modelId="4" srcId="0" destId="1" srcOrd="0" destOrd="0"/>
+        <dgm:cxn modelId="5" srcId="0" destId="2" srcOrd="1" destOrd="0"/>
+      </dgm:cxnLst>
+      <dgm:bg/>
+      <dgm:whole/>
+    </dgm:dataModel>
+  </dgm:styleData>
+  <dgm:clrData>
+    <dgm:dataModel>
+      <dgm:ptLst>
+        <dgm:pt modelId="0" type="doc"/>
+        <dgm:pt modelId="1"/>
+        <dgm:pt modelId="2"/>
+        <dgm:pt modelId="3"/>
+        <dgm:pt modelId="4"/>
+      </dgm:ptLst>
+      <dgm:cxnLst>
+        <dgm:cxn modelId="5" srcId="0" destId="1" srcOrd="0" destOrd="0"/>
+        <dgm:cxn modelId="6" srcId="0" destId="2" srcOrd="1" destOrd="0"/>
+        <dgm:cxn modelId="7" srcId="0" destId="3" srcOrd="2" destOrd="0"/>
+        <dgm:cxn modelId="8" srcId="0" destId="4" srcOrd="3" destOrd="0"/>
+      </dgm:cxnLst>
+      <dgm:bg/>
+      <dgm:whole/>
+    </dgm:dataModel>
+  </dgm:clrData>
+  <dgm:layoutNode name="linear">
+    <dgm:varLst>
+      <dgm:dir/>
+      <dgm:animLvl val="lvl"/>
+      <dgm:resizeHandles val="exact"/>
+    </dgm:varLst>
+    <dgm:choose name="Name0">
+      <dgm:if name="Name1" func="var" arg="dir" op="equ" val="norm">
+        <dgm:alg type="lin">
+          <dgm:param type="linDir" val="fromT"/>
+          <dgm:param type="vertAlign" val="mid"/>
+          <dgm:param type="horzAlign" val="l"/>
+          <dgm:param type="nodeHorzAlign" val="l"/>
+        </dgm:alg>
+      </dgm:if>
+      <dgm:else name="Name2">
+        <dgm:alg type="lin">
+          <dgm:param type="linDir" val="fromT"/>
+          <dgm:param type="vertAlign" val="mid"/>
+          <dgm:param type="horzAlign" val="r"/>
+          <dgm:param type="nodeHorzAlign" val="r"/>
+        </dgm:alg>
+      </dgm:else>
+    </dgm:choose>
+    <dgm:shape xmlns:r="http://schemas.openxmlformats.org/officeDocument/2006/relationships" r:blip="">
+      <dgm:adjLst/>
+    </dgm:shape>
+    <dgm:presOf/>
+    <dgm:constrLst>
+      <dgm:constr type="w" for="ch" forName="parentLin" refType="w"/>
+      <dgm:constr type="h" for="ch" forName="parentLin" val="INF"/>
+      <dgm:constr type="w" for="des" forName="parentLeftMargin" refType="w" fact="0.05"/>
+      <dgm:constr type="w" for="des" forName="parentText" refType="w" fact="0.7"/>
+      <dgm:constr type="h" for="des" forName="parentText" refType="primFontSz" refFor="des" refForName="parentText" fact="0.82"/>
+      <dgm:constr type="h" for="ch" forName="negativeSpace" refType="primFontSz" refFor="des" refForName="parentText" fact="-0.41"/>
+      <dgm:constr type="h" for="ch" forName="negativeSpace" refType="h" refFor="des" refForName="parentText" op="lte" fact="-0.82"/>
+      <dgm:constr type="h" for="ch" forName="negativeSpace" refType="h" refFor="des" refForName="parentText" op="gte" fact="-0.82"/>
+      <dgm:constr type="w" for="ch" forName="childText" refType="w"/>
+      <dgm:constr type="h" for="ch" forName="childText" refType="primFontSz" refFor="des" refForName="parentText" fact="0.7"/>
+      <dgm:constr type="primFontSz" for="des" forName="parentText" val="65"/>
+      <dgm:constr type="primFontSz" for="ch" forName="childText" refType="primFontSz" refFor="des" refForName="parentText"/>
+      <dgm:constr type="tMarg" for="ch" forName="childText" refType="primFontSz" refFor="des" refForName="parentText" fact="1.64"/>
+      <dgm:constr type="tMarg" for="ch" forName="childText" refType="h" refFor="des" refForName="parentText" op="lte" fact="3.28"/>
+      <dgm:constr type="tMarg" for="ch" forName="childText" refType="h" refFor="des" refForName="parentText" op="gte" fact="3.28"/>
+      <dgm:constr type="lMarg" for="ch" forName="childText" refType="w" fact="0.22"/>
+      <dgm:constr type="rMarg" for="ch" forName="childText" refType="lMarg" refFor="ch" refForName="childText"/>
+      <dgm:constr type="lMarg" for="des" forName="parentText" refType="w" fact="0.075"/>
+      <dgm:constr type="rMarg" for="des" forName="parentText" refType="lMarg" refFor="des" refForName="parentText"/>
+      <dgm:constr type="h" for="ch" forName="spaceBetweenRectangles" refType="primFontSz" refFor="des" refForName="parentText" fact="0.15"/>
+    </dgm:constrLst>
+    <dgm:ruleLst>
+      <dgm:rule type="primFontSz" for="des" forName="parentText" val="5" fact="NaN" max="NaN"/>
+    </dgm:ruleLst>
+    <dgm:forEach name="Name3" axis="ch" ptType="node">
+      <dgm:layoutNode name="parentLin">
+        <dgm:choose name="Name4">
+          <dgm:if name="Name5" func="var" arg="dir" op="equ" val="norm">
+            <dgm:alg type="lin">
+              <dgm:param type="linDir" val="fromL"/>
+              <dgm:param type="horzAlign" val="l"/>
+              <dgm:param type="nodeHorzAlign" val="l"/>
+            </dgm:alg>
+          </dgm:if>
+          <dgm:else name="Name6">
+            <dgm:alg type="lin">
+              <dgm:param type="linDir" val="fromR"/>
+              <dgm:param type="horzAlign" val="r"/>
+              <dgm:param type="nodeHorzAlign" val="r"/>
+            </dgm:alg>
+          </dgm:else>
+        </dgm:choose>
+        <dgm:shape xmlns:r="http://schemas.openxmlformats.org/officeDocument/2006/relationships" r:blip="">
+          <dgm:adjLst/>
+        </dgm:shape>
+        <dgm:presOf/>
+        <dgm:constrLst/>
+        <dgm:ruleLst/>
+        <dgm:layoutNode name="parentLeftMargin">
+          <dgm:alg type="sp"/>
+          <dgm:shape xmlns:r="http://schemas.openxmlformats.org/officeDocument/2006/relationships" type="rect" r:blip="" hideGeom="1">
+            <dgm:adjLst/>
+          </dgm:shape>
+          <dgm:presOf axis="self"/>
+          <dgm:constrLst>
+            <dgm:constr type="h"/>
+          </dgm:constrLst>
+          <dgm:ruleLst/>
+        </dgm:layoutNode>
+        <dgm:layoutNode name="parentText" styleLbl="node1">
+          <dgm:varLst>
+            <dgm:chMax val="0"/>
+            <dgm:bulletEnabled val="1"/>
+          </dgm:varLst>
+          <dgm:choose name="Name7">
+            <dgm:if name="Name8" func="var" arg="dir" op="equ" val="norm">
+              <dgm:alg type="tx">
+                <dgm:param type="parTxLTRAlign" val="l"/>
+                <dgm:param type="parTxRTLAlign" val="l"/>
+              </dgm:alg>
+            </dgm:if>
+            <dgm:else name="Name9">
+              <dgm:alg type="tx">
+                <dgm:param type="parTxLTRAlign" val="r"/>
+                <dgm:param type="parTxRTLAlign" val="r"/>
+              </dgm:alg>
+            </dgm:else>
+          </dgm:choose>
+          <dgm:shape xmlns:r="http://schemas.openxmlformats.org/officeDocument/2006/relationships" type="roundRect" r:blip="">
+            <dgm:adjLst/>
+          </dgm:shape>
+          <dgm:presOf axis="self" ptType="node"/>
+          <dgm:constrLst>
+            <dgm:constr type="tMarg"/>
+            <dgm:constr type="bMarg"/>
+          </dgm:constrLst>
+          <dgm:ruleLst/>
+        </dgm:layoutNode>
+      </dgm:layoutNode>
+      <dgm:layoutNode name="negativeSpace">
+        <dgm:alg type="sp"/>
+        <dgm:shape xmlns:r="http://schemas.openxmlformats.org/officeDocument/2006/relationships" r:blip="">
+          <dgm:adjLst/>
+        </dgm:shape>
+        <dgm:presOf/>
+        <dgm:constrLst/>
+        <dgm:ruleLst/>
+      </dgm:layoutNode>
+      <dgm:layoutNode name="childText" styleLbl="conFgAcc1">
+        <dgm:varLst>
+          <dgm:bulletEnabled val="1"/>
+        </dgm:varLst>
+        <dgm:alg type="tx">
+          <dgm:param type="stBulletLvl" val="1"/>
+        </dgm:alg>
+        <dgm:shape xmlns:r="http://schemas.openxmlformats.org/officeDocument/2006/relationships" type="rect" r:blip="" zOrderOff="-2">
+          <dgm:adjLst/>
+        </dgm:shape>
+        <dgm:presOf axis="des" ptType="node"/>
+        <dgm:constrLst>
+          <dgm:constr type="secFontSz" refType="primFontSz"/>
+        </dgm:constrLst>
+        <dgm:ruleLst>
+          <dgm:rule type="h" val="INF" fact="NaN" max="NaN"/>
+        </dgm:ruleLst>
+      </dgm:layoutNode>
+      <dgm:forEach name="Name10" axis="followSib" ptType="sibTrans" cnt="1">
+        <dgm:layoutNode name="spaceBetweenRectangles">
+          <dgm:alg type="sp"/>
+          <dgm:shape xmlns:r="http://schemas.openxmlformats.org/officeDocument/2006/relationships" r:blip="">
+            <dgm:adjLst/>
+          </dgm:shape>
+          <dgm:presOf/>
+          <dgm:constrLst/>
+          <dgm:ruleLst/>
+        </dgm:layoutNode>
+      </dgm:forEach>
+    </dgm:forEach>
+  </dgm:layoutNode>
+</dgm:layoutDef>
+</file>
+
+<file path=ppt/diagrams/layout2.xml><?xml version="1.0" encoding="utf-8"?>
 <dgm:layoutDef xmlns:dgm="http://schemas.openxmlformats.org/drawingml/2006/diagram" xmlns:a="http://schemas.openxmlformats.org/drawingml/2006/main" uniqueId="urn:microsoft.com/office/officeart/2005/8/layout/vList2">
   <dgm:title val=""/>
   <dgm:desc val=""/>
@@ -2989,6 +5825,1040 @@
 </dgm:styleDef>
 </file>
 
+<file path=ppt/diagrams/quickStyle2.xml><?xml version="1.0" encoding="utf-8"?>
+<dgm:styleDef xmlns:dgm="http://schemas.openxmlformats.org/drawingml/2006/diagram" xmlns:a="http://schemas.openxmlformats.org/drawingml/2006/main" uniqueId="urn:microsoft.com/office/officeart/2005/8/quickstyle/simple1">
+  <dgm:title val=""/>
+  <dgm:desc val=""/>
+  <dgm:catLst>
+    <dgm:cat type="simple" pri="10100"/>
+  </dgm:catLst>
+  <dgm:scene3d>
+    <a:camera prst="orthographicFront"/>
+    <a:lightRig rig="threePt" dir="t"/>
+  </dgm:scene3d>
+  <dgm:styleLbl name="node0">
+    <dgm:scene3d>
+      <a:camera prst="orthographicFront"/>
+      <a:lightRig rig="threePt" dir="t"/>
+    </dgm:scene3d>
+    <dgm:sp3d/>
+    <dgm:txPr/>
+    <dgm:style>
+      <a:lnRef idx="2">
+        <a:scrgbClr r="0" g="0" b="0"/>
+      </a:lnRef>
+      <a:fillRef idx="1">
+        <a:scrgbClr r="0" g="0" b="0"/>
+      </a:fillRef>
+      <a:effectRef idx="0">
+        <a:scrgbClr r="0" g="0" b="0"/>
+      </a:effectRef>
+      <a:fontRef idx="minor">
+        <a:schemeClr val="lt1"/>
+      </a:fontRef>
+    </dgm:style>
+  </dgm:styleLbl>
+  <dgm:styleLbl name="lnNode1">
+    <dgm:scene3d>
+      <a:camera prst="orthographicFront"/>
+      <a:lightRig rig="threePt" dir="t"/>
+    </dgm:scene3d>
+    <dgm:sp3d/>
+    <dgm:txPr/>
+    <dgm:style>
+      <a:lnRef idx="2">
+        <a:scrgbClr r="0" g="0" b="0"/>
+      </a:lnRef>
+      <a:fillRef idx="1">
+        <a:scrgbClr r="0" g="0" b="0"/>
+      </a:fillRef>
+      <a:effectRef idx="0">
+        <a:scrgbClr r="0" g="0" b="0"/>
+      </a:effectRef>
+      <a:fontRef idx="minor">
+        <a:schemeClr val="lt1"/>
+      </a:fontRef>
+    </dgm:style>
+  </dgm:styleLbl>
+  <dgm:styleLbl name="vennNode1">
+    <dgm:scene3d>
+      <a:camera prst="orthographicFront"/>
+      <a:lightRig rig="threePt" dir="t"/>
+    </dgm:scene3d>
+    <dgm:sp3d/>
+    <dgm:txPr/>
+    <dgm:style>
+      <a:lnRef idx="2">
+        <a:scrgbClr r="0" g="0" b="0"/>
+      </a:lnRef>
+      <a:fillRef idx="1">
+        <a:scrgbClr r="0" g="0" b="0"/>
+      </a:fillRef>
+      <a:effectRef idx="0">
+        <a:scrgbClr r="0" g="0" b="0"/>
+      </a:effectRef>
+      <a:fontRef idx="minor">
+        <a:schemeClr val="tx1"/>
+      </a:fontRef>
+    </dgm:style>
+  </dgm:styleLbl>
+  <dgm:styleLbl name="alignNode1">
+    <dgm:scene3d>
+      <a:camera prst="orthographicFront"/>
+      <a:lightRig rig="threePt" dir="t"/>
+    </dgm:scene3d>
+    <dgm:sp3d/>
+    <dgm:txPr/>
+    <dgm:style>
+      <a:lnRef idx="2">
+        <a:scrgbClr r="0" g="0" b="0"/>
+      </a:lnRef>
+      <a:fillRef idx="1">
+        <a:scrgbClr r="0" g="0" b="0"/>
+      </a:fillRef>
+      <a:effectRef idx="0">
+        <a:scrgbClr r="0" g="0" b="0"/>
+      </a:effectRef>
+      <a:fontRef idx="minor">
+        <a:schemeClr val="lt1"/>
+      </a:fontRef>
+    </dgm:style>
+  </dgm:styleLbl>
+  <dgm:styleLbl name="node1">
+    <dgm:scene3d>
+      <a:camera prst="orthographicFront"/>
+      <a:lightRig rig="threePt" dir="t"/>
+    </dgm:scene3d>
+    <dgm:sp3d/>
+    <dgm:txPr/>
+    <dgm:style>
+      <a:lnRef idx="2">
+        <a:scrgbClr r="0" g="0" b="0"/>
+      </a:lnRef>
+      <a:fillRef idx="1">
+        <a:scrgbClr r="0" g="0" b="0"/>
+      </a:fillRef>
+      <a:effectRef idx="0">
+        <a:scrgbClr r="0" g="0" b="0"/>
+      </a:effectRef>
+      <a:fontRef idx="minor">
+        <a:schemeClr val="lt1"/>
+      </a:fontRef>
+    </dgm:style>
+  </dgm:styleLbl>
+  <dgm:styleLbl name="node2">
+    <dgm:scene3d>
+      <a:camera prst="orthographicFront"/>
+      <a:lightRig rig="threePt" dir="t"/>
+    </dgm:scene3d>
+    <dgm:sp3d/>
+    <dgm:txPr/>
+    <dgm:style>
+      <a:lnRef idx="2">
+        <a:scrgbClr r="0" g="0" b="0"/>
+      </a:lnRef>
+      <a:fillRef idx="1">
+        <a:scrgbClr r="0" g="0" b="0"/>
+      </a:fillRef>
+      <a:effectRef idx="0">
+        <a:scrgbClr r="0" g="0" b="0"/>
+      </a:effectRef>
+      <a:fontRef idx="minor">
+        <a:schemeClr val="lt1"/>
+      </a:fontRef>
+    </dgm:style>
+  </dgm:styleLbl>
+  <dgm:styleLbl name="node3">
+    <dgm:scene3d>
+      <a:camera prst="orthographicFront"/>
+      <a:lightRig rig="threePt" dir="t"/>
+    </dgm:scene3d>
+    <dgm:sp3d/>
+    <dgm:txPr/>
+    <dgm:style>
+      <a:lnRef idx="2">
+        <a:scrgbClr r="0" g="0" b="0"/>
+      </a:lnRef>
+      <a:fillRef idx="1">
+        <a:scrgbClr r="0" g="0" b="0"/>
+      </a:fillRef>
+      <a:effectRef idx="0">
+        <a:scrgbClr r="0" g="0" b="0"/>
+      </a:effectRef>
+      <a:fontRef idx="minor">
+        <a:schemeClr val="lt1"/>
+      </a:fontRef>
+    </dgm:style>
+  </dgm:styleLbl>
+  <dgm:styleLbl name="node4">
+    <dgm:scene3d>
+      <a:camera prst="orthographicFront"/>
+      <a:lightRig rig="threePt" dir="t"/>
+    </dgm:scene3d>
+    <dgm:sp3d/>
+    <dgm:txPr/>
+    <dgm:style>
+      <a:lnRef idx="2">
+        <a:scrgbClr r="0" g="0" b="0"/>
+      </a:lnRef>
+      <a:fillRef idx="1">
+        <a:scrgbClr r="0" g="0" b="0"/>
+      </a:fillRef>
+      <a:effectRef idx="0">
+        <a:scrgbClr r="0" g="0" b="0"/>
+      </a:effectRef>
+      <a:fontRef idx="minor">
+        <a:schemeClr val="lt1"/>
+      </a:fontRef>
+    </dgm:style>
+  </dgm:styleLbl>
+  <dgm:styleLbl name="fgImgPlace1">
+    <dgm:scene3d>
+      <a:camera prst="orthographicFront"/>
+      <a:lightRig rig="threePt" dir="t"/>
+    </dgm:scene3d>
+    <dgm:sp3d/>
+    <dgm:txPr/>
+    <dgm:style>
+      <a:lnRef idx="2">
+        <a:scrgbClr r="0" g="0" b="0"/>
+      </a:lnRef>
+      <a:fillRef idx="1">
+        <a:scrgbClr r="0" g="0" b="0"/>
+      </a:fillRef>
+      <a:effectRef idx="0">
+        <a:scrgbClr r="0" g="0" b="0"/>
+      </a:effectRef>
+      <a:fontRef idx="minor"/>
+    </dgm:style>
+  </dgm:styleLbl>
+  <dgm:styleLbl name="alignImgPlace1">
+    <dgm:scene3d>
+      <a:camera prst="orthographicFront"/>
+      <a:lightRig rig="threePt" dir="t"/>
+    </dgm:scene3d>
+    <dgm:sp3d/>
+    <dgm:txPr/>
+    <dgm:style>
+      <a:lnRef idx="2">
+        <a:scrgbClr r="0" g="0" b="0"/>
+      </a:lnRef>
+      <a:fillRef idx="1">
+        <a:scrgbClr r="0" g="0" b="0"/>
+      </a:fillRef>
+      <a:effectRef idx="0">
+        <a:scrgbClr r="0" g="0" b="0"/>
+      </a:effectRef>
+      <a:fontRef idx="minor"/>
+    </dgm:style>
+  </dgm:styleLbl>
+  <dgm:styleLbl name="bgImgPlace1">
+    <dgm:scene3d>
+      <a:camera prst="orthographicFront"/>
+      <a:lightRig rig="threePt" dir="t"/>
+    </dgm:scene3d>
+    <dgm:sp3d/>
+    <dgm:txPr/>
+    <dgm:style>
+      <a:lnRef idx="2">
+        <a:scrgbClr r="0" g="0" b="0"/>
+      </a:lnRef>
+      <a:fillRef idx="1">
+        <a:scrgbClr r="0" g="0" b="0"/>
+      </a:fillRef>
+      <a:effectRef idx="0">
+        <a:scrgbClr r="0" g="0" b="0"/>
+      </a:effectRef>
+      <a:fontRef idx="minor"/>
+    </dgm:style>
+  </dgm:styleLbl>
+  <dgm:styleLbl name="sibTrans2D1">
+    <dgm:scene3d>
+      <a:camera prst="orthographicFront"/>
+      <a:lightRig rig="threePt" dir="t"/>
+    </dgm:scene3d>
+    <dgm:sp3d/>
+    <dgm:txPr/>
+    <dgm:style>
+      <a:lnRef idx="0">
+        <a:scrgbClr r="0" g="0" b="0"/>
+      </a:lnRef>
+      <a:fillRef idx="1">
+        <a:scrgbClr r="0" g="0" b="0"/>
+      </a:fillRef>
+      <a:effectRef idx="0">
+        <a:scrgbClr r="0" g="0" b="0"/>
+      </a:effectRef>
+      <a:fontRef idx="minor">
+        <a:schemeClr val="lt1"/>
+      </a:fontRef>
+    </dgm:style>
+  </dgm:styleLbl>
+  <dgm:styleLbl name="fgSibTrans2D1">
+    <dgm:scene3d>
+      <a:camera prst="orthographicFront"/>
+      <a:lightRig rig="threePt" dir="t"/>
+    </dgm:scene3d>
+    <dgm:sp3d/>
+    <dgm:txPr/>
+    <dgm:style>
+      <a:lnRef idx="0">
+        <a:scrgbClr r="0" g="0" b="0"/>
+      </a:lnRef>
+      <a:fillRef idx="1">
+        <a:scrgbClr r="0" g="0" b="0"/>
+      </a:fillRef>
+      <a:effectRef idx="0">
+        <a:scrgbClr r="0" g="0" b="0"/>
+      </a:effectRef>
+      <a:fontRef idx="minor">
+        <a:schemeClr val="lt1"/>
+      </a:fontRef>
+    </dgm:style>
+  </dgm:styleLbl>
+  <dgm:styleLbl name="bgSibTrans2D1">
+    <dgm:scene3d>
+      <a:camera prst="orthographicFront"/>
+      <a:lightRig rig="threePt" dir="t"/>
+    </dgm:scene3d>
+    <dgm:sp3d/>
+    <dgm:txPr/>
+    <dgm:style>
+      <a:lnRef idx="0">
+        <a:scrgbClr r="0" g="0" b="0"/>
+      </a:lnRef>
+      <a:fillRef idx="1">
+        <a:scrgbClr r="0" g="0" b="0"/>
+      </a:fillRef>
+      <a:effectRef idx="0">
+        <a:scrgbClr r="0" g="0" b="0"/>
+      </a:effectRef>
+      <a:fontRef idx="minor">
+        <a:schemeClr val="lt1"/>
+      </a:fontRef>
+    </dgm:style>
+  </dgm:styleLbl>
+  <dgm:styleLbl name="sibTrans1D1">
+    <dgm:scene3d>
+      <a:camera prst="orthographicFront"/>
+      <a:lightRig rig="threePt" dir="t"/>
+    </dgm:scene3d>
+    <dgm:sp3d/>
+    <dgm:txPr/>
+    <dgm:style>
+      <a:lnRef idx="1">
+        <a:scrgbClr r="0" g="0" b="0"/>
+      </a:lnRef>
+      <a:fillRef idx="0">
+        <a:scrgbClr r="0" g="0" b="0"/>
+      </a:fillRef>
+      <a:effectRef idx="0">
+        <a:scrgbClr r="0" g="0" b="0"/>
+      </a:effectRef>
+      <a:fontRef idx="minor"/>
+    </dgm:style>
+  </dgm:styleLbl>
+  <dgm:styleLbl name="callout">
+    <dgm:scene3d>
+      <a:camera prst="orthographicFront"/>
+      <a:lightRig rig="threePt" dir="t"/>
+    </dgm:scene3d>
+    <dgm:sp3d/>
+    <dgm:txPr/>
+    <dgm:style>
+      <a:lnRef idx="2">
+        <a:scrgbClr r="0" g="0" b="0"/>
+      </a:lnRef>
+      <a:fillRef idx="1">
+        <a:scrgbClr r="0" g="0" b="0"/>
+      </a:fillRef>
+      <a:effectRef idx="0">
+        <a:scrgbClr r="0" g="0" b="0"/>
+      </a:effectRef>
+      <a:fontRef idx="minor"/>
+    </dgm:style>
+  </dgm:styleLbl>
+  <dgm:styleLbl name="asst0">
+    <dgm:scene3d>
+      <a:camera prst="orthographicFront"/>
+      <a:lightRig rig="threePt" dir="t"/>
+    </dgm:scene3d>
+    <dgm:sp3d/>
+    <dgm:txPr/>
+    <dgm:style>
+      <a:lnRef idx="2">
+        <a:scrgbClr r="0" g="0" b="0"/>
+      </a:lnRef>
+      <a:fillRef idx="1">
+        <a:scrgbClr r="0" g="0" b="0"/>
+      </a:fillRef>
+      <a:effectRef idx="0">
+        <a:scrgbClr r="0" g="0" b="0"/>
+      </a:effectRef>
+      <a:fontRef idx="minor">
+        <a:schemeClr val="lt1"/>
+      </a:fontRef>
+    </dgm:style>
+  </dgm:styleLbl>
+  <dgm:styleLbl name="asst1">
+    <dgm:scene3d>
+      <a:camera prst="orthographicFront"/>
+      <a:lightRig rig="threePt" dir="t"/>
+    </dgm:scene3d>
+    <dgm:sp3d/>
+    <dgm:txPr/>
+    <dgm:style>
+      <a:lnRef idx="2">
+        <a:scrgbClr r="0" g="0" b="0"/>
+      </a:lnRef>
+      <a:fillRef idx="1">
+        <a:scrgbClr r="0" g="0" b="0"/>
+      </a:fillRef>
+      <a:effectRef idx="0">
+        <a:scrgbClr r="0" g="0" b="0"/>
+      </a:effectRef>
+      <a:fontRef idx="minor">
+        <a:schemeClr val="lt1"/>
+      </a:fontRef>
+    </dgm:style>
+  </dgm:styleLbl>
+  <dgm:styleLbl name="asst2">
+    <dgm:scene3d>
+      <a:camera prst="orthographicFront"/>
+      <a:lightRig rig="threePt" dir="t"/>
+    </dgm:scene3d>
+    <dgm:sp3d/>
+    <dgm:txPr/>
+    <dgm:style>
+      <a:lnRef idx="2">
+        <a:scrgbClr r="0" g="0" b="0"/>
+      </a:lnRef>
+      <a:fillRef idx="1">
+        <a:scrgbClr r="0" g="0" b="0"/>
+      </a:fillRef>
+      <a:effectRef idx="0">
+        <a:scrgbClr r="0" g="0" b="0"/>
+      </a:effectRef>
+      <a:fontRef idx="minor">
+        <a:schemeClr val="lt1"/>
+      </a:fontRef>
+    </dgm:style>
+  </dgm:styleLbl>
+  <dgm:styleLbl name="asst3">
+    <dgm:scene3d>
+      <a:camera prst="orthographicFront"/>
+      <a:lightRig rig="threePt" dir="t"/>
+    </dgm:scene3d>
+    <dgm:sp3d/>
+    <dgm:txPr/>
+    <dgm:style>
+      <a:lnRef idx="2">
+        <a:scrgbClr r="0" g="0" b="0"/>
+      </a:lnRef>
+      <a:fillRef idx="1">
+        <a:scrgbClr r="0" g="0" b="0"/>
+      </a:fillRef>
+      <a:effectRef idx="0">
+        <a:scrgbClr r="0" g="0" b="0"/>
+      </a:effectRef>
+      <a:fontRef idx="minor">
+        <a:schemeClr val="lt1"/>
+      </a:fontRef>
+    </dgm:style>
+  </dgm:styleLbl>
+  <dgm:styleLbl name="asst4">
+    <dgm:scene3d>
+      <a:camera prst="orthographicFront"/>
+      <a:lightRig rig="threePt" dir="t"/>
+    </dgm:scene3d>
+    <dgm:sp3d/>
+    <dgm:txPr/>
+    <dgm:style>
+      <a:lnRef idx="2">
+        <a:scrgbClr r="0" g="0" b="0"/>
+      </a:lnRef>
+      <a:fillRef idx="1">
+        <a:scrgbClr r="0" g="0" b="0"/>
+      </a:fillRef>
+      <a:effectRef idx="0">
+        <a:scrgbClr r="0" g="0" b="0"/>
+      </a:effectRef>
+      <a:fontRef idx="minor">
+        <a:schemeClr val="lt1"/>
+      </a:fontRef>
+    </dgm:style>
+  </dgm:styleLbl>
+  <dgm:styleLbl name="parChTrans2D1">
+    <dgm:scene3d>
+      <a:camera prst="orthographicFront"/>
+      <a:lightRig rig="threePt" dir="t"/>
+    </dgm:scene3d>
+    <dgm:sp3d/>
+    <dgm:txPr/>
+    <dgm:style>
+      <a:lnRef idx="2">
+        <a:scrgbClr r="0" g="0" b="0"/>
+      </a:lnRef>
+      <a:fillRef idx="1">
+        <a:scrgbClr r="0" g="0" b="0"/>
+      </a:fillRef>
+      <a:effectRef idx="0">
+        <a:scrgbClr r="0" g="0" b="0"/>
+      </a:effectRef>
+      <a:fontRef idx="minor">
+        <a:schemeClr val="lt1"/>
+      </a:fontRef>
+    </dgm:style>
+  </dgm:styleLbl>
+  <dgm:styleLbl name="parChTrans2D2">
+    <dgm:scene3d>
+      <a:camera prst="orthographicFront"/>
+      <a:lightRig rig="threePt" dir="t"/>
+    </dgm:scene3d>
+    <dgm:sp3d/>
+    <dgm:txPr/>
+    <dgm:style>
+      <a:lnRef idx="2">
+        <a:scrgbClr r="0" g="0" b="0"/>
+      </a:lnRef>
+      <a:fillRef idx="1">
+        <a:scrgbClr r="0" g="0" b="0"/>
+      </a:fillRef>
+      <a:effectRef idx="0">
+        <a:scrgbClr r="0" g="0" b="0"/>
+      </a:effectRef>
+      <a:fontRef idx="minor">
+        <a:schemeClr val="lt1"/>
+      </a:fontRef>
+    </dgm:style>
+  </dgm:styleLbl>
+  <dgm:styleLbl name="parChTrans2D3">
+    <dgm:scene3d>
+      <a:camera prst="orthographicFront"/>
+      <a:lightRig rig="threePt" dir="t"/>
+    </dgm:scene3d>
+    <dgm:sp3d/>
+    <dgm:txPr/>
+    <dgm:style>
+      <a:lnRef idx="2">
+        <a:scrgbClr r="0" g="0" b="0"/>
+      </a:lnRef>
+      <a:fillRef idx="1">
+        <a:scrgbClr r="0" g="0" b="0"/>
+      </a:fillRef>
+      <a:effectRef idx="0">
+        <a:scrgbClr r="0" g="0" b="0"/>
+      </a:effectRef>
+      <a:fontRef idx="minor">
+        <a:schemeClr val="lt1"/>
+      </a:fontRef>
+    </dgm:style>
+  </dgm:styleLbl>
+  <dgm:styleLbl name="parChTrans2D4">
+    <dgm:scene3d>
+      <a:camera prst="orthographicFront"/>
+      <a:lightRig rig="threePt" dir="t"/>
+    </dgm:scene3d>
+    <dgm:sp3d/>
+    <dgm:txPr/>
+    <dgm:style>
+      <a:lnRef idx="2">
+        <a:scrgbClr r="0" g="0" b="0"/>
+      </a:lnRef>
+      <a:fillRef idx="1">
+        <a:scrgbClr r="0" g="0" b="0"/>
+      </a:fillRef>
+      <a:effectRef idx="0">
+        <a:scrgbClr r="0" g="0" b="0"/>
+      </a:effectRef>
+      <a:fontRef idx="minor">
+        <a:schemeClr val="lt1"/>
+      </a:fontRef>
+    </dgm:style>
+  </dgm:styleLbl>
+  <dgm:styleLbl name="parChTrans1D1">
+    <dgm:scene3d>
+      <a:camera prst="orthographicFront"/>
+      <a:lightRig rig="threePt" dir="t"/>
+    </dgm:scene3d>
+    <dgm:sp3d/>
+    <dgm:txPr/>
+    <dgm:style>
+      <a:lnRef idx="2">
+        <a:scrgbClr r="0" g="0" b="0"/>
+      </a:lnRef>
+      <a:fillRef idx="0">
+        <a:scrgbClr r="0" g="0" b="0"/>
+      </a:fillRef>
+      <a:effectRef idx="0">
+        <a:scrgbClr r="0" g="0" b="0"/>
+      </a:effectRef>
+      <a:fontRef idx="minor"/>
+    </dgm:style>
+  </dgm:styleLbl>
+  <dgm:styleLbl name="parChTrans1D2">
+    <dgm:scene3d>
+      <a:camera prst="orthographicFront"/>
+      <a:lightRig rig="threePt" dir="t"/>
+    </dgm:scene3d>
+    <dgm:sp3d/>
+    <dgm:txPr/>
+    <dgm:style>
+      <a:lnRef idx="2">
+        <a:scrgbClr r="0" g="0" b="0"/>
+      </a:lnRef>
+      <a:fillRef idx="0">
+        <a:scrgbClr r="0" g="0" b="0"/>
+      </a:fillRef>
+      <a:effectRef idx="0">
+        <a:scrgbClr r="0" g="0" b="0"/>
+      </a:effectRef>
+      <a:fontRef idx="minor"/>
+    </dgm:style>
+  </dgm:styleLbl>
+  <dgm:styleLbl name="parChTrans1D3">
+    <dgm:scene3d>
+      <a:camera prst="orthographicFront"/>
+      <a:lightRig rig="threePt" dir="t"/>
+    </dgm:scene3d>
+    <dgm:sp3d/>
+    <dgm:txPr/>
+    <dgm:style>
+      <a:lnRef idx="2">
+        <a:scrgbClr r="0" g="0" b="0"/>
+      </a:lnRef>
+      <a:fillRef idx="0">
+        <a:scrgbClr r="0" g="0" b="0"/>
+      </a:fillRef>
+      <a:effectRef idx="0">
+        <a:scrgbClr r="0" g="0" b="0"/>
+      </a:effectRef>
+      <a:fontRef idx="minor"/>
+    </dgm:style>
+  </dgm:styleLbl>
+  <dgm:styleLbl name="parChTrans1D4">
+    <dgm:scene3d>
+      <a:camera prst="orthographicFront"/>
+      <a:lightRig rig="threePt" dir="t"/>
+    </dgm:scene3d>
+    <dgm:sp3d/>
+    <dgm:txPr/>
+    <dgm:style>
+      <a:lnRef idx="2">
+        <a:scrgbClr r="0" g="0" b="0"/>
+      </a:lnRef>
+      <a:fillRef idx="0">
+        <a:scrgbClr r="0" g="0" b="0"/>
+      </a:fillRef>
+      <a:effectRef idx="0">
+        <a:scrgbClr r="0" g="0" b="0"/>
+      </a:effectRef>
+      <a:fontRef idx="minor"/>
+    </dgm:style>
+  </dgm:styleLbl>
+  <dgm:styleLbl name="fgAcc1">
+    <dgm:scene3d>
+      <a:camera prst="orthographicFront"/>
+      <a:lightRig rig="threePt" dir="t"/>
+    </dgm:scene3d>
+    <dgm:sp3d/>
+    <dgm:txPr/>
+    <dgm:style>
+      <a:lnRef idx="2">
+        <a:scrgbClr r="0" g="0" b="0"/>
+      </a:lnRef>
+      <a:fillRef idx="1">
+        <a:scrgbClr r="0" g="0" b="0"/>
+      </a:fillRef>
+      <a:effectRef idx="0">
+        <a:scrgbClr r="0" g="0" b="0"/>
+      </a:effectRef>
+      <a:fontRef idx="minor"/>
+    </dgm:style>
+  </dgm:styleLbl>
+  <dgm:styleLbl name="conFgAcc1">
+    <dgm:scene3d>
+      <a:camera prst="orthographicFront"/>
+      <a:lightRig rig="threePt" dir="t"/>
+    </dgm:scene3d>
+    <dgm:sp3d/>
+    <dgm:txPr/>
+    <dgm:style>
+      <a:lnRef idx="2">
+        <a:scrgbClr r="0" g="0" b="0"/>
+      </a:lnRef>
+      <a:fillRef idx="1">
+        <a:scrgbClr r="0" g="0" b="0"/>
+      </a:fillRef>
+      <a:effectRef idx="0">
+        <a:scrgbClr r="0" g="0" b="0"/>
+      </a:effectRef>
+      <a:fontRef idx="minor"/>
+    </dgm:style>
+  </dgm:styleLbl>
+  <dgm:styleLbl name="alignAcc1">
+    <dgm:scene3d>
+      <a:camera prst="orthographicFront"/>
+      <a:lightRig rig="threePt" dir="t"/>
+    </dgm:scene3d>
+    <dgm:sp3d/>
+    <dgm:txPr/>
+    <dgm:style>
+      <a:lnRef idx="2">
+        <a:scrgbClr r="0" g="0" b="0"/>
+      </a:lnRef>
+      <a:fillRef idx="1">
+        <a:scrgbClr r="0" g="0" b="0"/>
+      </a:fillRef>
+      <a:effectRef idx="0">
+        <a:scrgbClr r="0" g="0" b="0"/>
+      </a:effectRef>
+      <a:fontRef idx="minor"/>
+    </dgm:style>
+  </dgm:styleLbl>
+  <dgm:styleLbl name="trAlignAcc1">
+    <dgm:scene3d>
+      <a:camera prst="orthographicFront"/>
+      <a:lightRig rig="threePt" dir="t"/>
+    </dgm:scene3d>
+    <dgm:sp3d/>
+    <dgm:txPr/>
+    <dgm:style>
+      <a:lnRef idx="1">
+        <a:scrgbClr r="0" g="0" b="0"/>
+      </a:lnRef>
+      <a:fillRef idx="1">
+        <a:scrgbClr r="0" g="0" b="0"/>
+      </a:fillRef>
+      <a:effectRef idx="0">
+        <a:scrgbClr r="0" g="0" b="0"/>
+      </a:effectRef>
+      <a:fontRef idx="minor"/>
+    </dgm:style>
+  </dgm:styleLbl>
+  <dgm:styleLbl name="bgAcc1">
+    <dgm:scene3d>
+      <a:camera prst="orthographicFront"/>
+      <a:lightRig rig="threePt" dir="t"/>
+    </dgm:scene3d>
+    <dgm:sp3d/>
+    <dgm:txPr/>
+    <dgm:style>
+      <a:lnRef idx="2">
+        <a:scrgbClr r="0" g="0" b="0"/>
+      </a:lnRef>
+      <a:fillRef idx="1">
+        <a:scrgbClr r="0" g="0" b="0"/>
+      </a:fillRef>
+      <a:effectRef idx="0">
+        <a:scrgbClr r="0" g="0" b="0"/>
+      </a:effectRef>
+      <a:fontRef idx="minor"/>
+    </dgm:style>
+  </dgm:styleLbl>
+  <dgm:styleLbl name="solidFgAcc1">
+    <dgm:scene3d>
+      <a:camera prst="orthographicFront"/>
+      <a:lightRig rig="threePt" dir="t"/>
+    </dgm:scene3d>
+    <dgm:sp3d/>
+    <dgm:txPr/>
+    <dgm:style>
+      <a:lnRef idx="2">
+        <a:scrgbClr r="0" g="0" b="0"/>
+      </a:lnRef>
+      <a:fillRef idx="1">
+        <a:scrgbClr r="0" g="0" b="0"/>
+      </a:fillRef>
+      <a:effectRef idx="0">
+        <a:scrgbClr r="0" g="0" b="0"/>
+      </a:effectRef>
+      <a:fontRef idx="minor"/>
+    </dgm:style>
+  </dgm:styleLbl>
+  <dgm:styleLbl name="solidAlignAcc1">
+    <dgm:scene3d>
+      <a:camera prst="orthographicFront"/>
+      <a:lightRig rig="threePt" dir="t"/>
+    </dgm:scene3d>
+    <dgm:sp3d/>
+    <dgm:txPr/>
+    <dgm:style>
+      <a:lnRef idx="2">
+        <a:scrgbClr r="0" g="0" b="0"/>
+      </a:lnRef>
+      <a:fillRef idx="1">
+        <a:scrgbClr r="0" g="0" b="0"/>
+      </a:fillRef>
+      <a:effectRef idx="0">
+        <a:scrgbClr r="0" g="0" b="0"/>
+      </a:effectRef>
+      <a:fontRef idx="minor"/>
+    </dgm:style>
+  </dgm:styleLbl>
+  <dgm:styleLbl name="solidBgAcc1">
+    <dgm:scene3d>
+      <a:camera prst="orthographicFront"/>
+      <a:lightRig rig="threePt" dir="t"/>
+    </dgm:scene3d>
+    <dgm:sp3d/>
+    <dgm:txPr/>
+    <dgm:style>
+      <a:lnRef idx="2">
+        <a:scrgbClr r="0" g="0" b="0"/>
+      </a:lnRef>
+      <a:fillRef idx="1">
+        <a:scrgbClr r="0" g="0" b="0"/>
+      </a:fillRef>
+      <a:effectRef idx="0">
+        <a:scrgbClr r="0" g="0" b="0"/>
+      </a:effectRef>
+      <a:fontRef idx="minor"/>
+    </dgm:style>
+  </dgm:styleLbl>
+  <dgm:styleLbl name="fgAccFollowNode1">
+    <dgm:scene3d>
+      <a:camera prst="orthographicFront"/>
+      <a:lightRig rig="threePt" dir="t"/>
+    </dgm:scene3d>
+    <dgm:sp3d/>
+    <dgm:txPr/>
+    <dgm:style>
+      <a:lnRef idx="2">
+        <a:scrgbClr r="0" g="0" b="0"/>
+      </a:lnRef>
+      <a:fillRef idx="1">
+        <a:scrgbClr r="0" g="0" b="0"/>
+      </a:fillRef>
+      <a:effectRef idx="0">
+        <a:scrgbClr r="0" g="0" b="0"/>
+      </a:effectRef>
+      <a:fontRef idx="minor"/>
+    </dgm:style>
+  </dgm:styleLbl>
+  <dgm:styleLbl name="alignAccFollowNode1">
+    <dgm:scene3d>
+      <a:camera prst="orthographicFront"/>
+      <a:lightRig rig="threePt" dir="t"/>
+    </dgm:scene3d>
+    <dgm:sp3d/>
+    <dgm:txPr/>
+    <dgm:style>
+      <a:lnRef idx="2">
+        <a:scrgbClr r="0" g="0" b="0"/>
+      </a:lnRef>
+      <a:fillRef idx="1">
+        <a:scrgbClr r="0" g="0" b="0"/>
+      </a:fillRef>
+      <a:effectRef idx="0">
+        <a:scrgbClr r="0" g="0" b="0"/>
+      </a:effectRef>
+      <a:fontRef idx="minor"/>
+    </dgm:style>
+  </dgm:styleLbl>
+  <dgm:styleLbl name="bgAccFollowNode1">
+    <dgm:scene3d>
+      <a:camera prst="orthographicFront"/>
+      <a:lightRig rig="threePt" dir="t"/>
+    </dgm:scene3d>
+    <dgm:sp3d/>
+    <dgm:txPr/>
+    <dgm:style>
+      <a:lnRef idx="2">
+        <a:scrgbClr r="0" g="0" b="0"/>
+      </a:lnRef>
+      <a:fillRef idx="1">
+        <a:scrgbClr r="0" g="0" b="0"/>
+      </a:fillRef>
+      <a:effectRef idx="0">
+        <a:scrgbClr r="0" g="0" b="0"/>
+      </a:effectRef>
+      <a:fontRef idx="minor"/>
+    </dgm:style>
+  </dgm:styleLbl>
+  <dgm:styleLbl name="fgAcc0">
+    <dgm:scene3d>
+      <a:camera prst="orthographicFront"/>
+      <a:lightRig rig="threePt" dir="t"/>
+    </dgm:scene3d>
+    <dgm:sp3d/>
+    <dgm:txPr/>
+    <dgm:style>
+      <a:lnRef idx="2">
+        <a:scrgbClr r="0" g="0" b="0"/>
+      </a:lnRef>
+      <a:fillRef idx="1">
+        <a:scrgbClr r="0" g="0" b="0"/>
+      </a:fillRef>
+      <a:effectRef idx="0">
+        <a:scrgbClr r="0" g="0" b="0"/>
+      </a:effectRef>
+      <a:fontRef idx="minor"/>
+    </dgm:style>
+  </dgm:styleLbl>
+  <dgm:styleLbl name="fgAcc2">
+    <dgm:scene3d>
+      <a:camera prst="orthographicFront"/>
+      <a:lightRig rig="threePt" dir="t"/>
+    </dgm:scene3d>
+    <dgm:sp3d/>
+    <dgm:txPr/>
+    <dgm:style>
+      <a:lnRef idx="2">
+        <a:scrgbClr r="0" g="0" b="0"/>
+      </a:lnRef>
+      <a:fillRef idx="1">
+        <a:scrgbClr r="0" g="0" b="0"/>
+      </a:fillRef>
+      <a:effectRef idx="0">
+        <a:scrgbClr r="0" g="0" b="0"/>
+      </a:effectRef>
+      <a:fontRef idx="minor"/>
+    </dgm:style>
+  </dgm:styleLbl>
+  <dgm:styleLbl name="fgAcc3">
+    <dgm:scene3d>
+      <a:camera prst="orthographicFront"/>
+      <a:lightRig rig="threePt" dir="t"/>
+    </dgm:scene3d>
+    <dgm:sp3d/>
+    <dgm:txPr/>
+    <dgm:style>
+      <a:lnRef idx="2">
+        <a:scrgbClr r="0" g="0" b="0"/>
+      </a:lnRef>
+      <a:fillRef idx="1">
+        <a:scrgbClr r="0" g="0" b="0"/>
+      </a:fillRef>
+      <a:effectRef idx="0">
+        <a:scrgbClr r="0" g="0" b="0"/>
+      </a:effectRef>
+      <a:fontRef idx="minor"/>
+    </dgm:style>
+  </dgm:styleLbl>
+  <dgm:styleLbl name="fgAcc4">
+    <dgm:scene3d>
+      <a:camera prst="orthographicFront"/>
+      <a:lightRig rig="threePt" dir="t"/>
+    </dgm:scene3d>
+    <dgm:sp3d/>
+    <dgm:txPr/>
+    <dgm:style>
+      <a:lnRef idx="2">
+        <a:scrgbClr r="0" g="0" b="0"/>
+      </a:lnRef>
+      <a:fillRef idx="1">
+        <a:scrgbClr r="0" g="0" b="0"/>
+      </a:fillRef>
+      <a:effectRef idx="0">
+        <a:scrgbClr r="0" g="0" b="0"/>
+      </a:effectRef>
+      <a:fontRef idx="minor"/>
+    </dgm:style>
+  </dgm:styleLbl>
+  <dgm:styleLbl name="bgShp">
+    <dgm:scene3d>
+      <a:camera prst="orthographicFront"/>
+      <a:lightRig rig="threePt" dir="t"/>
+    </dgm:scene3d>
+    <dgm:sp3d/>
+    <dgm:txPr/>
+    <dgm:style>
+      <a:lnRef idx="0">
+        <a:scrgbClr r="0" g="0" b="0"/>
+      </a:lnRef>
+      <a:fillRef idx="1">
+        <a:scrgbClr r="0" g="0" b="0"/>
+      </a:fillRef>
+      <a:effectRef idx="0">
+        <a:scrgbClr r="0" g="0" b="0"/>
+      </a:effectRef>
+      <a:fontRef idx="minor"/>
+    </dgm:style>
+  </dgm:styleLbl>
+  <dgm:styleLbl name="dkBgShp">
+    <dgm:scene3d>
+      <a:camera prst="orthographicFront"/>
+      <a:lightRig rig="threePt" dir="t"/>
+    </dgm:scene3d>
+    <dgm:sp3d/>
+    <dgm:txPr/>
+    <dgm:style>
+      <a:lnRef idx="0">
+        <a:scrgbClr r="0" g="0" b="0"/>
+      </a:lnRef>
+      <a:fillRef idx="1">
+        <a:scrgbClr r="0" g="0" b="0"/>
+      </a:fillRef>
+      <a:effectRef idx="0">
+        <a:scrgbClr r="0" g="0" b="0"/>
+      </a:effectRef>
+      <a:fontRef idx="minor"/>
+    </dgm:style>
+  </dgm:styleLbl>
+  <dgm:styleLbl name="trBgShp">
+    <dgm:scene3d>
+      <a:camera prst="orthographicFront"/>
+      <a:lightRig rig="threePt" dir="t"/>
+    </dgm:scene3d>
+    <dgm:sp3d/>
+    <dgm:txPr/>
+    <dgm:style>
+      <a:lnRef idx="0">
+        <a:scrgbClr r="0" g="0" b="0"/>
+      </a:lnRef>
+      <a:fillRef idx="1">
+        <a:scrgbClr r="0" g="0" b="0"/>
+      </a:fillRef>
+      <a:effectRef idx="0">
+        <a:scrgbClr r="0" g="0" b="0"/>
+      </a:effectRef>
+      <a:fontRef idx="minor"/>
+    </dgm:style>
+  </dgm:styleLbl>
+  <dgm:styleLbl name="fgShp">
+    <dgm:scene3d>
+      <a:camera prst="orthographicFront"/>
+      <a:lightRig rig="threePt" dir="t"/>
+    </dgm:scene3d>
+    <dgm:sp3d/>
+    <dgm:txPr/>
+    <dgm:style>
+      <a:lnRef idx="2">
+        <a:scrgbClr r="0" g="0" b="0"/>
+      </a:lnRef>
+      <a:fillRef idx="1">
+        <a:scrgbClr r="0" g="0" b="0"/>
+      </a:fillRef>
+      <a:effectRef idx="0">
+        <a:scrgbClr r="0" g="0" b="0"/>
+      </a:effectRef>
+      <a:fontRef idx="minor"/>
+    </dgm:style>
+  </dgm:styleLbl>
+  <dgm:styleLbl name="revTx">
+    <dgm:scene3d>
+      <a:camera prst="orthographicFront"/>
+      <a:lightRig rig="threePt" dir="t"/>
+    </dgm:scene3d>
+    <dgm:sp3d/>
+    <dgm:txPr/>
+    <dgm:style>
+      <a:lnRef idx="0">
+        <a:scrgbClr r="0" g="0" b="0"/>
+      </a:lnRef>
+      <a:fillRef idx="0">
+        <a:scrgbClr r="0" g="0" b="0"/>
+      </a:fillRef>
+      <a:effectRef idx="0">
+        <a:scrgbClr r="0" g="0" b="0"/>
+      </a:effectRef>
+      <a:fontRef idx="minor"/>
+    </dgm:style>
+  </dgm:styleLbl>
+</dgm:styleDef>
+</file>
+
 <file path=ppt/slideLayouts/slideLayout1.xml><?xml version="1.0" encoding="utf-8"?>
 <p:sldLayout xmlns:a="http://schemas.openxmlformats.org/drawingml/2006/main" xmlns:r="http://schemas.openxmlformats.org/officeDocument/2006/relationships" xmlns:p="http://schemas.openxmlformats.org/presentationml/2006/main" type="title" preserve="1">
   <p:cSld name="標題投影片">
@@ -3136,7 +7006,7 @@
           <a:p>
             <a:fld id="{21EDEEE6-1C3B-441F-BC36-BA9B363DE5FF}" type="datetimeFigureOut">
               <a:rPr lang="zh-TW" altLang="en-US" smtClean="0"/>
-              <a:t>2024/11/16</a:t>
+              <a:t>2024/11/23</a:t>
             </a:fld>
             <a:endParaRPr lang="zh-TW" altLang="en-US"/>
           </a:p>
@@ -3334,7 +7204,7 @@
           <a:p>
             <a:fld id="{21EDEEE6-1C3B-441F-BC36-BA9B363DE5FF}" type="datetimeFigureOut">
               <a:rPr lang="zh-TW" altLang="en-US" smtClean="0"/>
-              <a:t>2024/11/16</a:t>
+              <a:t>2024/11/23</a:t>
             </a:fld>
             <a:endParaRPr lang="zh-TW" altLang="en-US"/>
           </a:p>
@@ -3542,7 +7412,7 @@
           <a:p>
             <a:fld id="{21EDEEE6-1C3B-441F-BC36-BA9B363DE5FF}" type="datetimeFigureOut">
               <a:rPr lang="zh-TW" altLang="en-US" smtClean="0"/>
-              <a:t>2024/11/16</a:t>
+              <a:t>2024/11/23</a:t>
             </a:fld>
             <a:endParaRPr lang="zh-TW" altLang="en-US"/>
           </a:p>
@@ -3740,7 +7610,7 @@
           <a:p>
             <a:fld id="{21EDEEE6-1C3B-441F-BC36-BA9B363DE5FF}" type="datetimeFigureOut">
               <a:rPr lang="zh-TW" altLang="en-US" smtClean="0"/>
-              <a:t>2024/11/16</a:t>
+              <a:t>2024/11/23</a:t>
             </a:fld>
             <a:endParaRPr lang="zh-TW" altLang="en-US"/>
           </a:p>
@@ -4015,7 +7885,7 @@
           <a:p>
             <a:fld id="{21EDEEE6-1C3B-441F-BC36-BA9B363DE5FF}" type="datetimeFigureOut">
               <a:rPr lang="zh-TW" altLang="en-US" smtClean="0"/>
-              <a:t>2024/11/16</a:t>
+              <a:t>2024/11/23</a:t>
             </a:fld>
             <a:endParaRPr lang="zh-TW" altLang="en-US"/>
           </a:p>
@@ -4280,7 +8150,7 @@
           <a:p>
             <a:fld id="{21EDEEE6-1C3B-441F-BC36-BA9B363DE5FF}" type="datetimeFigureOut">
               <a:rPr lang="zh-TW" altLang="en-US" smtClean="0"/>
-              <a:t>2024/11/16</a:t>
+              <a:t>2024/11/23</a:t>
             </a:fld>
             <a:endParaRPr lang="zh-TW" altLang="en-US"/>
           </a:p>
@@ -4692,7 +8562,7 @@
           <a:p>
             <a:fld id="{21EDEEE6-1C3B-441F-BC36-BA9B363DE5FF}" type="datetimeFigureOut">
               <a:rPr lang="zh-TW" altLang="en-US" smtClean="0"/>
-              <a:t>2024/11/16</a:t>
+              <a:t>2024/11/23</a:t>
             </a:fld>
             <a:endParaRPr lang="zh-TW" altLang="en-US"/>
           </a:p>
@@ -4833,7 +8703,7 @@
           <a:p>
             <a:fld id="{21EDEEE6-1C3B-441F-BC36-BA9B363DE5FF}" type="datetimeFigureOut">
               <a:rPr lang="zh-TW" altLang="en-US" smtClean="0"/>
-              <a:t>2024/11/16</a:t>
+              <a:t>2024/11/23</a:t>
             </a:fld>
             <a:endParaRPr lang="zh-TW" altLang="en-US"/>
           </a:p>
@@ -4946,7 +8816,7 @@
           <a:p>
             <a:fld id="{21EDEEE6-1C3B-441F-BC36-BA9B363DE5FF}" type="datetimeFigureOut">
               <a:rPr lang="zh-TW" altLang="en-US" smtClean="0"/>
-              <a:t>2024/11/16</a:t>
+              <a:t>2024/11/23</a:t>
             </a:fld>
             <a:endParaRPr lang="zh-TW" altLang="en-US"/>
           </a:p>
@@ -5257,7 +9127,7 @@
           <a:p>
             <a:fld id="{21EDEEE6-1C3B-441F-BC36-BA9B363DE5FF}" type="datetimeFigureOut">
               <a:rPr lang="zh-TW" altLang="en-US" smtClean="0"/>
-              <a:t>2024/11/16</a:t>
+              <a:t>2024/11/23</a:t>
             </a:fld>
             <a:endParaRPr lang="zh-TW" altLang="en-US"/>
           </a:p>
@@ -5545,7 +9415,7 @@
           <a:p>
             <a:fld id="{21EDEEE6-1C3B-441F-BC36-BA9B363DE5FF}" type="datetimeFigureOut">
               <a:rPr lang="zh-TW" altLang="en-US" smtClean="0"/>
-              <a:t>2024/11/16</a:t>
+              <a:t>2024/11/23</a:t>
             </a:fld>
             <a:endParaRPr lang="zh-TW" altLang="en-US"/>
           </a:p>
@@ -5622,9 +9492,14 @@
 <p:sldMaster xmlns:a="http://schemas.openxmlformats.org/drawingml/2006/main" xmlns:r="http://schemas.openxmlformats.org/officeDocument/2006/relationships" xmlns:p="http://schemas.openxmlformats.org/presentationml/2006/main">
   <p:cSld>
     <p:bg>
-      <p:bgRef idx="1001">
-        <a:schemeClr val="bg1"/>
-      </p:bgRef>
+      <p:bgPr>
+        <a:solidFill>
+          <a:schemeClr val="bg1">
+            <a:alpha val="0"/>
+          </a:schemeClr>
+        </a:solidFill>
+        <a:effectLst/>
+      </p:bgPr>
     </p:bg>
     <p:spTree>
       <p:nvGrpSpPr>
@@ -5786,7 +9661,7 @@
           <a:p>
             <a:fld id="{21EDEEE6-1C3B-441F-BC36-BA9B363DE5FF}" type="datetimeFigureOut">
               <a:rPr lang="zh-TW" altLang="en-US" smtClean="0"/>
-              <a:t>2024/11/16</a:t>
+              <a:t>2024/11/23</a:t>
             </a:fld>
             <a:endParaRPr lang="zh-TW" altLang="en-US"/>
           </a:p>
@@ -6189,14 +10064,6 @@
 <file path=ppt/slides/slide1.xml><?xml version="1.0" encoding="utf-8"?>
 <p:sld xmlns:a="http://schemas.openxmlformats.org/drawingml/2006/main" xmlns:r="http://schemas.openxmlformats.org/officeDocument/2006/relationships" xmlns:p="http://schemas.openxmlformats.org/presentationml/2006/main">
   <p:cSld>
-    <p:bg>
-      <p:bgPr>
-        <a:solidFill>
-          <a:schemeClr val="bg1"/>
-        </a:solidFill>
-        <a:effectLst/>
-      </p:bgPr>
-    </p:bg>
     <p:spTree>
       <p:nvGrpSpPr>
         <p:cNvPr id="1" name=""/>
@@ -15662,6 +19529,662 @@
           <p:cNvPr id="2" name="標題 1">
             <a:extLst>
               <a:ext uri="{FF2B5EF4-FFF2-40B4-BE49-F238E27FC236}">
+                <a16:creationId xmlns:a16="http://schemas.microsoft.com/office/drawing/2014/main" id="{26847EDE-E633-4DA4-004A-9ACE794B0F79}"/>
+              </a:ext>
+            </a:extLst>
+          </p:cNvPr>
+          <p:cNvSpPr>
+            <a:spLocks noGrp="1"/>
+          </p:cNvSpPr>
+          <p:nvPr>
+            <p:ph type="title"/>
+          </p:nvPr>
+        </p:nvSpPr>
+        <p:spPr/>
+        <p:txBody>
+          <a:bodyPr/>
+          <a:lstStyle/>
+          <a:p>
+            <a:r>
+              <a:rPr lang="en-US" altLang="zh-TW" dirty="0">
+                <a:latin typeface="微軟正黑體" panose="020B0604030504040204" pitchFamily="34" charset="-120"/>
+                <a:ea typeface="微軟正黑體" panose="020B0604030504040204" pitchFamily="34" charset="-120"/>
+              </a:rPr>
+              <a:t>CoAP </a:t>
+            </a:r>
+            <a:r>
+              <a:rPr lang="zh-TW" altLang="en-US" dirty="0">
+                <a:latin typeface="微軟正黑體" panose="020B0604030504040204" pitchFamily="34" charset="-120"/>
+                <a:ea typeface="微軟正黑體" panose="020B0604030504040204" pitchFamily="34" charset="-120"/>
+              </a:rPr>
+              <a:t>的</a:t>
+            </a:r>
+            <a:r>
+              <a:rPr lang="en-US" altLang="zh-TW" dirty="0">
+                <a:latin typeface="微軟正黑體" panose="020B0604030504040204" pitchFamily="34" charset="-120"/>
+                <a:ea typeface="微軟正黑體" panose="020B0604030504040204" pitchFamily="34" charset="-120"/>
+              </a:rPr>
+              <a:t> Options </a:t>
+            </a:r>
+            <a:r>
+              <a:rPr lang="zh-TW" altLang="en-US" dirty="0">
+                <a:latin typeface="微軟正黑體" panose="020B0604030504040204" pitchFamily="34" charset="-120"/>
+                <a:ea typeface="微軟正黑體" panose="020B0604030504040204" pitchFamily="34" charset="-120"/>
+              </a:rPr>
+              <a:t>字段</a:t>
+            </a:r>
+          </a:p>
+        </p:txBody>
+      </p:sp>
+      <p:sp>
+        <p:nvSpPr>
+          <p:cNvPr id="4" name="矩形: 圓角 3">
+            <a:extLst>
+              <a:ext uri="{FF2B5EF4-FFF2-40B4-BE49-F238E27FC236}">
+                <a16:creationId xmlns:a16="http://schemas.microsoft.com/office/drawing/2014/main" id="{AEC28052-1105-BD35-F35F-369BF33CDC7C}"/>
+              </a:ext>
+            </a:extLst>
+          </p:cNvPr>
+          <p:cNvSpPr/>
+          <p:nvPr/>
+        </p:nvSpPr>
+        <p:spPr>
+          <a:xfrm>
+            <a:off x="516194" y="1998406"/>
+            <a:ext cx="6359014" cy="4001729"/>
+          </a:xfrm>
+          <a:prstGeom prst="roundRect">
+            <a:avLst/>
+          </a:prstGeom>
+        </p:spPr>
+        <p:style>
+          <a:lnRef idx="2">
+            <a:schemeClr val="accent1">
+              <a:shade val="15000"/>
+            </a:schemeClr>
+          </a:lnRef>
+          <a:fillRef idx="1">
+            <a:schemeClr val="accent1"/>
+          </a:fillRef>
+          <a:effectRef idx="0">
+            <a:schemeClr val="accent1"/>
+          </a:effectRef>
+          <a:fontRef idx="minor">
+            <a:schemeClr val="lt1"/>
+          </a:fontRef>
+        </p:style>
+        <p:txBody>
+          <a:bodyPr rtlCol="0" anchor="ctr"/>
+          <a:lstStyle/>
+          <a:p>
+            <a:r>
+              <a:rPr lang="en-US" altLang="zh-TW" dirty="0">
+                <a:latin typeface="Consolas" panose="020B0609020204030204" pitchFamily="49" charset="0"/>
+              </a:rPr>
+              <a:t> 0   1   2   3   4   5   6   7</a:t>
+            </a:r>
+          </a:p>
+          <a:p>
+            <a:r>
+              <a:rPr lang="en-US" altLang="zh-TW" dirty="0">
+                <a:latin typeface="Consolas" panose="020B0609020204030204" pitchFamily="49" charset="0"/>
+              </a:rPr>
+              <a:t>+---------------+---------------+</a:t>
+            </a:r>
+          </a:p>
+          <a:p>
+            <a:r>
+              <a:rPr lang="en-US" altLang="zh-TW" dirty="0">
+                <a:latin typeface="Consolas" panose="020B0609020204030204" pitchFamily="49" charset="0"/>
+              </a:rPr>
+              <a:t>|  Option Delta | Option Length |   1 byte</a:t>
+            </a:r>
+          </a:p>
+          <a:p>
+            <a:r>
+              <a:rPr lang="en-US" altLang="zh-TW" dirty="0">
+                <a:latin typeface="Consolas" panose="020B0609020204030204" pitchFamily="49" charset="0"/>
+              </a:rPr>
+              <a:t>+---------------+---------------+</a:t>
+            </a:r>
+          </a:p>
+          <a:p>
+            <a:r>
+              <a:rPr lang="en-US" altLang="zh-TW" dirty="0">
+                <a:latin typeface="Consolas" panose="020B0609020204030204" pitchFamily="49" charset="0"/>
+              </a:rPr>
+              <a:t>|         Option Delta          |   0-2 bytes</a:t>
+            </a:r>
+          </a:p>
+          <a:p>
+            <a:r>
+              <a:rPr lang="en-US" altLang="zh-TW" dirty="0">
+                <a:latin typeface="Consolas" panose="020B0609020204030204" pitchFamily="49" charset="0"/>
+              </a:rPr>
+              <a:t>|          (extended)           |</a:t>
+            </a:r>
+          </a:p>
+          <a:p>
+            <a:r>
+              <a:rPr lang="en-US" altLang="zh-TW" dirty="0">
+                <a:latin typeface="Consolas" panose="020B0609020204030204" pitchFamily="49" charset="0"/>
+              </a:rPr>
+              <a:t>+-------------------------------+</a:t>
+            </a:r>
+          </a:p>
+          <a:p>
+            <a:r>
+              <a:rPr lang="en-US" altLang="zh-TW" dirty="0">
+                <a:latin typeface="Consolas" panose="020B0609020204030204" pitchFamily="49" charset="0"/>
+              </a:rPr>
+              <a:t>|         Option Length         |   0-2 bytes</a:t>
+            </a:r>
+          </a:p>
+          <a:p>
+            <a:r>
+              <a:rPr lang="en-US" altLang="zh-TW" dirty="0">
+                <a:latin typeface="Consolas" panose="020B0609020204030204" pitchFamily="49" charset="0"/>
+              </a:rPr>
+              <a:t>|          (extended)           |</a:t>
+            </a:r>
+          </a:p>
+          <a:p>
+            <a:r>
+              <a:rPr lang="en-US" altLang="zh-TW" dirty="0">
+                <a:latin typeface="Consolas" panose="020B0609020204030204" pitchFamily="49" charset="0"/>
+              </a:rPr>
+              <a:t>+-------------------------------+</a:t>
+            </a:r>
+          </a:p>
+          <a:p>
+            <a:r>
+              <a:rPr lang="en-US" altLang="zh-TW" dirty="0">
+                <a:latin typeface="Consolas" panose="020B0609020204030204" pitchFamily="49" charset="0"/>
+              </a:rPr>
+              <a:t>|         Option Value          |   more bytes</a:t>
+            </a:r>
+          </a:p>
+          <a:p>
+            <a:r>
+              <a:rPr lang="en-US" altLang="zh-TW" dirty="0">
+                <a:latin typeface="Consolas" panose="020B0609020204030204" pitchFamily="49" charset="0"/>
+              </a:rPr>
+              <a:t>+-------------------------------+</a:t>
+            </a:r>
+            <a:endParaRPr lang="zh-TW" altLang="en-US" dirty="0">
+              <a:latin typeface="Consolas" panose="020B0609020204030204" pitchFamily="49" charset="0"/>
+            </a:endParaRPr>
+          </a:p>
+        </p:txBody>
+      </p:sp>
+      <p:sp>
+        <p:nvSpPr>
+          <p:cNvPr id="5" name="矩形: 圓角 4">
+            <a:extLst>
+              <a:ext uri="{FF2B5EF4-FFF2-40B4-BE49-F238E27FC236}">
+                <a16:creationId xmlns:a16="http://schemas.microsoft.com/office/drawing/2014/main" id="{C280CE8E-EA01-AF13-1D6D-06924E168942}"/>
+              </a:ext>
+            </a:extLst>
+          </p:cNvPr>
+          <p:cNvSpPr/>
+          <p:nvPr/>
+        </p:nvSpPr>
+        <p:spPr>
+          <a:xfrm>
+            <a:off x="7438103" y="503903"/>
+            <a:ext cx="4237703" cy="5496232"/>
+          </a:xfrm>
+          <a:prstGeom prst="roundRect">
+            <a:avLst/>
+          </a:prstGeom>
+        </p:spPr>
+        <p:style>
+          <a:lnRef idx="2">
+            <a:schemeClr val="accent1">
+              <a:shade val="15000"/>
+            </a:schemeClr>
+          </a:lnRef>
+          <a:fillRef idx="1">
+            <a:schemeClr val="accent1"/>
+          </a:fillRef>
+          <a:effectRef idx="0">
+            <a:schemeClr val="accent1"/>
+          </a:effectRef>
+          <a:fontRef idx="minor">
+            <a:schemeClr val="lt1"/>
+          </a:fontRef>
+        </p:style>
+        <p:txBody>
+          <a:bodyPr rtlCol="0" anchor="ctr"/>
+          <a:lstStyle/>
+          <a:p>
+            <a:r>
+              <a:rPr lang="en-US" altLang="zh-TW" dirty="0">
+                <a:latin typeface="Consolas" panose="020B0609020204030204" pitchFamily="49" charset="0"/>
+              </a:rPr>
+              <a:t>+--------+------------------+</a:t>
+            </a:r>
+          </a:p>
+          <a:p>
+            <a:r>
+              <a:rPr lang="en-US" altLang="zh-TW" dirty="0">
+                <a:latin typeface="Consolas" panose="020B0609020204030204" pitchFamily="49" charset="0"/>
+              </a:rPr>
+              <a:t>| Number | Name             |</a:t>
+            </a:r>
+          </a:p>
+          <a:p>
+            <a:r>
+              <a:rPr lang="en-US" altLang="zh-TW" dirty="0">
+                <a:latin typeface="Consolas" panose="020B0609020204030204" pitchFamily="49" charset="0"/>
+              </a:rPr>
+              <a:t>+--------+------------------+</a:t>
+            </a:r>
+          </a:p>
+          <a:p>
+            <a:r>
+              <a:rPr lang="en-US" altLang="zh-TW" dirty="0">
+                <a:latin typeface="Consolas" panose="020B0609020204030204" pitchFamily="49" charset="0"/>
+              </a:rPr>
+              <a:t>|      1 | If-Match         |</a:t>
+            </a:r>
+          </a:p>
+          <a:p>
+            <a:r>
+              <a:rPr lang="en-US" altLang="zh-TW" dirty="0">
+                <a:latin typeface="Consolas" panose="020B0609020204030204" pitchFamily="49" charset="0"/>
+              </a:rPr>
+              <a:t>|      3 | Uri-Host         |</a:t>
+            </a:r>
+          </a:p>
+          <a:p>
+            <a:r>
+              <a:rPr lang="en-US" altLang="zh-TW" dirty="0">
+                <a:latin typeface="Consolas" panose="020B0609020204030204" pitchFamily="49" charset="0"/>
+              </a:rPr>
+              <a:t>|      4 | ETag             |</a:t>
+            </a:r>
+          </a:p>
+          <a:p>
+            <a:r>
+              <a:rPr lang="en-US" altLang="zh-TW" dirty="0">
+                <a:latin typeface="Consolas" panose="020B0609020204030204" pitchFamily="49" charset="0"/>
+              </a:rPr>
+              <a:t>|      5 | If-None-Match    |</a:t>
+            </a:r>
+          </a:p>
+          <a:p>
+            <a:r>
+              <a:rPr lang="en-US" altLang="zh-TW" dirty="0">
+                <a:latin typeface="Consolas" panose="020B0609020204030204" pitchFamily="49" charset="0"/>
+              </a:rPr>
+              <a:t>|      7 | Uri-Port         |</a:t>
+            </a:r>
+          </a:p>
+          <a:p>
+            <a:r>
+              <a:rPr lang="en-US" altLang="zh-TW" dirty="0">
+                <a:latin typeface="Consolas" panose="020B0609020204030204" pitchFamily="49" charset="0"/>
+              </a:rPr>
+              <a:t>|      8 | Location-Path    |</a:t>
+            </a:r>
+          </a:p>
+          <a:p>
+            <a:r>
+              <a:rPr lang="en-US" altLang="zh-TW" dirty="0">
+                <a:latin typeface="Consolas" panose="020B0609020204030204" pitchFamily="49" charset="0"/>
+              </a:rPr>
+              <a:t>|     11 | Uri-Path         |</a:t>
+            </a:r>
+          </a:p>
+          <a:p>
+            <a:r>
+              <a:rPr lang="en-US" altLang="zh-TW" dirty="0">
+                <a:latin typeface="Consolas" panose="020B0609020204030204" pitchFamily="49" charset="0"/>
+              </a:rPr>
+              <a:t>|     12 | Content-Format   |</a:t>
+            </a:r>
+          </a:p>
+          <a:p>
+            <a:r>
+              <a:rPr lang="en-US" altLang="zh-TW" dirty="0">
+                <a:latin typeface="Consolas" panose="020B0609020204030204" pitchFamily="49" charset="0"/>
+              </a:rPr>
+              <a:t>|     14 | Max-Age          |</a:t>
+            </a:r>
+          </a:p>
+          <a:p>
+            <a:r>
+              <a:rPr lang="en-US" altLang="zh-TW" dirty="0">
+                <a:latin typeface="Consolas" panose="020B0609020204030204" pitchFamily="49" charset="0"/>
+              </a:rPr>
+              <a:t>|     15 | Uri-Query        |</a:t>
+            </a:r>
+          </a:p>
+          <a:p>
+            <a:r>
+              <a:rPr lang="en-US" altLang="zh-TW" dirty="0">
+                <a:latin typeface="Consolas" panose="020B0609020204030204" pitchFamily="49" charset="0"/>
+              </a:rPr>
+              <a:t>|     17 | Accept           |</a:t>
+            </a:r>
+          </a:p>
+          <a:p>
+            <a:r>
+              <a:rPr lang="en-US" altLang="zh-TW" dirty="0">
+                <a:latin typeface="Consolas" panose="020B0609020204030204" pitchFamily="49" charset="0"/>
+              </a:rPr>
+              <a:t>|     20 | Location-Query   |</a:t>
+            </a:r>
+          </a:p>
+          <a:p>
+            <a:r>
+              <a:rPr lang="en-US" altLang="zh-TW" dirty="0">
+                <a:latin typeface="Consolas" panose="020B0609020204030204" pitchFamily="49" charset="0"/>
+              </a:rPr>
+              <a:t>|     35 | Proxy-Uri        |</a:t>
+            </a:r>
+          </a:p>
+          <a:p>
+            <a:r>
+              <a:rPr lang="en-US" altLang="zh-TW" dirty="0">
+                <a:latin typeface="Consolas" panose="020B0609020204030204" pitchFamily="49" charset="0"/>
+              </a:rPr>
+              <a:t>|     39 | Proxy-Scheme     |</a:t>
+            </a:r>
+          </a:p>
+          <a:p>
+            <a:r>
+              <a:rPr lang="en-US" altLang="zh-TW" dirty="0">
+                <a:latin typeface="Consolas" panose="020B0609020204030204" pitchFamily="49" charset="0"/>
+              </a:rPr>
+              <a:t>|     60 | Size1            |</a:t>
+            </a:r>
+          </a:p>
+          <a:p>
+            <a:r>
+              <a:rPr lang="en-US" altLang="zh-TW" dirty="0">
+                <a:latin typeface="Consolas" panose="020B0609020204030204" pitchFamily="49" charset="0"/>
+              </a:rPr>
+              <a:t>+--------+------------------+</a:t>
+            </a:r>
+            <a:endParaRPr lang="zh-TW" altLang="en-US" dirty="0">
+              <a:latin typeface="Consolas" panose="020B0609020204030204" pitchFamily="49" charset="0"/>
+            </a:endParaRPr>
+          </a:p>
+        </p:txBody>
+      </p:sp>
+    </p:spTree>
+    <p:extLst>
+      <p:ext uri="{BB962C8B-B14F-4D97-AF65-F5344CB8AC3E}">
+        <p14:creationId xmlns:p14="http://schemas.microsoft.com/office/powerpoint/2010/main" val="295046607"/>
+      </p:ext>
+    </p:extLst>
+  </p:cSld>
+  <p:clrMapOvr>
+    <a:masterClrMapping/>
+  </p:clrMapOvr>
+</p:sld>
+</file>
+
+<file path=ppt/slides/slide11.xml><?xml version="1.0" encoding="utf-8"?>
+<p:sld xmlns:a="http://schemas.openxmlformats.org/drawingml/2006/main" xmlns:r="http://schemas.openxmlformats.org/officeDocument/2006/relationships" xmlns:p="http://schemas.openxmlformats.org/presentationml/2006/main">
+  <p:cSld>
+    <p:spTree>
+      <p:nvGrpSpPr>
+        <p:cNvPr id="1" name=""/>
+        <p:cNvGrpSpPr/>
+        <p:nvPr/>
+      </p:nvGrpSpPr>
+      <p:grpSpPr>
+        <a:xfrm>
+          <a:off x="0" y="0"/>
+          <a:ext cx="0" cy="0"/>
+          <a:chOff x="0" y="0"/>
+          <a:chExt cx="0" cy="0"/>
+        </a:xfrm>
+      </p:grpSpPr>
+      <p:sp>
+        <p:nvSpPr>
+          <p:cNvPr id="2" name="標題 1">
+            <a:extLst>
+              <a:ext uri="{FF2B5EF4-FFF2-40B4-BE49-F238E27FC236}">
+                <a16:creationId xmlns:a16="http://schemas.microsoft.com/office/drawing/2014/main" id="{6CA3554E-BDD3-2AAD-14AC-29762A88A83B}"/>
+              </a:ext>
+            </a:extLst>
+          </p:cNvPr>
+          <p:cNvSpPr>
+            <a:spLocks noGrp="1"/>
+          </p:cNvSpPr>
+          <p:nvPr>
+            <p:ph type="title"/>
+          </p:nvPr>
+        </p:nvSpPr>
+        <p:spPr/>
+        <p:txBody>
+          <a:bodyPr/>
+          <a:lstStyle/>
+          <a:p>
+            <a:r>
+              <a:rPr lang="en-US" altLang="zh-TW" dirty="0">
+                <a:latin typeface="微軟正黑體" panose="020B0604030504040204" pitchFamily="34" charset="-120"/>
+                <a:ea typeface="微軟正黑體" panose="020B0604030504040204" pitchFamily="34" charset="-120"/>
+              </a:rPr>
+              <a:t>Content-Format</a:t>
+            </a:r>
+            <a:r>
+              <a:rPr lang="zh-TW" altLang="en-US" dirty="0">
+                <a:latin typeface="微軟正黑體" panose="020B0604030504040204" pitchFamily="34" charset="-120"/>
+                <a:ea typeface="微軟正黑體" panose="020B0604030504040204" pitchFamily="34" charset="-120"/>
+              </a:rPr>
+              <a:t> 選項</a:t>
+            </a:r>
+          </a:p>
+        </p:txBody>
+      </p:sp>
+      <p:sp>
+        <p:nvSpPr>
+          <p:cNvPr id="4" name="矩形: 圓角 3">
+            <a:extLst>
+              <a:ext uri="{FF2B5EF4-FFF2-40B4-BE49-F238E27FC236}">
+                <a16:creationId xmlns:a16="http://schemas.microsoft.com/office/drawing/2014/main" id="{8DE5E9CD-43ED-9E7D-C4D4-15447AA4C9A6}"/>
+              </a:ext>
+            </a:extLst>
+          </p:cNvPr>
+          <p:cNvSpPr/>
+          <p:nvPr/>
+        </p:nvSpPr>
+        <p:spPr>
+          <a:xfrm>
+            <a:off x="1342103" y="2251127"/>
+            <a:ext cx="9507793" cy="3476624"/>
+          </a:xfrm>
+          <a:prstGeom prst="roundRect">
+            <a:avLst/>
+          </a:prstGeom>
+        </p:spPr>
+        <p:style>
+          <a:lnRef idx="2">
+            <a:schemeClr val="accent1">
+              <a:shade val="15000"/>
+            </a:schemeClr>
+          </a:lnRef>
+          <a:fillRef idx="1">
+            <a:schemeClr val="accent1"/>
+          </a:fillRef>
+          <a:effectRef idx="0">
+            <a:schemeClr val="accent1"/>
+          </a:effectRef>
+          <a:fontRef idx="minor">
+            <a:schemeClr val="lt1"/>
+          </a:fontRef>
+        </p:style>
+        <p:txBody>
+          <a:bodyPr rtlCol="0" anchor="ctr"/>
+          <a:lstStyle/>
+          <a:p>
+            <a:pPr algn="ctr"/>
+            <a:r>
+              <a:rPr lang="en-US" altLang="zh-TW" dirty="0">
+                <a:latin typeface="Consolas" panose="020B0609020204030204" pitchFamily="49" charset="0"/>
+              </a:rPr>
+              <a:t>+--------------------------+----------+----+------------------------+</a:t>
+            </a:r>
+          </a:p>
+          <a:p>
+            <a:pPr algn="ctr"/>
+            <a:r>
+              <a:rPr lang="en-US" altLang="zh-TW" dirty="0">
+                <a:latin typeface="Consolas" panose="020B0609020204030204" pitchFamily="49" charset="0"/>
+              </a:rPr>
+              <a:t>| Media type               | Encoding | ID | Reference              |</a:t>
+            </a:r>
+          </a:p>
+          <a:p>
+            <a:pPr algn="ctr"/>
+            <a:r>
+              <a:rPr lang="en-US" altLang="zh-TW" dirty="0">
+                <a:latin typeface="Consolas" panose="020B0609020204030204" pitchFamily="49" charset="0"/>
+              </a:rPr>
+              <a:t>+--------------------------+----------+----+------------------------+</a:t>
+            </a:r>
+          </a:p>
+          <a:p>
+            <a:pPr algn="ctr"/>
+            <a:r>
+              <a:rPr lang="en-US" altLang="zh-TW" dirty="0">
+                <a:latin typeface="Consolas" panose="020B0609020204030204" pitchFamily="49" charset="0"/>
+              </a:rPr>
+              <a:t>| text/plain;              | -        |  0 | [RFC2046] [RFC3676]    |</a:t>
+            </a:r>
+          </a:p>
+          <a:p>
+            <a:pPr algn="ctr"/>
+            <a:r>
+              <a:rPr lang="en-US" altLang="zh-TW" dirty="0">
+                <a:latin typeface="Consolas" panose="020B0609020204030204" pitchFamily="49" charset="0"/>
+              </a:rPr>
+              <a:t>| charset=utf-8            |          |    | [RFC5147]              |</a:t>
+            </a:r>
+          </a:p>
+          <a:p>
+            <a:pPr algn="ctr"/>
+            <a:r>
+              <a:rPr lang="en-US" altLang="zh-TW" dirty="0">
+                <a:latin typeface="Consolas" panose="020B0609020204030204" pitchFamily="49" charset="0"/>
+              </a:rPr>
+              <a:t>| application/link-format  | -        | 40 | [RFC6690]              |</a:t>
+            </a:r>
+          </a:p>
+          <a:p>
+            <a:pPr algn="ctr"/>
+            <a:r>
+              <a:rPr lang="en-US" altLang="zh-TW" dirty="0">
+                <a:latin typeface="Consolas" panose="020B0609020204030204" pitchFamily="49" charset="0"/>
+              </a:rPr>
+              <a:t>| application/xml          | -        | 41 | [RFC3023]              |</a:t>
+            </a:r>
+          </a:p>
+          <a:p>
+            <a:pPr algn="ctr"/>
+            <a:r>
+              <a:rPr lang="en-US" altLang="zh-TW" dirty="0">
+                <a:latin typeface="Consolas" panose="020B0609020204030204" pitchFamily="49" charset="0"/>
+              </a:rPr>
+              <a:t>| application/octet-stream | -        | 42 | [RFC2045] [RFC2046]    |</a:t>
+            </a:r>
+          </a:p>
+          <a:p>
+            <a:pPr algn="ctr"/>
+            <a:r>
+              <a:rPr lang="en-US" altLang="zh-TW" dirty="0">
+                <a:latin typeface="Consolas" panose="020B0609020204030204" pitchFamily="49" charset="0"/>
+              </a:rPr>
+              <a:t>| application/</a:t>
+            </a:r>
+            <a:r>
+              <a:rPr lang="en-US" altLang="zh-TW" dirty="0" err="1">
+                <a:latin typeface="Consolas" panose="020B0609020204030204" pitchFamily="49" charset="0"/>
+              </a:rPr>
+              <a:t>exi</a:t>
+            </a:r>
+            <a:r>
+              <a:rPr lang="en-US" altLang="zh-TW" dirty="0">
+                <a:latin typeface="Consolas" panose="020B0609020204030204" pitchFamily="49" charset="0"/>
+              </a:rPr>
+              <a:t>          | -        | 47 | [REC-exi-20140211]     |</a:t>
+            </a:r>
+          </a:p>
+          <a:p>
+            <a:pPr algn="ctr"/>
+            <a:r>
+              <a:rPr lang="en-US" altLang="zh-TW" dirty="0">
+                <a:latin typeface="Consolas" panose="020B0609020204030204" pitchFamily="49" charset="0"/>
+              </a:rPr>
+              <a:t>| application/</a:t>
+            </a:r>
+            <a:r>
+              <a:rPr lang="en-US" altLang="zh-TW" dirty="0" err="1">
+                <a:latin typeface="Consolas" panose="020B0609020204030204" pitchFamily="49" charset="0"/>
+              </a:rPr>
+              <a:t>json</a:t>
+            </a:r>
+            <a:r>
+              <a:rPr lang="en-US" altLang="zh-TW" dirty="0">
+                <a:latin typeface="Consolas" panose="020B0609020204030204" pitchFamily="49" charset="0"/>
+              </a:rPr>
+              <a:t>         | -        | 50 | [RFC7159]              |</a:t>
+            </a:r>
+          </a:p>
+          <a:p>
+            <a:pPr algn="ctr"/>
+            <a:r>
+              <a:rPr lang="en-US" altLang="zh-TW" dirty="0">
+                <a:latin typeface="Consolas" panose="020B0609020204030204" pitchFamily="49" charset="0"/>
+              </a:rPr>
+              <a:t>+--------------------------+----------+----+------------------------+</a:t>
+            </a:r>
+            <a:endParaRPr lang="zh-TW" altLang="en-US" dirty="0">
+              <a:latin typeface="Consolas" panose="020B0609020204030204" pitchFamily="49" charset="0"/>
+            </a:endParaRPr>
+          </a:p>
+        </p:txBody>
+      </p:sp>
+    </p:spTree>
+    <p:extLst>
+      <p:ext uri="{BB962C8B-B14F-4D97-AF65-F5344CB8AC3E}">
+        <p14:creationId xmlns:p14="http://schemas.microsoft.com/office/powerpoint/2010/main" val="3266495256"/>
+      </p:ext>
+    </p:extLst>
+  </p:cSld>
+  <p:clrMapOvr>
+    <a:masterClrMapping/>
+  </p:clrMapOvr>
+</p:sld>
+</file>
+
+<file path=ppt/slides/slide12.xml><?xml version="1.0" encoding="utf-8"?>
+<p:sld xmlns:a="http://schemas.openxmlformats.org/drawingml/2006/main" xmlns:r="http://schemas.openxmlformats.org/officeDocument/2006/relationships" xmlns:p="http://schemas.openxmlformats.org/presentationml/2006/main">
+  <p:cSld>
+    <p:spTree>
+      <p:nvGrpSpPr>
+        <p:cNvPr id="1" name=""/>
+        <p:cNvGrpSpPr/>
+        <p:nvPr/>
+      </p:nvGrpSpPr>
+      <p:grpSpPr>
+        <a:xfrm>
+          <a:off x="0" y="0"/>
+          <a:ext cx="0" cy="0"/>
+          <a:chOff x="0" y="0"/>
+          <a:chExt cx="0" cy="0"/>
+        </a:xfrm>
+      </p:grpSpPr>
+      <p:sp>
+        <p:nvSpPr>
+          <p:cNvPr id="2" name="標題 1">
+            <a:extLst>
+              <a:ext uri="{FF2B5EF4-FFF2-40B4-BE49-F238E27FC236}">
                 <a16:creationId xmlns:a16="http://schemas.microsoft.com/office/drawing/2014/main" id="{15D92BA7-D98D-D67B-9EAB-D993E01D630A}"/>
               </a:ext>
             </a:extLst>
@@ -15747,7 +20270,7 @@
 </p:sld>
 </file>
 
-<file path=ppt/slides/slide11.xml><?xml version="1.0" encoding="utf-8"?>
+<file path=ppt/slides/slide13.xml><?xml version="1.0" encoding="utf-8"?>
 <p:sld xmlns:a="http://schemas.openxmlformats.org/drawingml/2006/main" xmlns:r="http://schemas.openxmlformats.org/officeDocument/2006/relationships" xmlns:p="http://schemas.openxmlformats.org/presentationml/2006/main">
   <p:cSld>
     <p:spTree>
@@ -15853,7 +20376,7 @@
 </p:sld>
 </file>
 
-<file path=ppt/slides/slide12.xml><?xml version="1.0" encoding="utf-8"?>
+<file path=ppt/slides/slide14.xml><?xml version="1.0" encoding="utf-8"?>
 <p:sld xmlns:a="http://schemas.openxmlformats.org/drawingml/2006/main" xmlns:r="http://schemas.openxmlformats.org/officeDocument/2006/relationships" xmlns:p="http://schemas.openxmlformats.org/presentationml/2006/main">
   <p:cSld>
     <p:spTree>
@@ -15959,14 +20482,6 @@
 <file path=ppt/slides/slide2.xml><?xml version="1.0" encoding="utf-8"?>
 <p:sld xmlns:a="http://schemas.openxmlformats.org/drawingml/2006/main" xmlns:r="http://schemas.openxmlformats.org/officeDocument/2006/relationships" xmlns:p="http://schemas.openxmlformats.org/presentationml/2006/main">
   <p:cSld>
-    <p:bg>
-      <p:bgPr>
-        <a:solidFill>
-          <a:schemeClr val="bg1"/>
-        </a:solidFill>
-        <a:effectLst/>
-      </p:bgPr>
-    </p:bg>
     <p:spTree>
       <p:nvGrpSpPr>
         <p:cNvPr id="1" name=""/>
@@ -16584,6 +21099,1482 @@
         <a:effectLst/>
       </p:bgPr>
     </p:bg>
+    <p:spTree>
+      <p:nvGrpSpPr>
+        <p:cNvPr id="1" name=""/>
+        <p:cNvGrpSpPr/>
+        <p:nvPr/>
+      </p:nvGrpSpPr>
+      <p:grpSpPr>
+        <a:xfrm>
+          <a:off x="0" y="0"/>
+          <a:ext cx="0" cy="0"/>
+          <a:chOff x="0" y="0"/>
+          <a:chExt cx="0" cy="0"/>
+        </a:xfrm>
+      </p:grpSpPr>
+      <p:sp>
+        <p:nvSpPr>
+          <p:cNvPr id="9" name="Rectangle 8">
+            <a:extLst>
+              <a:ext uri="{FF2B5EF4-FFF2-40B4-BE49-F238E27FC236}">
+                <a16:creationId xmlns:a16="http://schemas.microsoft.com/office/drawing/2014/main" id="{A7AE9375-4664-4DB2-922D-2782A6E439AC}"/>
+              </a:ext>
+              <a:ext uri="{C183D7F6-B498-43B3-948B-1728B52AA6E4}">
+                <adec:decorative xmlns:adec="http://schemas.microsoft.com/office/drawing/2017/decorative" val="1"/>
+              </a:ext>
+            </a:extLst>
+          </p:cNvPr>
+          <p:cNvSpPr>
+            <a:spLocks noGrp="1" noRot="1" noChangeAspect="1" noMove="1" noResize="1" noEditPoints="1" noAdjustHandles="1" noChangeArrowheads="1" noChangeShapeType="1" noTextEdit="1"/>
+          </p:cNvSpPr>
+          <p:nvPr>
+            <p:extLst>
+              <p:ext uri="{386F3935-93C4-4BCD-93E2-E3B085C9AB24}">
+                <p16:designElem xmlns:p16="http://schemas.microsoft.com/office/powerpoint/2015/main" val="1"/>
+              </p:ext>
+            </p:extLst>
+          </p:nvPr>
+        </p:nvSpPr>
+        <p:spPr>
+          <a:xfrm>
+            <a:off x="0" y="0"/>
+            <a:ext cx="12192000" cy="6858000"/>
+          </a:xfrm>
+          <a:prstGeom prst="rect">
+            <a:avLst/>
+          </a:prstGeom>
+          <a:solidFill>
+            <a:schemeClr val="tx1">
+              <a:lumMod val="95000"/>
+              <a:lumOff val="5000"/>
+            </a:schemeClr>
+          </a:solidFill>
+          <a:ln>
+            <a:noFill/>
+          </a:ln>
+        </p:spPr>
+        <p:style>
+          <a:lnRef idx="2">
+            <a:schemeClr val="accent1">
+              <a:shade val="50000"/>
+            </a:schemeClr>
+          </a:lnRef>
+          <a:fillRef idx="1">
+            <a:schemeClr val="accent1"/>
+          </a:fillRef>
+          <a:effectRef idx="0">
+            <a:schemeClr val="accent1"/>
+          </a:effectRef>
+          <a:fontRef idx="minor">
+            <a:schemeClr val="lt1"/>
+          </a:fontRef>
+        </p:style>
+        <p:txBody>
+          <a:bodyPr rtlCol="0" anchor="ctr"/>
+          <a:lstStyle/>
+          <a:p>
+            <a:pPr algn="ctr"/>
+            <a:endParaRPr lang="en-US" dirty="0">
+              <a:solidFill>
+                <a:schemeClr val="tx1"/>
+              </a:solidFill>
+            </a:endParaRPr>
+          </a:p>
+        </p:txBody>
+      </p:sp>
+      <p:sp>
+        <p:nvSpPr>
+          <p:cNvPr id="2" name="標題 1">
+            <a:extLst>
+              <a:ext uri="{FF2B5EF4-FFF2-40B4-BE49-F238E27FC236}">
+                <a16:creationId xmlns:a16="http://schemas.microsoft.com/office/drawing/2014/main" id="{C102882F-FFDB-AF48-3B95-16E60DB5E3F2}"/>
+              </a:ext>
+            </a:extLst>
+          </p:cNvPr>
+          <p:cNvSpPr>
+            <a:spLocks noGrp="1"/>
+          </p:cNvSpPr>
+          <p:nvPr>
+            <p:ph type="title"/>
+          </p:nvPr>
+        </p:nvSpPr>
+        <p:spPr>
+          <a:xfrm>
+            <a:off x="838199" y="388308"/>
+            <a:ext cx="7188989" cy="1021424"/>
+          </a:xfrm>
+        </p:spPr>
+        <p:txBody>
+          <a:bodyPr anchor="b">
+            <a:normAutofit/>
+          </a:bodyPr>
+          <a:lstStyle/>
+          <a:p>
+            <a:r>
+              <a:rPr lang="zh-TW" altLang="en-US" sz="4000">
+                <a:solidFill>
+                  <a:schemeClr val="bg1"/>
+                </a:solidFill>
+                <a:latin typeface="微軟正黑體" panose="020B0604030504040204" pitchFamily="34" charset="-120"/>
+                <a:ea typeface="微軟正黑體" panose="020B0604030504040204" pitchFamily="34" charset="-120"/>
+              </a:rPr>
+              <a:t>協議特點</a:t>
+            </a:r>
+          </a:p>
+        </p:txBody>
+      </p:sp>
+      <p:cxnSp>
+        <p:nvCxnSpPr>
+          <p:cNvPr id="11" name="Straight Connector 10">
+            <a:extLst>
+              <a:ext uri="{FF2B5EF4-FFF2-40B4-BE49-F238E27FC236}">
+                <a16:creationId xmlns:a16="http://schemas.microsoft.com/office/drawing/2014/main" id="{EE504C98-6397-41C1-A8D8-2D9C4ED307E0}"/>
+              </a:ext>
+              <a:ext uri="{C183D7F6-B498-43B3-948B-1728B52AA6E4}">
+                <adec:decorative xmlns:adec="http://schemas.microsoft.com/office/drawing/2017/decorative" val="1"/>
+              </a:ext>
+            </a:extLst>
+          </p:cNvPr>
+          <p:cNvCxnSpPr>
+            <a:cxnSpLocks noGrp="1" noRot="1" noChangeAspect="1" noMove="1" noResize="1" noEditPoints="1" noAdjustHandles="1" noChangeArrowheads="1" noChangeShapeType="1"/>
+          </p:cNvCxnSpPr>
+          <p:nvPr>
+            <p:extLst>
+              <p:ext uri="{386F3935-93C4-4BCD-93E2-E3B085C9AB24}">
+                <p16:designElem xmlns:p16="http://schemas.microsoft.com/office/powerpoint/2015/main" val="1"/>
+              </p:ext>
+            </p:extLst>
+          </p:nvPr>
+        </p:nvCxnSpPr>
+        <p:spPr>
+          <a:xfrm flipH="1">
+            <a:off x="0" y="1440584"/>
+            <a:ext cx="8027189" cy="0"/>
+          </a:xfrm>
+          <a:prstGeom prst="line">
+            <a:avLst/>
+          </a:prstGeom>
+          <a:ln w="12700">
+            <a:solidFill>
+              <a:schemeClr val="accent2"/>
+            </a:solidFill>
+          </a:ln>
+        </p:spPr>
+        <p:style>
+          <a:lnRef idx="1">
+            <a:schemeClr val="accent1"/>
+          </a:lnRef>
+          <a:fillRef idx="0">
+            <a:schemeClr val="accent1"/>
+          </a:fillRef>
+          <a:effectRef idx="0">
+            <a:schemeClr val="accent1"/>
+          </a:effectRef>
+          <a:fontRef idx="minor">
+            <a:schemeClr val="tx1"/>
+          </a:fontRef>
+        </p:style>
+      </p:cxnSp>
+      <p:cxnSp>
+        <p:nvCxnSpPr>
+          <p:cNvPr id="13" name="Straight Connector 12">
+            <a:extLst>
+              <a:ext uri="{FF2B5EF4-FFF2-40B4-BE49-F238E27FC236}">
+                <a16:creationId xmlns:a16="http://schemas.microsoft.com/office/drawing/2014/main" id="{17C2F6CE-0CF2-4DDD-85F5-96799A328F15}"/>
+              </a:ext>
+              <a:ext uri="{C183D7F6-B498-43B3-948B-1728B52AA6E4}">
+                <adec:decorative xmlns:adec="http://schemas.microsoft.com/office/drawing/2017/decorative" val="1"/>
+              </a:ext>
+            </a:extLst>
+          </p:cNvPr>
+          <p:cNvCxnSpPr>
+            <a:cxnSpLocks noGrp="1" noRot="1" noChangeAspect="1" noMove="1" noResize="1" noEditPoints="1" noAdjustHandles="1" noChangeArrowheads="1" noChangeShapeType="1"/>
+          </p:cNvCxnSpPr>
+          <p:nvPr>
+            <p:extLst>
+              <p:ext uri="{386F3935-93C4-4BCD-93E2-E3B085C9AB24}">
+                <p16:designElem xmlns:p16="http://schemas.microsoft.com/office/powerpoint/2015/main" val="1"/>
+              </p:ext>
+            </p:extLst>
+          </p:nvPr>
+        </p:nvCxnSpPr>
+        <p:spPr>
+          <a:xfrm flipH="1">
+            <a:off x="4164811" y="6267491"/>
+            <a:ext cx="8027189" cy="0"/>
+          </a:xfrm>
+          <a:prstGeom prst="line">
+            <a:avLst/>
+          </a:prstGeom>
+          <a:ln w="12700">
+            <a:solidFill>
+              <a:schemeClr val="accent2"/>
+            </a:solidFill>
+          </a:ln>
+        </p:spPr>
+        <p:style>
+          <a:lnRef idx="1">
+            <a:schemeClr val="accent1"/>
+          </a:lnRef>
+          <a:fillRef idx="0">
+            <a:schemeClr val="accent1"/>
+          </a:fillRef>
+          <a:effectRef idx="0">
+            <a:schemeClr val="accent1"/>
+          </a:effectRef>
+          <a:fontRef idx="minor">
+            <a:schemeClr val="tx1"/>
+          </a:fontRef>
+        </p:style>
+      </p:cxnSp>
+      <p:graphicFrame>
+        <p:nvGraphicFramePr>
+          <p:cNvPr id="5" name="內容版面配置區 2">
+            <a:extLst>
+              <a:ext uri="{FF2B5EF4-FFF2-40B4-BE49-F238E27FC236}">
+                <a16:creationId xmlns:a16="http://schemas.microsoft.com/office/drawing/2014/main" id="{45A4AA01-CAEB-DBC0-F49C-55357DA167ED}"/>
+              </a:ext>
+            </a:extLst>
+          </p:cNvPr>
+          <p:cNvGraphicFramePr>
+            <a:graphicFrameLocks noGrp="1"/>
+          </p:cNvGraphicFramePr>
+          <p:nvPr>
+            <p:ph idx="1"/>
+            <p:extLst>
+              <p:ext uri="{D42A27DB-BD31-4B8C-83A1-F6EECF244321}">
+                <p14:modId xmlns:p14="http://schemas.microsoft.com/office/powerpoint/2010/main" val="2580647523"/>
+              </p:ext>
+            </p:extLst>
+          </p:nvPr>
+        </p:nvGraphicFramePr>
+        <p:xfrm>
+          <a:off x="1392238" y="1715407"/>
+          <a:ext cx="9407525" cy="4241800"/>
+        </p:xfrm>
+        <a:graphic>
+          <a:graphicData uri="http://schemas.openxmlformats.org/drawingml/2006/diagram">
+            <dgm:relIds xmlns:dgm="http://schemas.openxmlformats.org/drawingml/2006/diagram" xmlns:r="http://schemas.openxmlformats.org/officeDocument/2006/relationships" r:dm="rId2" r:lo="rId3" r:qs="rId4" r:cs="rId5"/>
+          </a:graphicData>
+        </a:graphic>
+      </p:graphicFrame>
+    </p:spTree>
+    <p:extLst>
+      <p:ext uri="{BB962C8B-B14F-4D97-AF65-F5344CB8AC3E}">
+        <p14:creationId xmlns:p14="http://schemas.microsoft.com/office/powerpoint/2010/main" val="1430211258"/>
+      </p:ext>
+    </p:extLst>
+  </p:cSld>
+  <p:clrMapOvr>
+    <a:masterClrMapping/>
+  </p:clrMapOvr>
+</p:sld>
+</file>
+
+<file path=ppt/slides/slide4.xml><?xml version="1.0" encoding="utf-8"?>
+<p:sld xmlns:a="http://schemas.openxmlformats.org/drawingml/2006/main" xmlns:r="http://schemas.openxmlformats.org/officeDocument/2006/relationships" xmlns:p="http://schemas.openxmlformats.org/presentationml/2006/main">
+  <p:cSld>
+    <p:spTree>
+      <p:nvGrpSpPr>
+        <p:cNvPr id="1" name=""/>
+        <p:cNvGrpSpPr/>
+        <p:nvPr/>
+      </p:nvGrpSpPr>
+      <p:grpSpPr>
+        <a:xfrm>
+          <a:off x="0" y="0"/>
+          <a:ext cx="0" cy="0"/>
+          <a:chOff x="0" y="0"/>
+          <a:chExt cx="0" cy="0"/>
+        </a:xfrm>
+      </p:grpSpPr>
+      <p:sp useBgFill="1">
+        <p:nvSpPr>
+          <p:cNvPr id="9" name="Rectangle 8">
+            <a:extLst>
+              <a:ext uri="{FF2B5EF4-FFF2-40B4-BE49-F238E27FC236}">
+                <a16:creationId xmlns:a16="http://schemas.microsoft.com/office/drawing/2014/main" id="{171EF538-1722-4A25-88B8-8C4A1C24FFD4}"/>
+              </a:ext>
+              <a:ext uri="{C183D7F6-B498-43B3-948B-1728B52AA6E4}">
+                <adec:decorative xmlns:adec="http://schemas.microsoft.com/office/drawing/2017/decorative" val="1"/>
+              </a:ext>
+            </a:extLst>
+          </p:cNvPr>
+          <p:cNvSpPr>
+            <a:spLocks noGrp="1" noRot="1" noChangeAspect="1" noMove="1" noResize="1" noEditPoints="1" noAdjustHandles="1" noChangeArrowheads="1" noChangeShapeType="1" noTextEdit="1"/>
+          </p:cNvSpPr>
+          <p:nvPr>
+            <p:extLst>
+              <p:ext uri="{386F3935-93C4-4BCD-93E2-E3B085C9AB24}">
+                <p16:designElem xmlns:p16="http://schemas.microsoft.com/office/powerpoint/2015/main" val="1"/>
+              </p:ext>
+            </p:extLst>
+          </p:nvPr>
+        </p:nvSpPr>
+        <p:spPr>
+          <a:xfrm>
+            <a:off x="0" y="0"/>
+            <a:ext cx="12192000" cy="6858000"/>
+          </a:xfrm>
+          <a:prstGeom prst="rect">
+            <a:avLst/>
+          </a:prstGeom>
+          <a:ln>
+            <a:noFill/>
+          </a:ln>
+        </p:spPr>
+        <p:style>
+          <a:lnRef idx="2">
+            <a:schemeClr val="accent1">
+              <a:shade val="50000"/>
+            </a:schemeClr>
+          </a:lnRef>
+          <a:fillRef idx="1">
+            <a:schemeClr val="accent1"/>
+          </a:fillRef>
+          <a:effectRef idx="0">
+            <a:schemeClr val="accent1"/>
+          </a:effectRef>
+          <a:fontRef idx="minor">
+            <a:schemeClr val="lt1"/>
+          </a:fontRef>
+        </p:style>
+        <p:txBody>
+          <a:bodyPr rtlCol="0" anchor="ctr"/>
+          <a:lstStyle/>
+          <a:p>
+            <a:pPr algn="ctr">
+              <a:spcAft>
+                <a:spcPts val="600"/>
+              </a:spcAft>
+            </a:pPr>
+            <a:r>
+              <a:rPr lang="en-US" dirty="0"/>
+              <a:t>O92		</a:t>
+            </a:r>
+          </a:p>
+        </p:txBody>
+      </p:sp>
+      <p:sp>
+        <p:nvSpPr>
+          <p:cNvPr id="11" name="Rectangle 10">
+            <a:extLst>
+              <a:ext uri="{FF2B5EF4-FFF2-40B4-BE49-F238E27FC236}">
+                <a16:creationId xmlns:a16="http://schemas.microsoft.com/office/drawing/2014/main" id="{186A8DC0-2911-44ED-9EEF-155B12BCBEDD}"/>
+              </a:ext>
+              <a:ext uri="{C183D7F6-B498-43B3-948B-1728B52AA6E4}">
+                <adec:decorative xmlns:adec="http://schemas.microsoft.com/office/drawing/2017/decorative" val="1"/>
+              </a:ext>
+            </a:extLst>
+          </p:cNvPr>
+          <p:cNvSpPr>
+            <a:spLocks noGrp="1" noRot="1" noChangeAspect="1" noMove="1" noResize="1" noEditPoints="1" noAdjustHandles="1" noChangeArrowheads="1" noChangeShapeType="1" noTextEdit="1"/>
+          </p:cNvSpPr>
+          <p:nvPr>
+            <p:extLst>
+              <p:ext uri="{386F3935-93C4-4BCD-93E2-E3B085C9AB24}">
+                <p16:designElem xmlns:p16="http://schemas.microsoft.com/office/powerpoint/2015/main" val="1"/>
+              </p:ext>
+            </p:extLst>
+          </p:nvPr>
+        </p:nvSpPr>
+        <p:spPr>
+          <a:xfrm>
+            <a:off x="0" y="0"/>
+            <a:ext cx="12192000" cy="986306"/>
+          </a:xfrm>
+          <a:prstGeom prst="rect">
+            <a:avLst/>
+          </a:prstGeom>
+          <a:pattFill prst="lgGrid">
+            <a:fgClr>
+              <a:srgbClr val="EBEEF2"/>
+            </a:fgClr>
+            <a:bgClr>
+              <a:schemeClr val="accent4">
+                <a:lumMod val="20000"/>
+                <a:lumOff val="80000"/>
+              </a:schemeClr>
+            </a:bgClr>
+          </a:pattFill>
+          <a:ln>
+            <a:noFill/>
+          </a:ln>
+        </p:spPr>
+        <p:style>
+          <a:lnRef idx="2">
+            <a:schemeClr val="accent1">
+              <a:shade val="50000"/>
+            </a:schemeClr>
+          </a:lnRef>
+          <a:fillRef idx="1">
+            <a:schemeClr val="accent1"/>
+          </a:fillRef>
+          <a:effectRef idx="0">
+            <a:schemeClr val="accent1"/>
+          </a:effectRef>
+          <a:fontRef idx="minor">
+            <a:schemeClr val="lt1"/>
+          </a:fontRef>
+        </p:style>
+        <p:txBody>
+          <a:bodyPr rtlCol="0" anchor="ctr"/>
+          <a:lstStyle/>
+          <a:p>
+            <a:pPr algn="ctr"/>
+            <a:endParaRPr lang="en-US" dirty="0"/>
+          </a:p>
+        </p:txBody>
+      </p:sp>
+      <p:sp>
+        <p:nvSpPr>
+          <p:cNvPr id="13" name="Rectangle 12">
+            <a:extLst>
+              <a:ext uri="{FF2B5EF4-FFF2-40B4-BE49-F238E27FC236}">
+                <a16:creationId xmlns:a16="http://schemas.microsoft.com/office/drawing/2014/main" id="{6BD28D3C-37C5-457B-839A-75219D616104}"/>
+              </a:ext>
+              <a:ext uri="{C183D7F6-B498-43B3-948B-1728B52AA6E4}">
+                <adec:decorative xmlns:adec="http://schemas.microsoft.com/office/drawing/2017/decorative" val="1"/>
+              </a:ext>
+            </a:extLst>
+          </p:cNvPr>
+          <p:cNvSpPr>
+            <a:spLocks noGrp="1" noRot="1" noChangeAspect="1" noMove="1" noResize="1" noEditPoints="1" noAdjustHandles="1" noChangeArrowheads="1" noChangeShapeType="1" noTextEdit="1"/>
+          </p:cNvSpPr>
+          <p:nvPr>
+            <p:extLst>
+              <p:ext uri="{386F3935-93C4-4BCD-93E2-E3B085C9AB24}">
+                <p16:designElem xmlns:p16="http://schemas.microsoft.com/office/powerpoint/2015/main" val="1"/>
+              </p:ext>
+            </p:extLst>
+          </p:nvPr>
+        </p:nvSpPr>
+        <p:spPr>
+          <a:xfrm>
+            <a:off x="350520" y="279792"/>
+            <a:ext cx="11475720" cy="986305"/>
+          </a:xfrm>
+          <a:prstGeom prst="rect">
+            <a:avLst/>
+          </a:prstGeom>
+          <a:solidFill>
+            <a:schemeClr val="accent4">
+              <a:lumMod val="40000"/>
+              <a:lumOff val="60000"/>
+            </a:schemeClr>
+          </a:solidFill>
+          <a:ln>
+            <a:noFill/>
+          </a:ln>
+        </p:spPr>
+        <p:style>
+          <a:lnRef idx="2">
+            <a:schemeClr val="accent1">
+              <a:shade val="50000"/>
+            </a:schemeClr>
+          </a:lnRef>
+          <a:fillRef idx="1">
+            <a:schemeClr val="accent1"/>
+          </a:fillRef>
+          <a:effectRef idx="0">
+            <a:schemeClr val="accent1"/>
+          </a:effectRef>
+          <a:fontRef idx="minor">
+            <a:schemeClr val="lt1"/>
+          </a:fontRef>
+        </p:style>
+        <p:txBody>
+          <a:bodyPr rtlCol="0" anchor="ctr"/>
+          <a:lstStyle/>
+          <a:p>
+            <a:pPr algn="ctr"/>
+            <a:endParaRPr lang="en-US" dirty="0"/>
+          </a:p>
+        </p:txBody>
+      </p:sp>
+      <p:graphicFrame>
+        <p:nvGraphicFramePr>
+          <p:cNvPr id="4" name="內容版面配置區 3">
+            <a:extLst>
+              <a:ext uri="{FF2B5EF4-FFF2-40B4-BE49-F238E27FC236}">
+                <a16:creationId xmlns:a16="http://schemas.microsoft.com/office/drawing/2014/main" id="{660B5C40-160F-3ADD-4AF1-655F5072C535}"/>
+              </a:ext>
+            </a:extLst>
+          </p:cNvPr>
+          <p:cNvGraphicFramePr>
+            <a:graphicFrameLocks noGrp="1"/>
+          </p:cNvGraphicFramePr>
+          <p:nvPr>
+            <p:ph idx="1"/>
+            <p:extLst>
+              <p:ext uri="{D42A27DB-BD31-4B8C-83A1-F6EECF244321}">
+                <p14:modId xmlns:p14="http://schemas.microsoft.com/office/powerpoint/2010/main" val="2002999861"/>
+              </p:ext>
+            </p:extLst>
+          </p:nvPr>
+        </p:nvGraphicFramePr>
+        <p:xfrm>
+          <a:off x="394915" y="1620519"/>
+          <a:ext cx="11402171" cy="4594016"/>
+        </p:xfrm>
+        <a:graphic>
+          <a:graphicData uri="http://schemas.openxmlformats.org/drawingml/2006/table">
+            <a:tbl>
+              <a:tblPr firstRow="1" bandRow="1">
+                <a:tableStyleId>{5C22544A-7EE6-4342-B048-85BDC9FD1C3A}</a:tableStyleId>
+              </a:tblPr>
+              <a:tblGrid>
+                <a:gridCol w="2367856">
+                  <a:extLst>
+                    <a:ext uri="{9D8B030D-6E8A-4147-A177-3AD203B41FA5}">
+                      <a16:colId xmlns:a16="http://schemas.microsoft.com/office/drawing/2014/main" val="892872021"/>
+                    </a:ext>
+                  </a:extLst>
+                </a:gridCol>
+                <a:gridCol w="4260795">
+                  <a:extLst>
+                    <a:ext uri="{9D8B030D-6E8A-4147-A177-3AD203B41FA5}">
+                      <a16:colId xmlns:a16="http://schemas.microsoft.com/office/drawing/2014/main" val="77681116"/>
+                    </a:ext>
+                  </a:extLst>
+                </a:gridCol>
+                <a:gridCol w="4773520">
+                  <a:extLst>
+                    <a:ext uri="{9D8B030D-6E8A-4147-A177-3AD203B41FA5}">
+                      <a16:colId xmlns:a16="http://schemas.microsoft.com/office/drawing/2014/main" val="3025887826"/>
+                    </a:ext>
+                  </a:extLst>
+                </a:gridCol>
+              </a:tblGrid>
+              <a:tr h="656288">
+                <a:tc>
+                  <a:txBody>
+                    <a:bodyPr/>
+                    <a:lstStyle/>
+                    <a:p>
+                      <a:r>
+                        <a:rPr lang="zh-TW" altLang="en-US" sz="2900" b="1">
+                          <a:solidFill>
+                            <a:schemeClr val="tx1"/>
+                          </a:solidFill>
+                          <a:latin typeface="微軟正黑體" panose="020B0604030504040204" pitchFamily="34" charset="-120"/>
+                          <a:ea typeface="微軟正黑體" panose="020B0604030504040204" pitchFamily="34" charset="-120"/>
+                        </a:rPr>
+                        <a:t>特性</a:t>
+                      </a:r>
+                    </a:p>
+                  </a:txBody>
+                  <a:tcPr marL="149156" marR="149156" marT="74578" marB="74578">
+                    <a:lnL>
+                      <a:noFill/>
+                    </a:lnL>
+                    <a:lnR>
+                      <a:noFill/>
+                    </a:lnR>
+                    <a:lnT>
+                      <a:noFill/>
+                    </a:lnT>
+                    <a:lnB w="19050">
+                      <a:solidFill>
+                        <a:schemeClr val="accent1"/>
+                      </a:solidFill>
+                    </a:lnB>
+                    <a:noFill/>
+                  </a:tcPr>
+                </a:tc>
+                <a:tc>
+                  <a:txBody>
+                    <a:bodyPr/>
+                    <a:lstStyle/>
+                    <a:p>
+                      <a:r>
+                        <a:rPr lang="en-US" altLang="zh-TW" sz="2900" b="1">
+                          <a:solidFill>
+                            <a:schemeClr val="tx1"/>
+                          </a:solidFill>
+                          <a:latin typeface="微軟正黑體" panose="020B0604030504040204" pitchFamily="34" charset="-120"/>
+                          <a:ea typeface="微軟正黑體" panose="020B0604030504040204" pitchFamily="34" charset="-120"/>
+                        </a:rPr>
+                        <a:t>CoAP</a:t>
+                      </a:r>
+                      <a:endParaRPr lang="zh-TW" altLang="en-US" sz="2900" b="1">
+                        <a:solidFill>
+                          <a:schemeClr val="tx1"/>
+                        </a:solidFill>
+                        <a:latin typeface="微軟正黑體" panose="020B0604030504040204" pitchFamily="34" charset="-120"/>
+                        <a:ea typeface="微軟正黑體" panose="020B0604030504040204" pitchFamily="34" charset="-120"/>
+                      </a:endParaRPr>
+                    </a:p>
+                  </a:txBody>
+                  <a:tcPr marL="149156" marR="149156" marT="74578" marB="74578">
+                    <a:lnL>
+                      <a:noFill/>
+                    </a:lnL>
+                    <a:lnR>
+                      <a:noFill/>
+                    </a:lnR>
+                    <a:lnT>
+                      <a:noFill/>
+                    </a:lnT>
+                    <a:lnB w="19050">
+                      <a:solidFill>
+                        <a:schemeClr val="accent1"/>
+                      </a:solidFill>
+                    </a:lnB>
+                    <a:noFill/>
+                  </a:tcPr>
+                </a:tc>
+                <a:tc>
+                  <a:txBody>
+                    <a:bodyPr/>
+                    <a:lstStyle/>
+                    <a:p>
+                      <a:r>
+                        <a:rPr lang="en-US" altLang="zh-TW" sz="2900" b="1">
+                          <a:solidFill>
+                            <a:schemeClr val="tx1"/>
+                          </a:solidFill>
+                          <a:latin typeface="微軟正黑體" panose="020B0604030504040204" pitchFamily="34" charset="-120"/>
+                          <a:ea typeface="微軟正黑體" panose="020B0604030504040204" pitchFamily="34" charset="-120"/>
+                        </a:rPr>
+                        <a:t>HTTP</a:t>
+                      </a:r>
+                      <a:endParaRPr lang="zh-TW" altLang="en-US" sz="2900" b="1">
+                        <a:solidFill>
+                          <a:schemeClr val="tx1"/>
+                        </a:solidFill>
+                        <a:latin typeface="微軟正黑體" panose="020B0604030504040204" pitchFamily="34" charset="-120"/>
+                        <a:ea typeface="微軟正黑體" panose="020B0604030504040204" pitchFamily="34" charset="-120"/>
+                      </a:endParaRPr>
+                    </a:p>
+                  </a:txBody>
+                  <a:tcPr marL="149156" marR="149156" marT="74578" marB="74578">
+                    <a:lnL>
+                      <a:noFill/>
+                    </a:lnL>
+                    <a:lnR>
+                      <a:noFill/>
+                    </a:lnR>
+                    <a:lnT>
+                      <a:noFill/>
+                    </a:lnT>
+                    <a:lnB w="19050">
+                      <a:solidFill>
+                        <a:schemeClr val="accent1"/>
+                      </a:solidFill>
+                    </a:lnB>
+                    <a:noFill/>
+                  </a:tcPr>
+                </a:tc>
+                <a:extLst>
+                  <a:ext uri="{0D108BD9-81ED-4DB2-BD59-A6C34878D82A}">
+                    <a16:rowId xmlns:a16="http://schemas.microsoft.com/office/drawing/2014/main" val="1171980106"/>
+                  </a:ext>
+                </a:extLst>
+              </a:tr>
+              <a:tr h="656288">
+                <a:tc>
+                  <a:txBody>
+                    <a:bodyPr/>
+                    <a:lstStyle/>
+                    <a:p>
+                      <a:r>
+                        <a:rPr lang="zh-TW" altLang="en-US" sz="2900">
+                          <a:solidFill>
+                            <a:schemeClr val="tx1"/>
+                          </a:solidFill>
+                          <a:latin typeface="微軟正黑體" panose="020B0604030504040204" pitchFamily="34" charset="-120"/>
+                          <a:ea typeface="微軟正黑體" panose="020B0604030504040204" pitchFamily="34" charset="-120"/>
+                        </a:rPr>
+                        <a:t>傳輸協定</a:t>
+                      </a:r>
+                    </a:p>
+                  </a:txBody>
+                  <a:tcPr marL="149156" marR="149156" marT="74578" marB="74578">
+                    <a:lnL>
+                      <a:noFill/>
+                    </a:lnL>
+                    <a:lnR>
+                      <a:noFill/>
+                    </a:lnR>
+                    <a:lnT w="19050">
+                      <a:solidFill>
+                        <a:schemeClr val="accent1"/>
+                      </a:solidFill>
+                    </a:lnT>
+                    <a:lnB w="3175">
+                      <a:solidFill>
+                        <a:schemeClr val="tx1"/>
+                      </a:solidFill>
+                    </a:lnB>
+                    <a:noFill/>
+                  </a:tcPr>
+                </a:tc>
+                <a:tc>
+                  <a:txBody>
+                    <a:bodyPr/>
+                    <a:lstStyle/>
+                    <a:p>
+                      <a:r>
+                        <a:rPr lang="en-US" altLang="zh-TW" sz="2900">
+                          <a:solidFill>
+                            <a:schemeClr val="tx1"/>
+                          </a:solidFill>
+                          <a:latin typeface="微軟正黑體" panose="020B0604030504040204" pitchFamily="34" charset="-120"/>
+                          <a:ea typeface="微軟正黑體" panose="020B0604030504040204" pitchFamily="34" charset="-120"/>
+                        </a:rPr>
+                        <a:t>UDP</a:t>
+                      </a:r>
+                      <a:endParaRPr lang="zh-TW" altLang="en-US" sz="2900">
+                        <a:solidFill>
+                          <a:schemeClr val="tx1"/>
+                        </a:solidFill>
+                        <a:latin typeface="微軟正黑體" panose="020B0604030504040204" pitchFamily="34" charset="-120"/>
+                        <a:ea typeface="微軟正黑體" panose="020B0604030504040204" pitchFamily="34" charset="-120"/>
+                      </a:endParaRPr>
+                    </a:p>
+                  </a:txBody>
+                  <a:tcPr marL="149156" marR="149156" marT="74578" marB="74578">
+                    <a:lnL>
+                      <a:noFill/>
+                    </a:lnL>
+                    <a:lnR>
+                      <a:noFill/>
+                    </a:lnR>
+                    <a:lnT w="19050">
+                      <a:solidFill>
+                        <a:schemeClr val="accent1"/>
+                      </a:solidFill>
+                    </a:lnT>
+                    <a:lnB w="3175">
+                      <a:solidFill>
+                        <a:schemeClr val="tx1"/>
+                      </a:solidFill>
+                    </a:lnB>
+                    <a:noFill/>
+                  </a:tcPr>
+                </a:tc>
+                <a:tc>
+                  <a:txBody>
+                    <a:bodyPr/>
+                    <a:lstStyle/>
+                    <a:p>
+                      <a:r>
+                        <a:rPr lang="en-US" altLang="zh-TW" sz="2900">
+                          <a:solidFill>
+                            <a:schemeClr val="tx1"/>
+                          </a:solidFill>
+                          <a:latin typeface="微軟正黑體" panose="020B0604030504040204" pitchFamily="34" charset="-120"/>
+                          <a:ea typeface="微軟正黑體" panose="020B0604030504040204" pitchFamily="34" charset="-120"/>
+                        </a:rPr>
+                        <a:t>TCP</a:t>
+                      </a:r>
+                      <a:endParaRPr lang="zh-TW" altLang="en-US" sz="2900">
+                        <a:solidFill>
+                          <a:schemeClr val="tx1"/>
+                        </a:solidFill>
+                        <a:latin typeface="微軟正黑體" panose="020B0604030504040204" pitchFamily="34" charset="-120"/>
+                        <a:ea typeface="微軟正黑體" panose="020B0604030504040204" pitchFamily="34" charset="-120"/>
+                      </a:endParaRPr>
+                    </a:p>
+                  </a:txBody>
+                  <a:tcPr marL="149156" marR="149156" marT="74578" marB="74578">
+                    <a:lnL>
+                      <a:noFill/>
+                    </a:lnL>
+                    <a:lnR>
+                      <a:noFill/>
+                    </a:lnR>
+                    <a:lnT w="19050">
+                      <a:solidFill>
+                        <a:schemeClr val="accent1"/>
+                      </a:solidFill>
+                    </a:lnT>
+                    <a:lnB w="3175">
+                      <a:solidFill>
+                        <a:schemeClr val="tx1"/>
+                      </a:solidFill>
+                    </a:lnB>
+                    <a:noFill/>
+                  </a:tcPr>
+                </a:tc>
+                <a:extLst>
+                  <a:ext uri="{0D108BD9-81ED-4DB2-BD59-A6C34878D82A}">
+                    <a16:rowId xmlns:a16="http://schemas.microsoft.com/office/drawing/2014/main" val="1466792012"/>
+                  </a:ext>
+                </a:extLst>
+              </a:tr>
+              <a:tr h="656288">
+                <a:tc>
+                  <a:txBody>
+                    <a:bodyPr/>
+                    <a:lstStyle/>
+                    <a:p>
+                      <a:r>
+                        <a:rPr lang="zh-TW" altLang="en-US" sz="2900">
+                          <a:solidFill>
+                            <a:schemeClr val="tx1"/>
+                          </a:solidFill>
+                          <a:latin typeface="微軟正黑體" panose="020B0604030504040204" pitchFamily="34" charset="-120"/>
+                          <a:ea typeface="微軟正黑體" panose="020B0604030504040204" pitchFamily="34" charset="-120"/>
+                        </a:rPr>
+                        <a:t>開銷</a:t>
+                      </a:r>
+                    </a:p>
+                  </a:txBody>
+                  <a:tcPr marL="149156" marR="149156" marT="74578" marB="74578">
+                    <a:lnL>
+                      <a:noFill/>
+                    </a:lnL>
+                    <a:lnR>
+                      <a:noFill/>
+                    </a:lnR>
+                    <a:lnT w="3175">
+                      <a:solidFill>
+                        <a:schemeClr val="tx1"/>
+                      </a:solidFill>
+                    </a:lnT>
+                    <a:lnB w="3175">
+                      <a:solidFill>
+                        <a:schemeClr val="tx1"/>
+                      </a:solidFill>
+                    </a:lnB>
+                    <a:noFill/>
+                  </a:tcPr>
+                </a:tc>
+                <a:tc>
+                  <a:txBody>
+                    <a:bodyPr/>
+                    <a:lstStyle/>
+                    <a:p>
+                      <a:r>
+                        <a:rPr lang="zh-TW" altLang="en-US" sz="2900">
+                          <a:solidFill>
+                            <a:schemeClr val="tx1"/>
+                          </a:solidFill>
+                          <a:latin typeface="微軟正黑體" panose="020B0604030504040204" pitchFamily="34" charset="-120"/>
+                          <a:ea typeface="微軟正黑體" panose="020B0604030504040204" pitchFamily="34" charset="-120"/>
+                        </a:rPr>
+                        <a:t>小（數據頭部 </a:t>
+                      </a:r>
+                      <a:r>
+                        <a:rPr lang="en-US" altLang="zh-TW" sz="2900">
+                          <a:solidFill>
+                            <a:schemeClr val="tx1"/>
+                          </a:solidFill>
+                          <a:latin typeface="微軟正黑體" panose="020B0604030504040204" pitchFamily="34" charset="-120"/>
+                          <a:ea typeface="微軟正黑體" panose="020B0604030504040204" pitchFamily="34" charset="-120"/>
+                        </a:rPr>
+                        <a:t>4 </a:t>
+                      </a:r>
+                      <a:r>
+                        <a:rPr lang="zh-TW" altLang="en-US" sz="2900">
+                          <a:solidFill>
+                            <a:schemeClr val="tx1"/>
+                          </a:solidFill>
+                          <a:latin typeface="微軟正黑體" panose="020B0604030504040204" pitchFamily="34" charset="-120"/>
+                          <a:ea typeface="微軟正黑體" panose="020B0604030504040204" pitchFamily="34" charset="-120"/>
+                        </a:rPr>
+                        <a:t>字節）</a:t>
+                      </a:r>
+                    </a:p>
+                  </a:txBody>
+                  <a:tcPr marL="149156" marR="149156" marT="74578" marB="74578">
+                    <a:lnL>
+                      <a:noFill/>
+                    </a:lnL>
+                    <a:lnR>
+                      <a:noFill/>
+                    </a:lnR>
+                    <a:lnT w="3175">
+                      <a:solidFill>
+                        <a:schemeClr val="tx1"/>
+                      </a:solidFill>
+                    </a:lnT>
+                    <a:lnB w="3175">
+                      <a:solidFill>
+                        <a:schemeClr val="tx1"/>
+                      </a:solidFill>
+                    </a:lnB>
+                    <a:noFill/>
+                  </a:tcPr>
+                </a:tc>
+                <a:tc>
+                  <a:txBody>
+                    <a:bodyPr/>
+                    <a:lstStyle/>
+                    <a:p>
+                      <a:r>
+                        <a:rPr lang="zh-TW" altLang="en-US" sz="2900">
+                          <a:solidFill>
+                            <a:schemeClr val="tx1"/>
+                          </a:solidFill>
+                          <a:latin typeface="微軟正黑體" panose="020B0604030504040204" pitchFamily="34" charset="-120"/>
+                          <a:ea typeface="微軟正黑體" panose="020B0604030504040204" pitchFamily="34" charset="-120"/>
+                        </a:rPr>
+                        <a:t>大（數據頭部較多）</a:t>
+                      </a:r>
+                    </a:p>
+                  </a:txBody>
+                  <a:tcPr marL="149156" marR="149156" marT="74578" marB="74578">
+                    <a:lnL>
+                      <a:noFill/>
+                    </a:lnL>
+                    <a:lnR>
+                      <a:noFill/>
+                    </a:lnR>
+                    <a:lnT w="3175">
+                      <a:solidFill>
+                        <a:schemeClr val="tx1"/>
+                      </a:solidFill>
+                    </a:lnT>
+                    <a:lnB w="3175">
+                      <a:solidFill>
+                        <a:schemeClr val="tx1"/>
+                      </a:solidFill>
+                    </a:lnB>
+                    <a:noFill/>
+                  </a:tcPr>
+                </a:tc>
+                <a:extLst>
+                  <a:ext uri="{0D108BD9-81ED-4DB2-BD59-A6C34878D82A}">
+                    <a16:rowId xmlns:a16="http://schemas.microsoft.com/office/drawing/2014/main" val="1760024505"/>
+                  </a:ext>
+                </a:extLst>
+              </a:tr>
+              <a:tr h="656288">
+                <a:tc>
+                  <a:txBody>
+                    <a:bodyPr/>
+                    <a:lstStyle/>
+                    <a:p>
+                      <a:r>
+                        <a:rPr lang="zh-TW" altLang="en-US" sz="2900">
+                          <a:solidFill>
+                            <a:schemeClr val="tx1"/>
+                          </a:solidFill>
+                          <a:latin typeface="微軟正黑體" panose="020B0604030504040204" pitchFamily="34" charset="-120"/>
+                          <a:ea typeface="微軟正黑體" panose="020B0604030504040204" pitchFamily="34" charset="-120"/>
+                        </a:rPr>
+                        <a:t>連接方式</a:t>
+                      </a:r>
+                    </a:p>
+                  </a:txBody>
+                  <a:tcPr marL="149156" marR="149156" marT="74578" marB="74578">
+                    <a:lnL>
+                      <a:noFill/>
+                    </a:lnL>
+                    <a:lnR>
+                      <a:noFill/>
+                    </a:lnR>
+                    <a:lnT w="3175">
+                      <a:solidFill>
+                        <a:schemeClr val="tx1"/>
+                      </a:solidFill>
+                    </a:lnT>
+                    <a:lnB w="3175">
+                      <a:solidFill>
+                        <a:schemeClr val="tx1"/>
+                      </a:solidFill>
+                    </a:lnB>
+                    <a:noFill/>
+                  </a:tcPr>
+                </a:tc>
+                <a:tc>
+                  <a:txBody>
+                    <a:bodyPr/>
+                    <a:lstStyle/>
+                    <a:p>
+                      <a:r>
+                        <a:rPr lang="zh-TW" altLang="en-US" sz="2900">
+                          <a:solidFill>
+                            <a:schemeClr val="tx1"/>
+                          </a:solidFill>
+                          <a:latin typeface="微軟正黑體" panose="020B0604030504040204" pitchFamily="34" charset="-120"/>
+                          <a:ea typeface="微軟正黑體" panose="020B0604030504040204" pitchFamily="34" charset="-120"/>
+                        </a:rPr>
+                        <a:t>短連接</a:t>
+                      </a:r>
+                    </a:p>
+                  </a:txBody>
+                  <a:tcPr marL="149156" marR="149156" marT="74578" marB="74578">
+                    <a:lnL>
+                      <a:noFill/>
+                    </a:lnL>
+                    <a:lnR>
+                      <a:noFill/>
+                    </a:lnR>
+                    <a:lnT w="3175">
+                      <a:solidFill>
+                        <a:schemeClr val="tx1"/>
+                      </a:solidFill>
+                    </a:lnT>
+                    <a:lnB w="3175">
+                      <a:solidFill>
+                        <a:schemeClr val="tx1"/>
+                      </a:solidFill>
+                    </a:lnB>
+                    <a:noFill/>
+                  </a:tcPr>
+                </a:tc>
+                <a:tc>
+                  <a:txBody>
+                    <a:bodyPr/>
+                    <a:lstStyle/>
+                    <a:p>
+                      <a:r>
+                        <a:rPr lang="zh-TW" altLang="en-US" sz="2900">
+                          <a:solidFill>
+                            <a:schemeClr val="tx1"/>
+                          </a:solidFill>
+                          <a:latin typeface="微軟正黑體" panose="020B0604030504040204" pitchFamily="34" charset="-120"/>
+                          <a:ea typeface="微軟正黑體" panose="020B0604030504040204" pitchFamily="34" charset="-120"/>
+                        </a:rPr>
+                        <a:t>長連接</a:t>
+                      </a:r>
+                    </a:p>
+                  </a:txBody>
+                  <a:tcPr marL="149156" marR="149156" marT="74578" marB="74578">
+                    <a:lnL>
+                      <a:noFill/>
+                    </a:lnL>
+                    <a:lnR>
+                      <a:noFill/>
+                    </a:lnR>
+                    <a:lnT w="3175">
+                      <a:solidFill>
+                        <a:schemeClr val="tx1"/>
+                      </a:solidFill>
+                    </a:lnT>
+                    <a:lnB w="3175">
+                      <a:solidFill>
+                        <a:schemeClr val="tx1"/>
+                      </a:solidFill>
+                    </a:lnB>
+                    <a:noFill/>
+                  </a:tcPr>
+                </a:tc>
+                <a:extLst>
+                  <a:ext uri="{0D108BD9-81ED-4DB2-BD59-A6C34878D82A}">
+                    <a16:rowId xmlns:a16="http://schemas.microsoft.com/office/drawing/2014/main" val="3511367876"/>
+                  </a:ext>
+                </a:extLst>
+              </a:tr>
+              <a:tr h="656288">
+                <a:tc>
+                  <a:txBody>
+                    <a:bodyPr/>
+                    <a:lstStyle/>
+                    <a:p>
+                      <a:r>
+                        <a:rPr lang="zh-TW" altLang="en-US" sz="2900">
+                          <a:solidFill>
+                            <a:schemeClr val="tx1"/>
+                          </a:solidFill>
+                          <a:latin typeface="微軟正黑體" panose="020B0604030504040204" pitchFamily="34" charset="-120"/>
+                          <a:ea typeface="微軟正黑體" panose="020B0604030504040204" pitchFamily="34" charset="-120"/>
+                        </a:rPr>
+                        <a:t>傳輸可靠性</a:t>
+                      </a:r>
+                    </a:p>
+                  </a:txBody>
+                  <a:tcPr marL="149156" marR="149156" marT="74578" marB="74578">
+                    <a:lnL>
+                      <a:noFill/>
+                    </a:lnL>
+                    <a:lnR>
+                      <a:noFill/>
+                    </a:lnR>
+                    <a:lnT w="3175">
+                      <a:solidFill>
+                        <a:schemeClr val="tx1"/>
+                      </a:solidFill>
+                    </a:lnT>
+                    <a:lnB w="3175">
+                      <a:solidFill>
+                        <a:schemeClr val="tx1"/>
+                      </a:solidFill>
+                    </a:lnB>
+                    <a:noFill/>
+                  </a:tcPr>
+                </a:tc>
+                <a:tc>
+                  <a:txBody>
+                    <a:bodyPr/>
+                    <a:lstStyle/>
+                    <a:p>
+                      <a:r>
+                        <a:rPr lang="zh-TW" altLang="en-US" sz="2900">
+                          <a:solidFill>
+                            <a:schemeClr val="tx1"/>
+                          </a:solidFill>
+                          <a:latin typeface="微軟正黑體" panose="020B0604030504040204" pitchFamily="34" charset="-120"/>
+                          <a:ea typeface="微軟正黑體" panose="020B0604030504040204" pitchFamily="34" charset="-120"/>
+                        </a:rPr>
+                        <a:t>可選（</a:t>
+                      </a:r>
+                      <a:r>
+                        <a:rPr lang="en-US" altLang="zh-TW" sz="2900">
+                          <a:solidFill>
+                            <a:schemeClr val="tx1"/>
+                          </a:solidFill>
+                          <a:latin typeface="微軟正黑體" panose="020B0604030504040204" pitchFamily="34" charset="-120"/>
+                          <a:ea typeface="微軟正黑體" panose="020B0604030504040204" pitchFamily="34" charset="-120"/>
+                        </a:rPr>
+                        <a:t>ACK </a:t>
+                      </a:r>
+                      <a:r>
+                        <a:rPr lang="zh-TW" altLang="en-US" sz="2900">
+                          <a:solidFill>
+                            <a:schemeClr val="tx1"/>
+                          </a:solidFill>
+                          <a:latin typeface="微軟正黑體" panose="020B0604030504040204" pitchFamily="34" charset="-120"/>
+                          <a:ea typeface="微軟正黑體" panose="020B0604030504040204" pitchFamily="34" charset="-120"/>
+                        </a:rPr>
+                        <a:t>機制）</a:t>
+                      </a:r>
+                    </a:p>
+                  </a:txBody>
+                  <a:tcPr marL="149156" marR="149156" marT="74578" marB="74578">
+                    <a:lnL>
+                      <a:noFill/>
+                    </a:lnL>
+                    <a:lnR>
+                      <a:noFill/>
+                    </a:lnR>
+                    <a:lnT w="3175">
+                      <a:solidFill>
+                        <a:schemeClr val="tx1"/>
+                      </a:solidFill>
+                    </a:lnT>
+                    <a:lnB w="3175">
+                      <a:solidFill>
+                        <a:schemeClr val="tx1"/>
+                      </a:solidFill>
+                    </a:lnB>
+                    <a:noFill/>
+                  </a:tcPr>
+                </a:tc>
+                <a:tc>
+                  <a:txBody>
+                    <a:bodyPr/>
+                    <a:lstStyle/>
+                    <a:p>
+                      <a:r>
+                        <a:rPr lang="zh-TW" altLang="en-US" sz="2900">
+                          <a:solidFill>
+                            <a:schemeClr val="tx1"/>
+                          </a:solidFill>
+                          <a:latin typeface="微軟正黑體" panose="020B0604030504040204" pitchFamily="34" charset="-120"/>
+                          <a:ea typeface="微軟正黑體" panose="020B0604030504040204" pitchFamily="34" charset="-120"/>
+                        </a:rPr>
+                        <a:t>內建可靠性</a:t>
+                      </a:r>
+                    </a:p>
+                  </a:txBody>
+                  <a:tcPr marL="149156" marR="149156" marT="74578" marB="74578">
+                    <a:lnL>
+                      <a:noFill/>
+                    </a:lnL>
+                    <a:lnR>
+                      <a:noFill/>
+                    </a:lnR>
+                    <a:lnT w="3175">
+                      <a:solidFill>
+                        <a:schemeClr val="tx1"/>
+                      </a:solidFill>
+                    </a:lnT>
+                    <a:lnB w="3175">
+                      <a:solidFill>
+                        <a:schemeClr val="tx1"/>
+                      </a:solidFill>
+                    </a:lnB>
+                    <a:noFill/>
+                  </a:tcPr>
+                </a:tc>
+                <a:extLst>
+                  <a:ext uri="{0D108BD9-81ED-4DB2-BD59-A6C34878D82A}">
+                    <a16:rowId xmlns:a16="http://schemas.microsoft.com/office/drawing/2014/main" val="1099929537"/>
+                  </a:ext>
+                </a:extLst>
+              </a:tr>
+              <a:tr h="656288">
+                <a:tc>
+                  <a:txBody>
+                    <a:bodyPr/>
+                    <a:lstStyle/>
+                    <a:p>
+                      <a:r>
+                        <a:rPr lang="zh-TW" altLang="en-US" sz="2900">
+                          <a:solidFill>
+                            <a:schemeClr val="tx1"/>
+                          </a:solidFill>
+                          <a:latin typeface="微軟正黑體" panose="020B0604030504040204" pitchFamily="34" charset="-120"/>
+                          <a:ea typeface="微軟正黑體" panose="020B0604030504040204" pitchFamily="34" charset="-120"/>
+                        </a:rPr>
+                        <a:t>功耗</a:t>
+                      </a:r>
+                    </a:p>
+                  </a:txBody>
+                  <a:tcPr marL="149156" marR="149156" marT="74578" marB="74578">
+                    <a:lnL>
+                      <a:noFill/>
+                    </a:lnL>
+                    <a:lnR>
+                      <a:noFill/>
+                    </a:lnR>
+                    <a:lnT w="3175">
+                      <a:solidFill>
+                        <a:schemeClr val="tx1"/>
+                      </a:solidFill>
+                    </a:lnT>
+                    <a:lnB w="3175">
+                      <a:solidFill>
+                        <a:schemeClr val="tx1"/>
+                      </a:solidFill>
+                    </a:lnB>
+                    <a:noFill/>
+                  </a:tcPr>
+                </a:tc>
+                <a:tc>
+                  <a:txBody>
+                    <a:bodyPr/>
+                    <a:lstStyle/>
+                    <a:p>
+                      <a:r>
+                        <a:rPr lang="zh-TW" altLang="en-US" sz="2900">
+                          <a:solidFill>
+                            <a:schemeClr val="tx1"/>
+                          </a:solidFill>
+                          <a:latin typeface="微軟正黑體" panose="020B0604030504040204" pitchFamily="34" charset="-120"/>
+                          <a:ea typeface="微軟正黑體" panose="020B0604030504040204" pitchFamily="34" charset="-120"/>
+                        </a:rPr>
+                        <a:t>低</a:t>
+                      </a:r>
+                    </a:p>
+                  </a:txBody>
+                  <a:tcPr marL="149156" marR="149156" marT="74578" marB="74578">
+                    <a:lnL>
+                      <a:noFill/>
+                    </a:lnL>
+                    <a:lnR>
+                      <a:noFill/>
+                    </a:lnR>
+                    <a:lnT w="3175">
+                      <a:solidFill>
+                        <a:schemeClr val="tx1"/>
+                      </a:solidFill>
+                    </a:lnT>
+                    <a:lnB w="3175">
+                      <a:solidFill>
+                        <a:schemeClr val="tx1"/>
+                      </a:solidFill>
+                    </a:lnB>
+                    <a:noFill/>
+                  </a:tcPr>
+                </a:tc>
+                <a:tc>
+                  <a:txBody>
+                    <a:bodyPr/>
+                    <a:lstStyle/>
+                    <a:p>
+                      <a:r>
+                        <a:rPr lang="zh-TW" altLang="en-US" sz="2900">
+                          <a:solidFill>
+                            <a:schemeClr val="tx1"/>
+                          </a:solidFill>
+                          <a:latin typeface="微軟正黑體" panose="020B0604030504040204" pitchFamily="34" charset="-120"/>
+                          <a:ea typeface="微軟正黑體" panose="020B0604030504040204" pitchFamily="34" charset="-120"/>
+                        </a:rPr>
+                        <a:t>高</a:t>
+                      </a:r>
+                    </a:p>
+                  </a:txBody>
+                  <a:tcPr marL="149156" marR="149156" marT="74578" marB="74578">
+                    <a:lnL>
+                      <a:noFill/>
+                    </a:lnL>
+                    <a:lnR>
+                      <a:noFill/>
+                    </a:lnR>
+                    <a:lnT w="3175">
+                      <a:solidFill>
+                        <a:schemeClr val="tx1"/>
+                      </a:solidFill>
+                    </a:lnT>
+                    <a:lnB w="3175">
+                      <a:solidFill>
+                        <a:schemeClr val="tx1"/>
+                      </a:solidFill>
+                    </a:lnB>
+                    <a:noFill/>
+                  </a:tcPr>
+                </a:tc>
+                <a:extLst>
+                  <a:ext uri="{0D108BD9-81ED-4DB2-BD59-A6C34878D82A}">
+                    <a16:rowId xmlns:a16="http://schemas.microsoft.com/office/drawing/2014/main" val="1707982120"/>
+                  </a:ext>
+                </a:extLst>
+              </a:tr>
+              <a:tr h="656288">
+                <a:tc>
+                  <a:txBody>
+                    <a:bodyPr/>
+                    <a:lstStyle/>
+                    <a:p>
+                      <a:r>
+                        <a:rPr lang="zh-TW" altLang="en-US" sz="2900">
+                          <a:solidFill>
+                            <a:schemeClr val="tx1"/>
+                          </a:solidFill>
+                          <a:latin typeface="微軟正黑體" panose="020B0604030504040204" pitchFamily="34" charset="-120"/>
+                          <a:ea typeface="微軟正黑體" panose="020B0604030504040204" pitchFamily="34" charset="-120"/>
+                        </a:rPr>
+                        <a:t>適用場景</a:t>
+                      </a:r>
+                    </a:p>
+                  </a:txBody>
+                  <a:tcPr marL="149156" marR="149156" marT="74578" marB="74578">
+                    <a:lnL>
+                      <a:noFill/>
+                    </a:lnL>
+                    <a:lnR>
+                      <a:noFill/>
+                    </a:lnR>
+                    <a:lnT w="3175">
+                      <a:solidFill>
+                        <a:schemeClr val="tx1"/>
+                      </a:solidFill>
+                    </a:lnT>
+                    <a:lnB w="12700">
+                      <a:solidFill>
+                        <a:schemeClr val="accent1"/>
+                      </a:solidFill>
+                    </a:lnB>
+                    <a:noFill/>
+                  </a:tcPr>
+                </a:tc>
+                <a:tc>
+                  <a:txBody>
+                    <a:bodyPr/>
+                    <a:lstStyle/>
+                    <a:p>
+                      <a:r>
+                        <a:rPr lang="en-US" altLang="zh-TW" sz="2900">
+                          <a:solidFill>
+                            <a:schemeClr val="tx1"/>
+                          </a:solidFill>
+                          <a:latin typeface="微軟正黑體" panose="020B0604030504040204" pitchFamily="34" charset="-120"/>
+                          <a:ea typeface="微軟正黑體" panose="020B0604030504040204" pitchFamily="34" charset="-120"/>
+                        </a:rPr>
+                        <a:t>IoT</a:t>
+                      </a:r>
+                      <a:r>
+                        <a:rPr lang="zh-TW" altLang="en-US" sz="2900">
+                          <a:solidFill>
+                            <a:schemeClr val="tx1"/>
+                          </a:solidFill>
+                          <a:latin typeface="微軟正黑體" panose="020B0604030504040204" pitchFamily="34" charset="-120"/>
+                          <a:ea typeface="微軟正黑體" panose="020B0604030504040204" pitchFamily="34" charset="-120"/>
+                        </a:rPr>
+                        <a:t>、低功耗設備</a:t>
+                      </a:r>
+                    </a:p>
+                  </a:txBody>
+                  <a:tcPr marL="149156" marR="149156" marT="74578" marB="74578">
+                    <a:lnL>
+                      <a:noFill/>
+                    </a:lnL>
+                    <a:lnR>
+                      <a:noFill/>
+                    </a:lnR>
+                    <a:lnT w="3175">
+                      <a:solidFill>
+                        <a:schemeClr val="tx1"/>
+                      </a:solidFill>
+                    </a:lnT>
+                    <a:lnB w="12700">
+                      <a:solidFill>
+                        <a:schemeClr val="accent1"/>
+                      </a:solidFill>
+                    </a:lnB>
+                    <a:noFill/>
+                  </a:tcPr>
+                </a:tc>
+                <a:tc>
+                  <a:txBody>
+                    <a:bodyPr/>
+                    <a:lstStyle/>
+                    <a:p>
+                      <a:r>
+                        <a:rPr lang="en-US" altLang="zh-TW" sz="2900">
+                          <a:solidFill>
+                            <a:schemeClr val="tx1"/>
+                          </a:solidFill>
+                          <a:latin typeface="微軟正黑體" panose="020B0604030504040204" pitchFamily="34" charset="-120"/>
+                          <a:ea typeface="微軟正黑體" panose="020B0604030504040204" pitchFamily="34" charset="-120"/>
+                        </a:rPr>
+                        <a:t>Web </a:t>
+                      </a:r>
+                      <a:r>
+                        <a:rPr lang="zh-TW" altLang="en-US" sz="2900">
+                          <a:solidFill>
+                            <a:schemeClr val="tx1"/>
+                          </a:solidFill>
+                          <a:latin typeface="微軟正黑體" panose="020B0604030504040204" pitchFamily="34" charset="-120"/>
+                          <a:ea typeface="微軟正黑體" panose="020B0604030504040204" pitchFamily="34" charset="-120"/>
+                        </a:rPr>
+                        <a:t>瀏覽器與伺服器互動</a:t>
+                      </a:r>
+                    </a:p>
+                  </a:txBody>
+                  <a:tcPr marL="149156" marR="149156" marT="74578" marB="74578">
+                    <a:lnL>
+                      <a:noFill/>
+                    </a:lnL>
+                    <a:lnR>
+                      <a:noFill/>
+                    </a:lnR>
+                    <a:lnT w="3175">
+                      <a:solidFill>
+                        <a:schemeClr val="tx1"/>
+                      </a:solidFill>
+                    </a:lnT>
+                    <a:lnB w="12700">
+                      <a:solidFill>
+                        <a:schemeClr val="accent1"/>
+                      </a:solidFill>
+                    </a:lnB>
+                    <a:noFill/>
+                  </a:tcPr>
+                </a:tc>
+                <a:extLst>
+                  <a:ext uri="{0D108BD9-81ED-4DB2-BD59-A6C34878D82A}">
+                    <a16:rowId xmlns:a16="http://schemas.microsoft.com/office/drawing/2014/main" val="2635118130"/>
+                  </a:ext>
+                </a:extLst>
+              </a:tr>
+            </a:tbl>
+          </a:graphicData>
+        </a:graphic>
+      </p:graphicFrame>
+    </p:spTree>
+    <p:extLst>
+      <p:ext uri="{BB962C8B-B14F-4D97-AF65-F5344CB8AC3E}">
+        <p14:creationId xmlns:p14="http://schemas.microsoft.com/office/powerpoint/2010/main" val="3389584140"/>
+      </p:ext>
+    </p:extLst>
+  </p:cSld>
+  <p:clrMapOvr>
+    <a:masterClrMapping/>
+  </p:clrMapOvr>
+</p:sld>
+</file>
+
+<file path=ppt/slides/slide5.xml><?xml version="1.0" encoding="utf-8"?>
+<p:sld xmlns:a="http://schemas.openxmlformats.org/drawingml/2006/main" xmlns:r="http://schemas.openxmlformats.org/officeDocument/2006/relationships" xmlns:p="http://schemas.openxmlformats.org/presentationml/2006/main">
+  <p:cSld>
     <p:spTree>
       <p:nvGrpSpPr>
         <p:cNvPr id="1" name=""/>
@@ -17243,17 +23234,9 @@
 </p:sld>
 </file>
 
-<file path=ppt/slides/slide4.xml><?xml version="1.0" encoding="utf-8"?>
+<file path=ppt/slides/slide6.xml><?xml version="1.0" encoding="utf-8"?>
 <p:sld xmlns:a="http://schemas.openxmlformats.org/drawingml/2006/main" xmlns:r="http://schemas.openxmlformats.org/officeDocument/2006/relationships" xmlns:p="http://schemas.openxmlformats.org/presentationml/2006/main">
   <p:cSld>
-    <p:bg>
-      <p:bgPr>
-        <a:solidFill>
-          <a:schemeClr val="bg1"/>
-        </a:solidFill>
-        <a:effectLst/>
-      </p:bgPr>
-    </p:bg>
     <p:spTree>
       <p:nvGrpSpPr>
         <p:cNvPr id="1" name=""/>
@@ -18046,7 +24029,7 @@
 </p:sld>
 </file>
 
-<file path=ppt/slides/slide5.xml><?xml version="1.0" encoding="utf-8"?>
+<file path=ppt/slides/slide7.xml><?xml version="1.0" encoding="utf-8"?>
 <p:sld xmlns:a="http://schemas.openxmlformats.org/drawingml/2006/main" xmlns:r="http://schemas.openxmlformats.org/officeDocument/2006/relationships" xmlns:p="http://schemas.openxmlformats.org/presentationml/2006/main">
   <p:cSld>
     <p:spTree>
@@ -18366,7 +24349,7 @@
 </p:sld>
 </file>
 
-<file path=ppt/slides/slide6.xml><?xml version="1.0" encoding="utf-8"?>
+<file path=ppt/slides/slide8.xml><?xml version="1.0" encoding="utf-8"?>
 <p:sld xmlns:a="http://schemas.openxmlformats.org/drawingml/2006/main" xmlns:r="http://schemas.openxmlformats.org/officeDocument/2006/relationships" xmlns:p="http://schemas.openxmlformats.org/presentationml/2006/main">
   <p:cSld>
     <p:spTree>
@@ -18634,7 +24617,7 @@
 </p:sld>
 </file>
 
-<file path=ppt/slides/slide7.xml><?xml version="1.0" encoding="utf-8"?>
+<file path=ppt/slides/slide9.xml><?xml version="1.0" encoding="utf-8"?>
 <p:sld xmlns:a="http://schemas.openxmlformats.org/drawingml/2006/main" xmlns:r="http://schemas.openxmlformats.org/officeDocument/2006/relationships" xmlns:p="http://schemas.openxmlformats.org/presentationml/2006/main">
   <p:cSld>
     <p:spTree>
@@ -18738,662 +24721,6 @@
     <p:extLst>
       <p:ext uri="{BB962C8B-B14F-4D97-AF65-F5344CB8AC3E}">
         <p14:creationId xmlns:p14="http://schemas.microsoft.com/office/powerpoint/2010/main" val="1530757450"/>
-      </p:ext>
-    </p:extLst>
-  </p:cSld>
-  <p:clrMapOvr>
-    <a:masterClrMapping/>
-  </p:clrMapOvr>
-</p:sld>
-</file>
-
-<file path=ppt/slides/slide8.xml><?xml version="1.0" encoding="utf-8"?>
-<p:sld xmlns:a="http://schemas.openxmlformats.org/drawingml/2006/main" xmlns:r="http://schemas.openxmlformats.org/officeDocument/2006/relationships" xmlns:p="http://schemas.openxmlformats.org/presentationml/2006/main">
-  <p:cSld>
-    <p:spTree>
-      <p:nvGrpSpPr>
-        <p:cNvPr id="1" name=""/>
-        <p:cNvGrpSpPr/>
-        <p:nvPr/>
-      </p:nvGrpSpPr>
-      <p:grpSpPr>
-        <a:xfrm>
-          <a:off x="0" y="0"/>
-          <a:ext cx="0" cy="0"/>
-          <a:chOff x="0" y="0"/>
-          <a:chExt cx="0" cy="0"/>
-        </a:xfrm>
-      </p:grpSpPr>
-      <p:sp>
-        <p:nvSpPr>
-          <p:cNvPr id="2" name="標題 1">
-            <a:extLst>
-              <a:ext uri="{FF2B5EF4-FFF2-40B4-BE49-F238E27FC236}">
-                <a16:creationId xmlns:a16="http://schemas.microsoft.com/office/drawing/2014/main" id="{26847EDE-E633-4DA4-004A-9ACE794B0F79}"/>
-              </a:ext>
-            </a:extLst>
-          </p:cNvPr>
-          <p:cNvSpPr>
-            <a:spLocks noGrp="1"/>
-          </p:cNvSpPr>
-          <p:nvPr>
-            <p:ph type="title"/>
-          </p:nvPr>
-        </p:nvSpPr>
-        <p:spPr/>
-        <p:txBody>
-          <a:bodyPr/>
-          <a:lstStyle/>
-          <a:p>
-            <a:r>
-              <a:rPr lang="en-US" altLang="zh-TW" dirty="0">
-                <a:latin typeface="微軟正黑體" panose="020B0604030504040204" pitchFamily="34" charset="-120"/>
-                <a:ea typeface="微軟正黑體" panose="020B0604030504040204" pitchFamily="34" charset="-120"/>
-              </a:rPr>
-              <a:t>CoAP </a:t>
-            </a:r>
-            <a:r>
-              <a:rPr lang="zh-TW" altLang="en-US" dirty="0">
-                <a:latin typeface="微軟正黑體" panose="020B0604030504040204" pitchFamily="34" charset="-120"/>
-                <a:ea typeface="微軟正黑體" panose="020B0604030504040204" pitchFamily="34" charset="-120"/>
-              </a:rPr>
-              <a:t>的</a:t>
-            </a:r>
-            <a:r>
-              <a:rPr lang="en-US" altLang="zh-TW" dirty="0">
-                <a:latin typeface="微軟正黑體" panose="020B0604030504040204" pitchFamily="34" charset="-120"/>
-                <a:ea typeface="微軟正黑體" panose="020B0604030504040204" pitchFamily="34" charset="-120"/>
-              </a:rPr>
-              <a:t> Options </a:t>
-            </a:r>
-            <a:r>
-              <a:rPr lang="zh-TW" altLang="en-US" dirty="0">
-                <a:latin typeface="微軟正黑體" panose="020B0604030504040204" pitchFamily="34" charset="-120"/>
-                <a:ea typeface="微軟正黑體" panose="020B0604030504040204" pitchFamily="34" charset="-120"/>
-              </a:rPr>
-              <a:t>字段</a:t>
-            </a:r>
-          </a:p>
-        </p:txBody>
-      </p:sp>
-      <p:sp>
-        <p:nvSpPr>
-          <p:cNvPr id="4" name="矩形: 圓角 3">
-            <a:extLst>
-              <a:ext uri="{FF2B5EF4-FFF2-40B4-BE49-F238E27FC236}">
-                <a16:creationId xmlns:a16="http://schemas.microsoft.com/office/drawing/2014/main" id="{AEC28052-1105-BD35-F35F-369BF33CDC7C}"/>
-              </a:ext>
-            </a:extLst>
-          </p:cNvPr>
-          <p:cNvSpPr/>
-          <p:nvPr/>
-        </p:nvSpPr>
-        <p:spPr>
-          <a:xfrm>
-            <a:off x="516194" y="1998406"/>
-            <a:ext cx="6359014" cy="4001729"/>
-          </a:xfrm>
-          <a:prstGeom prst="roundRect">
-            <a:avLst/>
-          </a:prstGeom>
-        </p:spPr>
-        <p:style>
-          <a:lnRef idx="2">
-            <a:schemeClr val="accent1">
-              <a:shade val="15000"/>
-            </a:schemeClr>
-          </a:lnRef>
-          <a:fillRef idx="1">
-            <a:schemeClr val="accent1"/>
-          </a:fillRef>
-          <a:effectRef idx="0">
-            <a:schemeClr val="accent1"/>
-          </a:effectRef>
-          <a:fontRef idx="minor">
-            <a:schemeClr val="lt1"/>
-          </a:fontRef>
-        </p:style>
-        <p:txBody>
-          <a:bodyPr rtlCol="0" anchor="ctr"/>
-          <a:lstStyle/>
-          <a:p>
-            <a:r>
-              <a:rPr lang="en-US" altLang="zh-TW" dirty="0">
-                <a:latin typeface="Consolas" panose="020B0609020204030204" pitchFamily="49" charset="0"/>
-              </a:rPr>
-              <a:t> 0   1   2   3   4   5   6   7</a:t>
-            </a:r>
-          </a:p>
-          <a:p>
-            <a:r>
-              <a:rPr lang="en-US" altLang="zh-TW" dirty="0">
-                <a:latin typeface="Consolas" panose="020B0609020204030204" pitchFamily="49" charset="0"/>
-              </a:rPr>
-              <a:t>+---------------+---------------+</a:t>
-            </a:r>
-          </a:p>
-          <a:p>
-            <a:r>
-              <a:rPr lang="en-US" altLang="zh-TW" dirty="0">
-                <a:latin typeface="Consolas" panose="020B0609020204030204" pitchFamily="49" charset="0"/>
-              </a:rPr>
-              <a:t>|  Option Delta | Option Length |   1 byte</a:t>
-            </a:r>
-          </a:p>
-          <a:p>
-            <a:r>
-              <a:rPr lang="en-US" altLang="zh-TW" dirty="0">
-                <a:latin typeface="Consolas" panose="020B0609020204030204" pitchFamily="49" charset="0"/>
-              </a:rPr>
-              <a:t>+---------------+---------------+</a:t>
-            </a:r>
-          </a:p>
-          <a:p>
-            <a:r>
-              <a:rPr lang="en-US" altLang="zh-TW" dirty="0">
-                <a:latin typeface="Consolas" panose="020B0609020204030204" pitchFamily="49" charset="0"/>
-              </a:rPr>
-              <a:t>|         Option Delta          |   0-2 bytes</a:t>
-            </a:r>
-          </a:p>
-          <a:p>
-            <a:r>
-              <a:rPr lang="en-US" altLang="zh-TW" dirty="0">
-                <a:latin typeface="Consolas" panose="020B0609020204030204" pitchFamily="49" charset="0"/>
-              </a:rPr>
-              <a:t>|          (extended)           |</a:t>
-            </a:r>
-          </a:p>
-          <a:p>
-            <a:r>
-              <a:rPr lang="en-US" altLang="zh-TW" dirty="0">
-                <a:latin typeface="Consolas" panose="020B0609020204030204" pitchFamily="49" charset="0"/>
-              </a:rPr>
-              <a:t>+-------------------------------+</a:t>
-            </a:r>
-          </a:p>
-          <a:p>
-            <a:r>
-              <a:rPr lang="en-US" altLang="zh-TW" dirty="0">
-                <a:latin typeface="Consolas" panose="020B0609020204030204" pitchFamily="49" charset="0"/>
-              </a:rPr>
-              <a:t>|         Option Length         |   0-2 bytes</a:t>
-            </a:r>
-          </a:p>
-          <a:p>
-            <a:r>
-              <a:rPr lang="en-US" altLang="zh-TW" dirty="0">
-                <a:latin typeface="Consolas" panose="020B0609020204030204" pitchFamily="49" charset="0"/>
-              </a:rPr>
-              <a:t>|          (extended)           |</a:t>
-            </a:r>
-          </a:p>
-          <a:p>
-            <a:r>
-              <a:rPr lang="en-US" altLang="zh-TW" dirty="0">
-                <a:latin typeface="Consolas" panose="020B0609020204030204" pitchFamily="49" charset="0"/>
-              </a:rPr>
-              <a:t>+-------------------------------+</a:t>
-            </a:r>
-          </a:p>
-          <a:p>
-            <a:r>
-              <a:rPr lang="en-US" altLang="zh-TW" dirty="0">
-                <a:latin typeface="Consolas" panose="020B0609020204030204" pitchFamily="49" charset="0"/>
-              </a:rPr>
-              <a:t>|         Option Value          |   more bytes</a:t>
-            </a:r>
-          </a:p>
-          <a:p>
-            <a:r>
-              <a:rPr lang="en-US" altLang="zh-TW" dirty="0">
-                <a:latin typeface="Consolas" panose="020B0609020204030204" pitchFamily="49" charset="0"/>
-              </a:rPr>
-              <a:t>+-------------------------------+</a:t>
-            </a:r>
-            <a:endParaRPr lang="zh-TW" altLang="en-US" dirty="0">
-              <a:latin typeface="Consolas" panose="020B0609020204030204" pitchFamily="49" charset="0"/>
-            </a:endParaRPr>
-          </a:p>
-        </p:txBody>
-      </p:sp>
-      <p:sp>
-        <p:nvSpPr>
-          <p:cNvPr id="5" name="矩形: 圓角 4">
-            <a:extLst>
-              <a:ext uri="{FF2B5EF4-FFF2-40B4-BE49-F238E27FC236}">
-                <a16:creationId xmlns:a16="http://schemas.microsoft.com/office/drawing/2014/main" id="{C280CE8E-EA01-AF13-1D6D-06924E168942}"/>
-              </a:ext>
-            </a:extLst>
-          </p:cNvPr>
-          <p:cNvSpPr/>
-          <p:nvPr/>
-        </p:nvSpPr>
-        <p:spPr>
-          <a:xfrm>
-            <a:off x="7438103" y="503903"/>
-            <a:ext cx="4237703" cy="5496232"/>
-          </a:xfrm>
-          <a:prstGeom prst="roundRect">
-            <a:avLst/>
-          </a:prstGeom>
-        </p:spPr>
-        <p:style>
-          <a:lnRef idx="2">
-            <a:schemeClr val="accent1">
-              <a:shade val="15000"/>
-            </a:schemeClr>
-          </a:lnRef>
-          <a:fillRef idx="1">
-            <a:schemeClr val="accent1"/>
-          </a:fillRef>
-          <a:effectRef idx="0">
-            <a:schemeClr val="accent1"/>
-          </a:effectRef>
-          <a:fontRef idx="minor">
-            <a:schemeClr val="lt1"/>
-          </a:fontRef>
-        </p:style>
-        <p:txBody>
-          <a:bodyPr rtlCol="0" anchor="ctr"/>
-          <a:lstStyle/>
-          <a:p>
-            <a:r>
-              <a:rPr lang="en-US" altLang="zh-TW" dirty="0">
-                <a:latin typeface="Consolas" panose="020B0609020204030204" pitchFamily="49" charset="0"/>
-              </a:rPr>
-              <a:t>+--------+------------------+</a:t>
-            </a:r>
-          </a:p>
-          <a:p>
-            <a:r>
-              <a:rPr lang="en-US" altLang="zh-TW" dirty="0">
-                <a:latin typeface="Consolas" panose="020B0609020204030204" pitchFamily="49" charset="0"/>
-              </a:rPr>
-              <a:t>| Number | Name             |</a:t>
-            </a:r>
-          </a:p>
-          <a:p>
-            <a:r>
-              <a:rPr lang="en-US" altLang="zh-TW" dirty="0">
-                <a:latin typeface="Consolas" panose="020B0609020204030204" pitchFamily="49" charset="0"/>
-              </a:rPr>
-              <a:t>+--------+------------------+</a:t>
-            </a:r>
-          </a:p>
-          <a:p>
-            <a:r>
-              <a:rPr lang="en-US" altLang="zh-TW" dirty="0">
-                <a:latin typeface="Consolas" panose="020B0609020204030204" pitchFamily="49" charset="0"/>
-              </a:rPr>
-              <a:t>|      1 | If-Match         |</a:t>
-            </a:r>
-          </a:p>
-          <a:p>
-            <a:r>
-              <a:rPr lang="en-US" altLang="zh-TW" dirty="0">
-                <a:latin typeface="Consolas" panose="020B0609020204030204" pitchFamily="49" charset="0"/>
-              </a:rPr>
-              <a:t>|      3 | Uri-Host         |</a:t>
-            </a:r>
-          </a:p>
-          <a:p>
-            <a:r>
-              <a:rPr lang="en-US" altLang="zh-TW" dirty="0">
-                <a:latin typeface="Consolas" panose="020B0609020204030204" pitchFamily="49" charset="0"/>
-              </a:rPr>
-              <a:t>|      4 | ETag             |</a:t>
-            </a:r>
-          </a:p>
-          <a:p>
-            <a:r>
-              <a:rPr lang="en-US" altLang="zh-TW" dirty="0">
-                <a:latin typeface="Consolas" panose="020B0609020204030204" pitchFamily="49" charset="0"/>
-              </a:rPr>
-              <a:t>|      5 | If-None-Match    |</a:t>
-            </a:r>
-          </a:p>
-          <a:p>
-            <a:r>
-              <a:rPr lang="en-US" altLang="zh-TW" dirty="0">
-                <a:latin typeface="Consolas" panose="020B0609020204030204" pitchFamily="49" charset="0"/>
-              </a:rPr>
-              <a:t>|      7 | Uri-Port         |</a:t>
-            </a:r>
-          </a:p>
-          <a:p>
-            <a:r>
-              <a:rPr lang="en-US" altLang="zh-TW" dirty="0">
-                <a:latin typeface="Consolas" panose="020B0609020204030204" pitchFamily="49" charset="0"/>
-              </a:rPr>
-              <a:t>|      8 | Location-Path    |</a:t>
-            </a:r>
-          </a:p>
-          <a:p>
-            <a:r>
-              <a:rPr lang="en-US" altLang="zh-TW" dirty="0">
-                <a:latin typeface="Consolas" panose="020B0609020204030204" pitchFamily="49" charset="0"/>
-              </a:rPr>
-              <a:t>|     11 | Uri-Path         |</a:t>
-            </a:r>
-          </a:p>
-          <a:p>
-            <a:r>
-              <a:rPr lang="en-US" altLang="zh-TW" dirty="0">
-                <a:latin typeface="Consolas" panose="020B0609020204030204" pitchFamily="49" charset="0"/>
-              </a:rPr>
-              <a:t>|     12 | Content-Format   |</a:t>
-            </a:r>
-          </a:p>
-          <a:p>
-            <a:r>
-              <a:rPr lang="en-US" altLang="zh-TW" dirty="0">
-                <a:latin typeface="Consolas" panose="020B0609020204030204" pitchFamily="49" charset="0"/>
-              </a:rPr>
-              <a:t>|     14 | Max-Age          |</a:t>
-            </a:r>
-          </a:p>
-          <a:p>
-            <a:r>
-              <a:rPr lang="en-US" altLang="zh-TW" dirty="0">
-                <a:latin typeface="Consolas" panose="020B0609020204030204" pitchFamily="49" charset="0"/>
-              </a:rPr>
-              <a:t>|     15 | Uri-Query        |</a:t>
-            </a:r>
-          </a:p>
-          <a:p>
-            <a:r>
-              <a:rPr lang="en-US" altLang="zh-TW" dirty="0">
-                <a:latin typeface="Consolas" panose="020B0609020204030204" pitchFamily="49" charset="0"/>
-              </a:rPr>
-              <a:t>|     17 | Accept           |</a:t>
-            </a:r>
-          </a:p>
-          <a:p>
-            <a:r>
-              <a:rPr lang="en-US" altLang="zh-TW" dirty="0">
-                <a:latin typeface="Consolas" panose="020B0609020204030204" pitchFamily="49" charset="0"/>
-              </a:rPr>
-              <a:t>|     20 | Location-Query   |</a:t>
-            </a:r>
-          </a:p>
-          <a:p>
-            <a:r>
-              <a:rPr lang="en-US" altLang="zh-TW" dirty="0">
-                <a:latin typeface="Consolas" panose="020B0609020204030204" pitchFamily="49" charset="0"/>
-              </a:rPr>
-              <a:t>|     35 | Proxy-Uri        |</a:t>
-            </a:r>
-          </a:p>
-          <a:p>
-            <a:r>
-              <a:rPr lang="en-US" altLang="zh-TW" dirty="0">
-                <a:latin typeface="Consolas" panose="020B0609020204030204" pitchFamily="49" charset="0"/>
-              </a:rPr>
-              <a:t>|     39 | Proxy-Scheme     |</a:t>
-            </a:r>
-          </a:p>
-          <a:p>
-            <a:r>
-              <a:rPr lang="en-US" altLang="zh-TW" dirty="0">
-                <a:latin typeface="Consolas" panose="020B0609020204030204" pitchFamily="49" charset="0"/>
-              </a:rPr>
-              <a:t>|     60 | Size1            |</a:t>
-            </a:r>
-          </a:p>
-          <a:p>
-            <a:r>
-              <a:rPr lang="en-US" altLang="zh-TW" dirty="0">
-                <a:latin typeface="Consolas" panose="020B0609020204030204" pitchFamily="49" charset="0"/>
-              </a:rPr>
-              <a:t>+--------+------------------+</a:t>
-            </a:r>
-            <a:endParaRPr lang="zh-TW" altLang="en-US" dirty="0">
-              <a:latin typeface="Consolas" panose="020B0609020204030204" pitchFamily="49" charset="0"/>
-            </a:endParaRPr>
-          </a:p>
-        </p:txBody>
-      </p:sp>
-    </p:spTree>
-    <p:extLst>
-      <p:ext uri="{BB962C8B-B14F-4D97-AF65-F5344CB8AC3E}">
-        <p14:creationId xmlns:p14="http://schemas.microsoft.com/office/powerpoint/2010/main" val="295046607"/>
-      </p:ext>
-    </p:extLst>
-  </p:cSld>
-  <p:clrMapOvr>
-    <a:masterClrMapping/>
-  </p:clrMapOvr>
-</p:sld>
-</file>
-
-<file path=ppt/slides/slide9.xml><?xml version="1.0" encoding="utf-8"?>
-<p:sld xmlns:a="http://schemas.openxmlformats.org/drawingml/2006/main" xmlns:r="http://schemas.openxmlformats.org/officeDocument/2006/relationships" xmlns:p="http://schemas.openxmlformats.org/presentationml/2006/main">
-  <p:cSld>
-    <p:spTree>
-      <p:nvGrpSpPr>
-        <p:cNvPr id="1" name=""/>
-        <p:cNvGrpSpPr/>
-        <p:nvPr/>
-      </p:nvGrpSpPr>
-      <p:grpSpPr>
-        <a:xfrm>
-          <a:off x="0" y="0"/>
-          <a:ext cx="0" cy="0"/>
-          <a:chOff x="0" y="0"/>
-          <a:chExt cx="0" cy="0"/>
-        </a:xfrm>
-      </p:grpSpPr>
-      <p:sp>
-        <p:nvSpPr>
-          <p:cNvPr id="2" name="標題 1">
-            <a:extLst>
-              <a:ext uri="{FF2B5EF4-FFF2-40B4-BE49-F238E27FC236}">
-                <a16:creationId xmlns:a16="http://schemas.microsoft.com/office/drawing/2014/main" id="{6CA3554E-BDD3-2AAD-14AC-29762A88A83B}"/>
-              </a:ext>
-            </a:extLst>
-          </p:cNvPr>
-          <p:cNvSpPr>
-            <a:spLocks noGrp="1"/>
-          </p:cNvSpPr>
-          <p:nvPr>
-            <p:ph type="title"/>
-          </p:nvPr>
-        </p:nvSpPr>
-        <p:spPr/>
-        <p:txBody>
-          <a:bodyPr/>
-          <a:lstStyle/>
-          <a:p>
-            <a:r>
-              <a:rPr lang="en-US" altLang="zh-TW" dirty="0">
-                <a:latin typeface="微軟正黑體" panose="020B0604030504040204" pitchFamily="34" charset="-120"/>
-                <a:ea typeface="微軟正黑體" panose="020B0604030504040204" pitchFamily="34" charset="-120"/>
-              </a:rPr>
-              <a:t>Content-Format</a:t>
-            </a:r>
-            <a:r>
-              <a:rPr lang="zh-TW" altLang="en-US" dirty="0">
-                <a:latin typeface="微軟正黑體" panose="020B0604030504040204" pitchFamily="34" charset="-120"/>
-                <a:ea typeface="微軟正黑體" panose="020B0604030504040204" pitchFamily="34" charset="-120"/>
-              </a:rPr>
-              <a:t> 選項</a:t>
-            </a:r>
-          </a:p>
-        </p:txBody>
-      </p:sp>
-      <p:sp>
-        <p:nvSpPr>
-          <p:cNvPr id="4" name="矩形: 圓角 3">
-            <a:extLst>
-              <a:ext uri="{FF2B5EF4-FFF2-40B4-BE49-F238E27FC236}">
-                <a16:creationId xmlns:a16="http://schemas.microsoft.com/office/drawing/2014/main" id="{8DE5E9CD-43ED-9E7D-C4D4-15447AA4C9A6}"/>
-              </a:ext>
-            </a:extLst>
-          </p:cNvPr>
-          <p:cNvSpPr/>
-          <p:nvPr/>
-        </p:nvSpPr>
-        <p:spPr>
-          <a:xfrm>
-            <a:off x="1342103" y="2251127"/>
-            <a:ext cx="9507793" cy="3476624"/>
-          </a:xfrm>
-          <a:prstGeom prst="roundRect">
-            <a:avLst/>
-          </a:prstGeom>
-        </p:spPr>
-        <p:style>
-          <a:lnRef idx="2">
-            <a:schemeClr val="accent1">
-              <a:shade val="15000"/>
-            </a:schemeClr>
-          </a:lnRef>
-          <a:fillRef idx="1">
-            <a:schemeClr val="accent1"/>
-          </a:fillRef>
-          <a:effectRef idx="0">
-            <a:schemeClr val="accent1"/>
-          </a:effectRef>
-          <a:fontRef idx="minor">
-            <a:schemeClr val="lt1"/>
-          </a:fontRef>
-        </p:style>
-        <p:txBody>
-          <a:bodyPr rtlCol="0" anchor="ctr"/>
-          <a:lstStyle/>
-          <a:p>
-            <a:pPr algn="ctr"/>
-            <a:r>
-              <a:rPr lang="en-US" altLang="zh-TW" dirty="0">
-                <a:latin typeface="Consolas" panose="020B0609020204030204" pitchFamily="49" charset="0"/>
-              </a:rPr>
-              <a:t>+--------------------------+----------+----+------------------------+</a:t>
-            </a:r>
-          </a:p>
-          <a:p>
-            <a:pPr algn="ctr"/>
-            <a:r>
-              <a:rPr lang="en-US" altLang="zh-TW" dirty="0">
-                <a:latin typeface="Consolas" panose="020B0609020204030204" pitchFamily="49" charset="0"/>
-              </a:rPr>
-              <a:t>| Media type               | Encoding | ID | Reference              |</a:t>
-            </a:r>
-          </a:p>
-          <a:p>
-            <a:pPr algn="ctr"/>
-            <a:r>
-              <a:rPr lang="en-US" altLang="zh-TW" dirty="0">
-                <a:latin typeface="Consolas" panose="020B0609020204030204" pitchFamily="49" charset="0"/>
-              </a:rPr>
-              <a:t>+--------------------------+----------+----+------------------------+</a:t>
-            </a:r>
-          </a:p>
-          <a:p>
-            <a:pPr algn="ctr"/>
-            <a:r>
-              <a:rPr lang="en-US" altLang="zh-TW" dirty="0">
-                <a:latin typeface="Consolas" panose="020B0609020204030204" pitchFamily="49" charset="0"/>
-              </a:rPr>
-              <a:t>| text/plain;              | -        |  0 | [RFC2046] [RFC3676]    |</a:t>
-            </a:r>
-          </a:p>
-          <a:p>
-            <a:pPr algn="ctr"/>
-            <a:r>
-              <a:rPr lang="en-US" altLang="zh-TW" dirty="0">
-                <a:latin typeface="Consolas" panose="020B0609020204030204" pitchFamily="49" charset="0"/>
-              </a:rPr>
-              <a:t>| charset=utf-8            |          |    | [RFC5147]              |</a:t>
-            </a:r>
-          </a:p>
-          <a:p>
-            <a:pPr algn="ctr"/>
-            <a:r>
-              <a:rPr lang="en-US" altLang="zh-TW" dirty="0">
-                <a:latin typeface="Consolas" panose="020B0609020204030204" pitchFamily="49" charset="0"/>
-              </a:rPr>
-              <a:t>| application/link-format  | -        | 40 | [RFC6690]              |</a:t>
-            </a:r>
-          </a:p>
-          <a:p>
-            <a:pPr algn="ctr"/>
-            <a:r>
-              <a:rPr lang="en-US" altLang="zh-TW" dirty="0">
-                <a:latin typeface="Consolas" panose="020B0609020204030204" pitchFamily="49" charset="0"/>
-              </a:rPr>
-              <a:t>| application/xml          | -        | 41 | [RFC3023]              |</a:t>
-            </a:r>
-          </a:p>
-          <a:p>
-            <a:pPr algn="ctr"/>
-            <a:r>
-              <a:rPr lang="en-US" altLang="zh-TW" dirty="0">
-                <a:latin typeface="Consolas" panose="020B0609020204030204" pitchFamily="49" charset="0"/>
-              </a:rPr>
-              <a:t>| application/octet-stream | -        | 42 | [RFC2045] [RFC2046]    |</a:t>
-            </a:r>
-          </a:p>
-          <a:p>
-            <a:pPr algn="ctr"/>
-            <a:r>
-              <a:rPr lang="en-US" altLang="zh-TW" dirty="0">
-                <a:latin typeface="Consolas" panose="020B0609020204030204" pitchFamily="49" charset="0"/>
-              </a:rPr>
-              <a:t>| application/</a:t>
-            </a:r>
-            <a:r>
-              <a:rPr lang="en-US" altLang="zh-TW" dirty="0" err="1">
-                <a:latin typeface="Consolas" panose="020B0609020204030204" pitchFamily="49" charset="0"/>
-              </a:rPr>
-              <a:t>exi</a:t>
-            </a:r>
-            <a:r>
-              <a:rPr lang="en-US" altLang="zh-TW" dirty="0">
-                <a:latin typeface="Consolas" panose="020B0609020204030204" pitchFamily="49" charset="0"/>
-              </a:rPr>
-              <a:t>          | -        | 47 | [REC-exi-20140211]     |</a:t>
-            </a:r>
-          </a:p>
-          <a:p>
-            <a:pPr algn="ctr"/>
-            <a:r>
-              <a:rPr lang="en-US" altLang="zh-TW" dirty="0">
-                <a:latin typeface="Consolas" panose="020B0609020204030204" pitchFamily="49" charset="0"/>
-              </a:rPr>
-              <a:t>| application/</a:t>
-            </a:r>
-            <a:r>
-              <a:rPr lang="en-US" altLang="zh-TW" dirty="0" err="1">
-                <a:latin typeface="Consolas" panose="020B0609020204030204" pitchFamily="49" charset="0"/>
-              </a:rPr>
-              <a:t>json</a:t>
-            </a:r>
-            <a:r>
-              <a:rPr lang="en-US" altLang="zh-TW" dirty="0">
-                <a:latin typeface="Consolas" panose="020B0609020204030204" pitchFamily="49" charset="0"/>
-              </a:rPr>
-              <a:t>         | -        | 50 | [RFC7159]              |</a:t>
-            </a:r>
-          </a:p>
-          <a:p>
-            <a:pPr algn="ctr"/>
-            <a:r>
-              <a:rPr lang="en-US" altLang="zh-TW" dirty="0">
-                <a:latin typeface="Consolas" panose="020B0609020204030204" pitchFamily="49" charset="0"/>
-              </a:rPr>
-              <a:t>+--------------------------+----------+----+------------------------+</a:t>
-            </a:r>
-            <a:endParaRPr lang="zh-TW" altLang="en-US" dirty="0">
-              <a:latin typeface="Consolas" panose="020B0609020204030204" pitchFamily="49" charset="0"/>
-            </a:endParaRPr>
-          </a:p>
-        </p:txBody>
-      </p:sp>
-    </p:spTree>
-    <p:extLst>
-      <p:ext uri="{BB962C8B-B14F-4D97-AF65-F5344CB8AC3E}">
-        <p14:creationId xmlns:p14="http://schemas.microsoft.com/office/powerpoint/2010/main" val="3266495256"/>
       </p:ext>
     </p:extLst>
   </p:cSld>
